--- a/Victoria Housing Median Price Change from 2011-2021.pptx
+++ b/Victoria Housing Median Price Change from 2011-2021.pptx
@@ -13954,13 +13954,13 @@
         </p:spPr>
         <p:txBody>
           <a:bodyPr>
-            <a:normAutofit/>
+            <a:normAutofit lnSpcReduction="10000"/>
           </a:bodyPr>
           <a:lstStyle/>
           <a:p>
             <a:r>
               <a:rPr lang="en-US" dirty="0"/>
-              <a:t>Our aim was to investigate the relationship between the median house price and the economy of Australia, in order to see if there if there is any relationship between house prices and interest rates. </a:t>
+              <a:t>Our aim was to investigate the relationship between the median house price and the economy of Australia, in order to see if there if there is any relationship, specifically between house prices and interest rates. </a:t>
             </a:r>
           </a:p>
           <a:p>
@@ -13978,11 +13978,11 @@
           <a:p>
             <a:r>
               <a:rPr lang="en-US" dirty="0"/>
-              <a:t>- Having an outcome where an individual is able to use the </a:t>
+              <a:t>- Having an outcome where an individual is able to use our </a:t>
             </a:r>
             <a:r>
               <a:rPr lang="en-AU" dirty="0"/>
-              <a:t>visualisation</a:t>
+              <a:t>visualisations</a:t>
             </a:r>
             <a:r>
               <a:rPr lang="en-US" dirty="0"/>
@@ -14311,7 +14311,7 @@
                 <a:ea typeface="+mn-ea"/>
                 <a:cs typeface="+mn-cs"/>
               </a:rPr>
-              <a:t> This included over 800 rows of property data.</a:t>
+              <a:t>This included over 800 rows of property data.</a:t>
             </a:r>
           </a:p>
           <a:p>
@@ -15644,8 +15644,27 @@
           </a:xfrm>
         </p:spPr>
         <p:txBody>
-          <a:bodyPr/>
+          <a:bodyPr>
+            <a:normAutofit/>
+          </a:bodyPr>
           <a:lstStyle/>
+          <a:p>
+            <a:r>
+              <a:rPr lang="en-US" dirty="0"/>
+              <a:t>As expected, while interest rates have been falling since the beginning of the timeframe our data looked at, house prices have been </a:t>
+            </a:r>
+            <a:r>
+              <a:rPr lang="en-US"/>
+              <a:t>steadily rising</a:t>
+            </a:r>
+            <a:endParaRPr lang="en-US" dirty="0"/>
+          </a:p>
+          <a:p>
+            <a:r>
+              <a:rPr lang="en-US" dirty="0"/>
+              <a:t>Inflation rates seem to have a stronger connection to  S&amp;P/ASX 200 data we used, however, this is tentative at best</a:t>
+            </a:r>
+          </a:p>
           <a:p>
             <a:endParaRPr lang="en-US" dirty="0"/>
           </a:p>
@@ -15677,7 +15696,7 @@
           <a:bodyPr/>
           <a:lstStyle/>
           <a:p>
-            <a:endParaRPr lang="en-US"/>
+            <a:endParaRPr lang="en-US" dirty="0"/>
           </a:p>
         </p:txBody>
       </p:sp>
@@ -15918,7 +15937,7 @@
               <a:defRPr/>
             </a:pPr>
             <a:r>
-              <a:rPr kumimoji="0" lang="en-US" b="0" i="0" u="none" strike="noStrike" kern="1200" cap="none" spc="0" normalizeH="0" baseline="0" noProof="0" dirty="0">
+              <a:rPr kumimoji="0" lang="en-US" sz="1700" b="0" i="0" u="none" strike="noStrike" kern="1200" cap="none" spc="0" normalizeH="0" baseline="0" noProof="0" dirty="0">
                 <a:ln>
                   <a:noFill/>
                 </a:ln>
@@ -15953,7 +15972,7 @@
               <a:defRPr/>
             </a:pPr>
             <a:r>
-              <a:rPr kumimoji="0" lang="en-US" b="0" i="0" u="none" strike="noStrike" kern="1200" cap="none" spc="0" normalizeH="0" baseline="0" noProof="0" dirty="0">
+              <a:rPr kumimoji="0" lang="en-US" sz="1700" b="0" i="0" u="none" strike="noStrike" kern="1200" cap="none" spc="0" normalizeH="0" baseline="0" noProof="0" dirty="0">
                 <a:ln>
                   <a:noFill/>
                 </a:ln>
@@ -15969,7 +15988,7 @@
               </a:rPr>
               <a:t>https://www.rba.gov.au/statistics/</a:t>
             </a:r>
-            <a:endParaRPr kumimoji="0" lang="en-US" b="0" i="0" u="none" strike="noStrike" kern="1200" cap="none" spc="0" normalizeH="0" baseline="0" noProof="0" dirty="0">
+            <a:endParaRPr kumimoji="0" lang="en-US" sz="1700" b="0" i="0" u="none" strike="noStrike" kern="1200" cap="none" spc="0" normalizeH="0" baseline="0" noProof="0" dirty="0">
               <a:ln>
                 <a:noFill/>
               </a:ln>
@@ -16002,7 +16021,7 @@
               <a:defRPr/>
             </a:pPr>
             <a:r>
-              <a:rPr kumimoji="0" lang="en-US" b="0" i="0" u="none" strike="noStrike" kern="1200" cap="none" spc="0" normalizeH="0" baseline="0" noProof="0" dirty="0">
+              <a:rPr kumimoji="0" lang="en-US" sz="1700" b="0" i="0" u="none" strike="noStrike" kern="1200" cap="none" spc="0" normalizeH="0" baseline="0" noProof="0" dirty="0">
                 <a:ln>
                   <a:noFill/>
                 </a:ln>
@@ -16018,7 +16037,7 @@
               </a:rPr>
               <a:t>https://www.wsj.com/market-data/quotes/index/AU/XJO/historical-prices</a:t>
             </a:r>
-            <a:endParaRPr kumimoji="0" lang="en-US" b="0" i="0" u="none" strike="noStrike" kern="1200" cap="none" spc="0" normalizeH="0" baseline="0" noProof="0" dirty="0">
+            <a:endParaRPr kumimoji="0" lang="en-US" sz="1700" b="0" i="0" u="none" strike="noStrike" kern="1200" cap="none" spc="0" normalizeH="0" baseline="0" noProof="0" dirty="0">
               <a:ln>
                 <a:noFill/>
               </a:ln>
@@ -16051,7 +16070,7 @@
               <a:defRPr/>
             </a:pPr>
             <a:r>
-              <a:rPr kumimoji="0" lang="en-AU" b="0" i="0" u="sng" strike="noStrike" kern="1200" cap="none" spc="0" normalizeH="0" baseline="0" noProof="0" dirty="0">
+              <a:rPr kumimoji="0" lang="en-AU" sz="1700" b="0" i="0" u="sng" strike="noStrike" kern="1200" cap="none" spc="0" normalizeH="0" baseline="0" noProof="0" dirty="0">
                 <a:ln>
                   <a:noFill/>
                 </a:ln>
@@ -16067,7 +16086,7 @@
               </a:rPr>
               <a:t>https://discover.data.vic.gov.au/dataset/victorian-property-sales-report-median-house-by-suburb-time-series1/historical</a:t>
             </a:r>
-            <a:endParaRPr kumimoji="0" lang="en-US" b="0" i="0" u="none" strike="noStrike" kern="1200" cap="none" spc="0" normalizeH="0" baseline="0" noProof="0" dirty="0">
+            <a:endParaRPr kumimoji="0" lang="en-US" sz="1700" b="0" i="0" u="none" strike="noStrike" kern="1200" cap="none" spc="0" normalizeH="0" baseline="0" noProof="0" dirty="0">
               <a:ln>
                 <a:noFill/>
               </a:ln>
@@ -16082,7 +16101,7 @@
             </a:endParaRPr>
           </a:p>
           <a:p>
-            <a:endParaRPr lang="en-US" dirty="0">
+            <a:endParaRPr lang="en-US" sz="1700" dirty="0">
               <a:solidFill>
                 <a:schemeClr val="bg1"/>
               </a:solidFill>

--- a/Victoria Housing Median Price Change from 2011-2021.pptx
+++ b/Victoria Housing Median Price Change from 2011-2021.pptx
@@ -15616,7 +15616,15 @@
           <a:p>
             <a:r>
               <a:rPr lang="en-US" dirty="0"/>
-              <a:t>Insight into move valuable suburbs to invest in</a:t>
+              <a:t>Insight </a:t>
+            </a:r>
+            <a:r>
+              <a:rPr lang="en-US"/>
+              <a:t>into most </a:t>
+            </a:r>
+            <a:r>
+              <a:rPr lang="en-US" dirty="0"/>
+              <a:t>valuable suburbs to invest in</a:t>
             </a:r>
           </a:p>
         </p:txBody>
@@ -15640,7 +15648,7 @@
         <p:spPr>
           <a:xfrm>
             <a:off x="964022" y="2799146"/>
-            <a:ext cx="4941477" cy="1942138"/>
+            <a:ext cx="4941477" cy="3271454"/>
           </a:xfrm>
         </p:spPr>
         <p:txBody>
@@ -15651,19 +15659,17 @@
           <a:p>
             <a:r>
               <a:rPr lang="en-US" dirty="0"/>
-              <a:t>As expected, while interest rates have been falling since the beginning of the timeframe our data looked at, house prices have been </a:t>
+              <a:t>As expected, while interest rates have been falling since the beginning of the timeframe our data looked at, house prices have been steadily rising, demonstrating a strong connection between these two aspects</a:t>
             </a:r>
-            <a:r>
-              <a:rPr lang="en-US"/>
-              <a:t>steadily rising</a:t>
-            </a:r>
-            <a:endParaRPr lang="en-US" dirty="0"/>
           </a:p>
           <a:p>
             <a:r>
               <a:rPr lang="en-US" dirty="0"/>
-              <a:t>Inflation rates seem to have a stronger connection to  S&amp;P/ASX 200 data we used, however, this is tentative at best</a:t>
+              <a:t>Inflation rates seem to be more closely related to the S&amp;P/ASX 200 data we used; however, this connection is tentative at best and not enough to draw any meaningful conclusions</a:t>
             </a:r>
+          </a:p>
+          <a:p>
+            <a:endParaRPr lang="en-US" dirty="0"/>
           </a:p>
           <a:p>
             <a:endParaRPr lang="en-US" dirty="0"/>

--- a/Victoria Housing Median Price Change from 2011-2021.pptx
+++ b/Victoria Housing Median Price Change from 2011-2021.pptx
@@ -15616,15 +15616,7 @@
           <a:p>
             <a:r>
               <a:rPr lang="en-US" dirty="0"/>
-              <a:t>Insight </a:t>
-            </a:r>
-            <a:r>
-              <a:rPr lang="en-US"/>
-              <a:t>into most </a:t>
-            </a:r>
-            <a:r>
-              <a:rPr lang="en-US" dirty="0"/>
-              <a:t>valuable suburbs to invest in</a:t>
+              <a:t>Insight into most valuable suburbs to invest in</a:t>
             </a:r>
           </a:p>
         </p:txBody>
@@ -15701,6 +15693,18 @@
         <p:txBody>
           <a:bodyPr/>
           <a:lstStyle/>
+          <a:p>
+            <a:r>
+              <a:rPr lang="en-US" dirty="0"/>
+              <a:t>Using the choropleth map, it is clear that many Melbourne suburbs are experiencing growth at the moment</a:t>
+            </a:r>
+          </a:p>
+          <a:p>
+            <a:r>
+              <a:rPr lang="en-US" dirty="0"/>
+              <a:t>Many of the areas with the highest growth rates appear to be in the northern and eastern suburbs, signaling them as great opportunities for investment based on past performance</a:t>
+            </a:r>
+          </a:p>
           <a:p>
             <a:endParaRPr lang="en-US" dirty="0"/>
           </a:p>

--- a/Victoria Housing Median Price Change from 2011-2021.pptx
+++ b/Victoria Housing Median Price Change from 2011-2021.pptx
@@ -364,7 +364,7 @@
           <a:p>
             <a:fld id="{6EE7A52F-9D89-7442-A8E9-48D1527B5F6B}" type="datetimeFigureOut">
               <a:rPr lang="en-US" smtClean="0"/>
-              <a:t>11/22/2022</a:t>
+              <a:t>11/27/2022</a:t>
             </a:fld>
             <a:endParaRPr lang="en-US" dirty="0"/>
           </a:p>
@@ -2026,7 +2026,7 @@
             <a:fld id="{6FCA8E82-58CD-E045-8B98-B7A85B79B752}" type="datetime4">
               <a:rPr lang="en-US" smtClean="0"/>
               <a:pPr/>
-              <a:t>November 22, 2022</a:t>
+              <a:t>November 27, 2022</a:t>
             </a:fld>
             <a:endParaRPr lang="en-US" dirty="0">
               <a:latin typeface="+mn-lt"/>
@@ -3156,7 +3156,7 @@
             <a:fld id="{6FCA8E82-58CD-E045-8B98-B7A85B79B752}" type="datetime4">
               <a:rPr lang="en-US" smtClean="0"/>
               <a:pPr/>
-              <a:t>November 22, 2022</a:t>
+              <a:t>November 27, 2022</a:t>
             </a:fld>
             <a:endParaRPr lang="en-US" dirty="0">
               <a:latin typeface="+mn-lt"/>
@@ -4285,7 +4285,7 @@
             <a:fld id="{6FCA8E82-58CD-E045-8B98-B7A85B79B752}" type="datetime4">
               <a:rPr lang="en-US" smtClean="0"/>
               <a:pPr/>
-              <a:t>November 22, 2022</a:t>
+              <a:t>November 27, 2022</a:t>
             </a:fld>
             <a:endParaRPr lang="en-US" dirty="0">
               <a:latin typeface="+mn-lt"/>
@@ -6583,7 +6583,7 @@
             <a:fld id="{6FCA8E82-58CD-E045-8B98-B7A85B79B752}" type="datetime4">
               <a:rPr lang="en-US" smtClean="0"/>
               <a:pPr/>
-              <a:t>November 22, 2022</a:t>
+              <a:t>November 27, 2022</a:t>
             </a:fld>
             <a:endParaRPr lang="en-US" dirty="0">
               <a:latin typeface="+mn-lt"/>
@@ -7218,7 +7218,7 @@
             <a:fld id="{6FCA8E82-58CD-E045-8B98-B7A85B79B752}" type="datetime4">
               <a:rPr lang="en-US" smtClean="0"/>
               <a:pPr/>
-              <a:t>November 22, 2022</a:t>
+              <a:t>November 27, 2022</a:t>
             </a:fld>
             <a:endParaRPr lang="en-US" dirty="0">
               <a:latin typeface="+mn-lt"/>
@@ -7988,7 +7988,7 @@
             <a:fld id="{6FCA8E82-58CD-E045-8B98-B7A85B79B752}" type="datetime4">
               <a:rPr lang="en-US" smtClean="0"/>
               <a:pPr/>
-              <a:t>November 22, 2022</a:t>
+              <a:t>November 27, 2022</a:t>
             </a:fld>
             <a:endParaRPr lang="en-US" dirty="0">
               <a:latin typeface="+mn-lt"/>
@@ -8252,7 +8252,7 @@
             <a:fld id="{6FCA8E82-58CD-E045-8B98-B7A85B79B752}" type="datetime4">
               <a:rPr lang="en-US" smtClean="0"/>
               <a:pPr/>
-              <a:t>November 22, 2022</a:t>
+              <a:t>November 27, 2022</a:t>
             </a:fld>
             <a:endParaRPr lang="en-US" dirty="0">
               <a:latin typeface="+mn-lt"/>
@@ -11175,7 +11175,7 @@
             <a:fld id="{6FCA8E82-58CD-E045-8B98-B7A85B79B752}" type="datetime4">
               <a:rPr lang="en-US" smtClean="0"/>
               <a:pPr/>
-              <a:t>November 22, 2022</a:t>
+              <a:t>November 27, 2022</a:t>
             </a:fld>
             <a:endParaRPr lang="en-US" dirty="0">
               <a:latin typeface="+mn-lt"/>
@@ -12350,7 +12350,7 @@
             <a:fld id="{6FCA8E82-58CD-E045-8B98-B7A85B79B752}" type="datetime4">
               <a:rPr lang="en-US" smtClean="0"/>
               <a:pPr/>
-              <a:t>November 22, 2022</a:t>
+              <a:t>November 27, 2022</a:t>
             </a:fld>
             <a:endParaRPr lang="en-US" dirty="0">
               <a:latin typeface="+mn-lt"/>
@@ -12666,7 +12666,7 @@
             <a:fld id="{6FCA8E82-58CD-E045-8B98-B7A85B79B752}" type="datetime4">
               <a:rPr lang="en-US" smtClean="0"/>
               <a:pPr/>
-              <a:t>November 22, 2022</a:t>
+              <a:t>November 27, 2022</a:t>
             </a:fld>
             <a:endParaRPr lang="en-US" dirty="0">
               <a:latin typeface="+mn-lt"/>
@@ -14362,7 +14362,9 @@
           </a:xfrm>
         </p:spPr>
         <p:txBody>
-          <a:bodyPr/>
+          <a:bodyPr>
+            <a:normAutofit lnSpcReduction="10000"/>
+          </a:bodyPr>
           <a:lstStyle/>
           <a:p>
             <a:pPr>
@@ -14371,7 +14373,7 @@
             </a:pPr>
             <a:r>
               <a:rPr lang="en-US" dirty="0"/>
-              <a:t>Used pandas to transform the data until it was ready to be uploaded into a database</a:t>
+              <a:t>Used pandas to filter and transform the data until it was ready to be uploaded into a database</a:t>
             </a:r>
           </a:p>
           <a:p>
@@ -14381,7 +14383,7 @@
             </a:pPr>
             <a:r>
               <a:rPr lang="en-US" dirty="0"/>
-              <a:t>Chose SQL due to our familiarity with it</a:t>
+              <a:t>Chose to upload everything to SQL due to our familiarity with it</a:t>
             </a:r>
           </a:p>
           <a:p>
@@ -14391,7 +14393,15 @@
             </a:pPr>
             <a:r>
               <a:rPr lang="en-US" dirty="0"/>
-              <a:t>Used Leaflet to create a choropleth map, with suburb popups and D3 to display the data from the SQL database</a:t>
+              <a:t>Incorporated a new JavaScript library – sql.js, which converts </a:t>
+            </a:r>
+            <a:r>
+              <a:rPr lang="en-US" dirty="0" err="1"/>
+              <a:t>sql</a:t>
+            </a:r>
+            <a:r>
+              <a:rPr lang="en-US" dirty="0"/>
+              <a:t> databases into JavaScript typed arrays</a:t>
             </a:r>
           </a:p>
           <a:p>
@@ -14399,7 +14409,10 @@
               <a:buFontTx/>
               <a:buChar char="-"/>
             </a:pPr>
-            <a:endParaRPr lang="en-US" dirty="0"/>
+            <a:r>
+              <a:rPr lang="en-US" dirty="0"/>
+              <a:t>Used Leaflet to create a choropleth map, with suburb popups that, once clicked, display a more complete version of the suburb’s information on the dashboard</a:t>
+            </a:r>
           </a:p>
           <a:p>
             <a:pPr>
@@ -16924,24 +16937,6 @@
 </file>
 
 <file path=customXml/item1.xml><?xml version="1.0" encoding="utf-8"?>
-<p:properties xmlns:p="http://schemas.microsoft.com/office/2006/metadata/properties" xmlns:xsi="http://www.w3.org/2001/XMLSchema-instance" xmlns:pc="http://schemas.microsoft.com/office/infopath/2007/PartnerControls">
-  <documentManagement>
-    <Status xmlns="71af3243-3dd4-4a8d-8c0d-dd76da1f02a5">Not started</Status>
-    <MediaServiceKeyPoints xmlns="71af3243-3dd4-4a8d-8c0d-dd76da1f02a5" xsi:nil="true"/>
-  </documentManagement>
-</p:properties>
-</file>
-
-<file path=customXml/item2.xml><?xml version="1.0" encoding="utf-8"?>
-<?mso-contentType ?>
-<FormTemplates xmlns="http://schemas.microsoft.com/sharepoint/v3/contenttype/forms">
-  <Display>DocumentLibraryForm</Display>
-  <Edit>DocumentLibraryForm</Edit>
-  <New>DocumentLibraryForm</New>
-</FormTemplates>
-</file>
-
-<file path=customXml/item3.xml><?xml version="1.0" encoding="utf-8"?>
 <ct:contentTypeSchema xmlns:ct="http://schemas.microsoft.com/office/2006/metadata/contentType" xmlns:ma="http://schemas.microsoft.com/office/2006/metadata/properties/metaAttributes" ct:_="" ma:_="" ma:contentTypeName="Document" ma:contentTypeID="0x01010079F111ED35F8CC479449609E8A0923A6" ma:contentTypeVersion="12" ma:contentTypeDescription="Create a new document." ma:contentTypeScope="" ma:versionID="426e97fa315356fffbdcd9876fe988c2">
   <xsd:schema xmlns:xsd="http://www.w3.org/2001/XMLSchema" xmlns:xs="http://www.w3.org/2001/XMLSchema" xmlns:p="http://schemas.microsoft.com/office/2006/metadata/properties" xmlns:ns2="71af3243-3dd4-4a8d-8c0d-dd76da1f02a5" xmlns:ns3="16c05727-aa75-4e4a-9b5f-8a80a1165891" targetNamespace="http://schemas.microsoft.com/office/2006/metadata/properties" ma:root="true" ma:fieldsID="14b8f0def80e6d70ce3def20c90759ae" ns2:_="" ns3:_="">
     <xsd:import namespace="71af3243-3dd4-4a8d-8c0d-dd76da1f02a5"/>
@@ -17162,25 +17157,25 @@
 </ct:contentTypeSchema>
 </file>
 
-<file path=customXml/itemProps1.xml><?xml version="1.0" encoding="utf-8"?>
-<ds:datastoreItem xmlns:ds="http://schemas.openxmlformats.org/officeDocument/2006/customXml" ds:itemID="{09EC1AB0-9704-404D-B6D3-819D938AC55B}">
-  <ds:schemaRefs>
-    <ds:schemaRef ds:uri="http://schemas.microsoft.com/office/2006/metadata/properties"/>
-    <ds:schemaRef ds:uri="http://schemas.microsoft.com/office/infopath/2007/PartnerControls"/>
-    <ds:schemaRef ds:uri="71af3243-3dd4-4a8d-8c0d-dd76da1f02a5"/>
-  </ds:schemaRefs>
-</ds:datastoreItem>
+<file path=customXml/item2.xml><?xml version="1.0" encoding="utf-8"?>
+<?mso-contentType ?>
+<FormTemplates xmlns="http://schemas.microsoft.com/sharepoint/v3/contenttype/forms">
+  <Display>DocumentLibraryForm</Display>
+  <Edit>DocumentLibraryForm</Edit>
+  <New>DocumentLibraryForm</New>
+</FormTemplates>
 </file>
 
-<file path=customXml/itemProps2.xml><?xml version="1.0" encoding="utf-8"?>
-<ds:datastoreItem xmlns:ds="http://schemas.openxmlformats.org/officeDocument/2006/customXml" ds:itemID="{1D20B6E4-879E-4E6C-BDE7-261540CD3765}">
-  <ds:schemaRefs>
-    <ds:schemaRef ds:uri="http://schemas.microsoft.com/sharepoint/v3/contenttype/forms"/>
-  </ds:schemaRefs>
-</ds:datastoreItem>
+<file path=customXml/item3.xml><?xml version="1.0" encoding="utf-8"?>
+<p:properties xmlns:p="http://schemas.microsoft.com/office/2006/metadata/properties" xmlns:xsi="http://www.w3.org/2001/XMLSchema-instance" xmlns:pc="http://schemas.microsoft.com/office/infopath/2007/PartnerControls">
+  <documentManagement>
+    <Status xmlns="71af3243-3dd4-4a8d-8c0d-dd76da1f02a5">Not started</Status>
+    <MediaServiceKeyPoints xmlns="71af3243-3dd4-4a8d-8c0d-dd76da1f02a5" xsi:nil="true"/>
+  </documentManagement>
+</p:properties>
 </file>
 
-<file path=customXml/itemProps3.xml><?xml version="1.0" encoding="utf-8"?>
+<file path=customXml/itemProps1.xml><?xml version="1.0" encoding="utf-8"?>
 <ds:datastoreItem xmlns:ds="http://schemas.openxmlformats.org/officeDocument/2006/customXml" ds:itemID="{94F21D10-BD83-491A-AAA6-945C2DB1EB01}">
   <ds:schemaRefs>
     <ds:schemaRef ds:uri="http://schemas.microsoft.com/office/2006/metadata/contentType"/>
@@ -17197,4 +17192,22 @@
     <ds:schemaRef ds:uri="http://schemas.microsoft.com/internal/obd"/>
   </ds:schemaRefs>
 </ds:datastoreItem>
+</file>
+
+<file path=customXml/itemProps2.xml><?xml version="1.0" encoding="utf-8"?>
+<ds:datastoreItem xmlns:ds="http://schemas.openxmlformats.org/officeDocument/2006/customXml" ds:itemID="{1D20B6E4-879E-4E6C-BDE7-261540CD3765}">
+  <ds:schemaRefs>
+    <ds:schemaRef ds:uri="http://schemas.microsoft.com/sharepoint/v3/contenttype/forms"/>
+  </ds:schemaRefs>
+</ds:datastoreItem>
+</file>
+
+<file path=customXml/itemProps3.xml><?xml version="1.0" encoding="utf-8"?>
+<ds:datastoreItem xmlns:ds="http://schemas.openxmlformats.org/officeDocument/2006/customXml" ds:itemID="{09EC1AB0-9704-404D-B6D3-819D938AC55B}">
+  <ds:schemaRefs>
+    <ds:schemaRef ds:uri="http://schemas.microsoft.com/office/2006/metadata/properties"/>
+    <ds:schemaRef ds:uri="http://schemas.microsoft.com/office/infopath/2007/PartnerControls"/>
+    <ds:schemaRef ds:uri="71af3243-3dd4-4a8d-8c0d-dd76da1f02a5"/>
+  </ds:schemaRefs>
+</ds:datastoreItem>
 </file>
--- a/Victoria Housing Median Price Change from 2011-2021.pptx
+++ b/Victoria Housing Median Price Change from 2011-2021.pptx
@@ -5,21 +5,23 @@
     <p:sldMasterId id="2147483658" r:id="rId4"/>
   </p:sldMasterIdLst>
   <p:notesMasterIdLst>
-    <p:notesMasterId r:id="rId14"/>
+    <p:notesMasterId r:id="rId16"/>
   </p:notesMasterIdLst>
   <p:handoutMasterIdLst>
-    <p:handoutMasterId r:id="rId15"/>
+    <p:handoutMasterId r:id="rId17"/>
   </p:handoutMasterIdLst>
   <p:sldIdLst>
     <p:sldId id="350" r:id="rId5"/>
     <p:sldId id="352" r:id="rId6"/>
     <p:sldId id="361" r:id="rId7"/>
     <p:sldId id="353" r:id="rId8"/>
-    <p:sldId id="362" r:id="rId9"/>
-    <p:sldId id="365" r:id="rId10"/>
+    <p:sldId id="365" r:id="rId9"/>
+    <p:sldId id="362" r:id="rId10"/>
     <p:sldId id="363" r:id="rId11"/>
-    <p:sldId id="364" r:id="rId12"/>
-    <p:sldId id="343" r:id="rId13"/>
+    <p:sldId id="368" r:id="rId12"/>
+    <p:sldId id="369" r:id="rId13"/>
+    <p:sldId id="364" r:id="rId14"/>
+    <p:sldId id="343" r:id="rId15"/>
   </p:sldIdLst>
   <p:sldSz cx="12192000" cy="6858000"/>
   <p:notesSz cx="6858000" cy="9144000"/>
@@ -133,6 +135,334 @@
 <p:cmAuthorLst xmlns:a="http://schemas.openxmlformats.org/drawingml/2006/main" xmlns:r="http://schemas.openxmlformats.org/officeDocument/2006/relationships" xmlns:p="http://schemas.openxmlformats.org/presentationml/2006/main">
   <p:cmAuthor id="2" name="Author" initials="A" lastIdx="0" clrIdx="1"/>
 </p:cmAuthorLst>
+</file>
+
+<file path=ppt/revisionInfo.xml><?xml version="1.0" encoding="utf-8"?>
+<p1510:revInfo xmlns:a="http://schemas.openxmlformats.org/drawingml/2006/main" xmlns:r="http://schemas.openxmlformats.org/officeDocument/2006/relationships" xmlns:p1510="http://schemas.microsoft.com/office/powerpoint/2015/10/main">
+  <p1510:revLst>
+    <p1510:client id="{CB1D472D-8E16-42E1-A702-5BAE9194B898}" v="9" dt="2022-11-27T07:10:53.942"/>
+  </p1510:revLst>
+</p1510:revInfo>
+</file>
+
+<file path=ppt/changesInfos/changesInfo1.xml><?xml version="1.0" encoding="utf-8"?>
+<pc:chgInfo xmlns:a="http://schemas.openxmlformats.org/drawingml/2006/main" xmlns:r="http://schemas.openxmlformats.org/officeDocument/2006/relationships" xmlns:ac="http://schemas.microsoft.com/office/drawing/2013/main/command" xmlns:pc="http://schemas.microsoft.com/office/powerpoint/2013/main/command">
+  <pc:docChgLst>
+    <pc:chgData name="haodong zhang" userId="99dd9b3791a2b71d" providerId="LiveId" clId="{CB1D472D-8E16-42E1-A702-5BAE9194B898}"/>
+    <pc:docChg chg="undo custSel addSld delSld modSld sldOrd">
+      <pc:chgData name="haodong zhang" userId="99dd9b3791a2b71d" providerId="LiveId" clId="{CB1D472D-8E16-42E1-A702-5BAE9194B898}" dt="2022-11-27T07:17:13.119" v="452" actId="1076"/>
+      <pc:docMkLst>
+        <pc:docMk/>
+      </pc:docMkLst>
+      <pc:sldChg chg="addSp modSp mod">
+        <pc:chgData name="haodong zhang" userId="99dd9b3791a2b71d" providerId="LiveId" clId="{CB1D472D-8E16-42E1-A702-5BAE9194B898}" dt="2022-11-27T07:10:05.560" v="306" actId="3626"/>
+        <pc:sldMkLst>
+          <pc:docMk/>
+          <pc:sldMk cId="495483412" sldId="363"/>
+        </pc:sldMkLst>
+        <pc:spChg chg="mod">
+          <ac:chgData name="haodong zhang" userId="99dd9b3791a2b71d" providerId="LiveId" clId="{CB1D472D-8E16-42E1-A702-5BAE9194B898}" dt="2022-11-27T07:10:05.560" v="306" actId="3626"/>
+          <ac:spMkLst>
+            <pc:docMk/>
+            <pc:sldMk cId="495483412" sldId="363"/>
+            <ac:spMk id="2" creationId="{C18026B5-2F88-BA48-A996-4A13FDFAA43A}"/>
+          </ac:spMkLst>
+        </pc:spChg>
+        <pc:picChg chg="add mod">
+          <ac:chgData name="haodong zhang" userId="99dd9b3791a2b71d" providerId="LiveId" clId="{CB1D472D-8E16-42E1-A702-5BAE9194B898}" dt="2022-11-27T07:05:54.816" v="298" actId="14100"/>
+          <ac:picMkLst>
+            <pc:docMk/>
+            <pc:sldMk cId="495483412" sldId="363"/>
+            <ac:picMk id="13" creationId="{6AC79EC7-2208-BDF0-506C-4E263F7495E6}"/>
+          </ac:picMkLst>
+        </pc:picChg>
+        <pc:picChg chg="add mod">
+          <ac:chgData name="haodong zhang" userId="99dd9b3791a2b71d" providerId="LiveId" clId="{CB1D472D-8E16-42E1-A702-5BAE9194B898}" dt="2022-11-27T07:06:15.537" v="301" actId="1076"/>
+          <ac:picMkLst>
+            <pc:docMk/>
+            <pc:sldMk cId="495483412" sldId="363"/>
+            <ac:picMk id="15" creationId="{9A0019EB-B61F-C240-5B1E-A5523180EBCF}"/>
+          </ac:picMkLst>
+        </pc:picChg>
+        <pc:picChg chg="add mod">
+          <ac:chgData name="haodong zhang" userId="99dd9b3791a2b71d" providerId="LiveId" clId="{CB1D472D-8E16-42E1-A702-5BAE9194B898}" dt="2022-11-27T07:06:33.363" v="305" actId="14100"/>
+          <ac:picMkLst>
+            <pc:docMk/>
+            <pc:sldMk cId="495483412" sldId="363"/>
+            <ac:picMk id="17" creationId="{68DA25FB-AD46-84EF-54C5-D88A31665891}"/>
+          </ac:picMkLst>
+        </pc:picChg>
+      </pc:sldChg>
+      <pc:sldChg chg="addSp delSp modSp mod ord">
+        <pc:chgData name="haodong zhang" userId="99dd9b3791a2b71d" providerId="LiveId" clId="{CB1D472D-8E16-42E1-A702-5BAE9194B898}" dt="2022-11-27T07:17:13.119" v="452" actId="1076"/>
+        <pc:sldMkLst>
+          <pc:docMk/>
+          <pc:sldMk cId="1769643072" sldId="365"/>
+        </pc:sldMkLst>
+        <pc:spChg chg="mod">
+          <ac:chgData name="haodong zhang" userId="99dd9b3791a2b71d" providerId="LiveId" clId="{CB1D472D-8E16-42E1-A702-5BAE9194B898}" dt="2022-11-27T07:14:24.984" v="418" actId="20577"/>
+          <ac:spMkLst>
+            <pc:docMk/>
+            <pc:sldMk cId="1769643072" sldId="365"/>
+            <ac:spMk id="3" creationId="{9CD657E5-4675-E84E-840E-4F6D4868C5A9}"/>
+          </ac:spMkLst>
+        </pc:spChg>
+        <pc:spChg chg="mod">
+          <ac:chgData name="haodong zhang" userId="99dd9b3791a2b71d" providerId="LiveId" clId="{CB1D472D-8E16-42E1-A702-5BAE9194B898}" dt="2022-11-27T07:16:31.475" v="449" actId="20577"/>
+          <ac:spMkLst>
+            <pc:docMk/>
+            <pc:sldMk cId="1769643072" sldId="365"/>
+            <ac:spMk id="4" creationId="{6AF03CC0-7DA0-ED4F-B612-580E138D588A}"/>
+          </ac:spMkLst>
+        </pc:spChg>
+        <pc:picChg chg="add del mod">
+          <ac:chgData name="haodong zhang" userId="99dd9b3791a2b71d" providerId="LiveId" clId="{CB1D472D-8E16-42E1-A702-5BAE9194B898}" dt="2022-11-27T07:15:12.008" v="422" actId="478"/>
+          <ac:picMkLst>
+            <pc:docMk/>
+            <pc:sldMk cId="1769643072" sldId="365"/>
+            <ac:picMk id="11" creationId="{064B28D5-B114-6FB6-4429-56D86C843B5D}"/>
+          </ac:picMkLst>
+        </pc:picChg>
+        <pc:picChg chg="add del mod">
+          <ac:chgData name="haodong zhang" userId="99dd9b3791a2b71d" providerId="LiveId" clId="{CB1D472D-8E16-42E1-A702-5BAE9194B898}" dt="2022-11-27T07:15:42.073" v="430" actId="478"/>
+          <ac:picMkLst>
+            <pc:docMk/>
+            <pc:sldMk cId="1769643072" sldId="365"/>
+            <ac:picMk id="13" creationId="{EEA858FA-CEA3-B3CB-45D8-9F996708B2B8}"/>
+          </ac:picMkLst>
+        </pc:picChg>
+        <pc:picChg chg="add del">
+          <ac:chgData name="haodong zhang" userId="99dd9b3791a2b71d" providerId="LiveId" clId="{CB1D472D-8E16-42E1-A702-5BAE9194B898}" dt="2022-11-27T07:16:21.706" v="432" actId="478"/>
+          <ac:picMkLst>
+            <pc:docMk/>
+            <pc:sldMk cId="1769643072" sldId="365"/>
+            <ac:picMk id="15" creationId="{E630B288-C40E-7BE0-6128-C5733CE5A793}"/>
+          </ac:picMkLst>
+        </pc:picChg>
+        <pc:picChg chg="add mod">
+          <ac:chgData name="haodong zhang" userId="99dd9b3791a2b71d" providerId="LiveId" clId="{CB1D472D-8E16-42E1-A702-5BAE9194B898}" dt="2022-11-27T07:16:28.122" v="436" actId="1076"/>
+          <ac:picMkLst>
+            <pc:docMk/>
+            <pc:sldMk cId="1769643072" sldId="365"/>
+            <ac:picMk id="17" creationId="{4FF4F3AD-C75C-5981-40D8-6441A5EE0F88}"/>
+          </ac:picMkLst>
+        </pc:picChg>
+        <pc:picChg chg="add mod">
+          <ac:chgData name="haodong zhang" userId="99dd9b3791a2b71d" providerId="LiveId" clId="{CB1D472D-8E16-42E1-A702-5BAE9194B898}" dt="2022-11-27T07:17:13.119" v="452" actId="1076"/>
+          <ac:picMkLst>
+            <pc:docMk/>
+            <pc:sldMk cId="1769643072" sldId="365"/>
+            <ac:picMk id="19" creationId="{12042427-70F9-C8B9-BF7E-62F9150BD8B1}"/>
+          </ac:picMkLst>
+        </pc:picChg>
+      </pc:sldChg>
+      <pc:sldChg chg="addSp delSp modSp add del mod">
+        <pc:chgData name="haodong zhang" userId="99dd9b3791a2b71d" providerId="LiveId" clId="{CB1D472D-8E16-42E1-A702-5BAE9194B898}" dt="2022-11-27T06:55:07.975" v="80" actId="2696"/>
+        <pc:sldMkLst>
+          <pc:docMk/>
+          <pc:sldMk cId="920240216" sldId="366"/>
+        </pc:sldMkLst>
+        <pc:spChg chg="mod">
+          <ac:chgData name="haodong zhang" userId="99dd9b3791a2b71d" providerId="LiveId" clId="{CB1D472D-8E16-42E1-A702-5BAE9194B898}" dt="2022-11-27T06:51:06.937" v="14"/>
+          <ac:spMkLst>
+            <pc:docMk/>
+            <pc:sldMk cId="920240216" sldId="366"/>
+            <ac:spMk id="2" creationId="{C18026B5-2F88-BA48-A996-4A13FDFAA43A}"/>
+          </ac:spMkLst>
+        </pc:spChg>
+        <pc:spChg chg="mod">
+          <ac:chgData name="haodong zhang" userId="99dd9b3791a2b71d" providerId="LiveId" clId="{CB1D472D-8E16-42E1-A702-5BAE9194B898}" dt="2022-11-27T06:53:33.866" v="48" actId="20577"/>
+          <ac:spMkLst>
+            <pc:docMk/>
+            <pc:sldMk cId="920240216" sldId="366"/>
+            <ac:spMk id="3" creationId="{A5ABDF8F-0AD5-5C43-9EF3-8679B9897E01}"/>
+          </ac:spMkLst>
+        </pc:spChg>
+        <pc:spChg chg="add del">
+          <ac:chgData name="haodong zhang" userId="99dd9b3791a2b71d" providerId="LiveId" clId="{CB1D472D-8E16-42E1-A702-5BAE9194B898}" dt="2022-11-27T06:51:33.863" v="19" actId="478"/>
+          <ac:spMkLst>
+            <pc:docMk/>
+            <pc:sldMk cId="920240216" sldId="366"/>
+            <ac:spMk id="7" creationId="{8820E658-15B8-6C4B-A736-3D894774670E}"/>
+          </ac:spMkLst>
+        </pc:spChg>
+        <pc:spChg chg="add del">
+          <ac:chgData name="haodong zhang" userId="99dd9b3791a2b71d" providerId="LiveId" clId="{CB1D472D-8E16-42E1-A702-5BAE9194B898}" dt="2022-11-27T06:51:34.502" v="20" actId="478"/>
+          <ac:spMkLst>
+            <pc:docMk/>
+            <pc:sldMk cId="920240216" sldId="366"/>
+            <ac:spMk id="8" creationId="{7F52F621-1B1F-5E49-939F-12BD1A0FD522}"/>
+          </ac:spMkLst>
+        </pc:spChg>
+        <pc:spChg chg="add del mod">
+          <ac:chgData name="haodong zhang" userId="99dd9b3791a2b71d" providerId="LiveId" clId="{CB1D472D-8E16-42E1-A702-5BAE9194B898}" dt="2022-11-27T06:51:33.863" v="19" actId="478"/>
+          <ac:spMkLst>
+            <pc:docMk/>
+            <pc:sldMk cId="920240216" sldId="366"/>
+            <ac:spMk id="13" creationId="{00735C9F-E091-EC51-FE45-C756E4A584AD}"/>
+          </ac:spMkLst>
+        </pc:spChg>
+        <pc:picChg chg="add mod">
+          <ac:chgData name="haodong zhang" userId="99dd9b3791a2b71d" providerId="LiveId" clId="{CB1D472D-8E16-42E1-A702-5BAE9194B898}" dt="2022-11-27T06:53:55.158" v="50" actId="1076"/>
+          <ac:picMkLst>
+            <pc:docMk/>
+            <pc:sldMk cId="920240216" sldId="366"/>
+            <ac:picMk id="15" creationId="{0A58540C-C927-0B4D-6C8A-D8F0E8319B5D}"/>
+          </ac:picMkLst>
+        </pc:picChg>
+      </pc:sldChg>
+      <pc:sldChg chg="add del">
+        <pc:chgData name="haodong zhang" userId="99dd9b3791a2b71d" providerId="LiveId" clId="{CB1D472D-8E16-42E1-A702-5BAE9194B898}" dt="2022-11-27T06:55:12.992" v="81" actId="47"/>
+        <pc:sldMkLst>
+          <pc:docMk/>
+          <pc:sldMk cId="3598756740" sldId="367"/>
+        </pc:sldMkLst>
+      </pc:sldChg>
+      <pc:sldChg chg="addSp delSp modSp add mod">
+        <pc:chgData name="haodong zhang" userId="99dd9b3791a2b71d" providerId="LiveId" clId="{CB1D472D-8E16-42E1-A702-5BAE9194B898}" dt="2022-11-27T06:55:00.875" v="79" actId="20577"/>
+        <pc:sldMkLst>
+          <pc:docMk/>
+          <pc:sldMk cId="2796823039" sldId="368"/>
+        </pc:sldMkLst>
+        <pc:spChg chg="mod">
+          <ac:chgData name="haodong zhang" userId="99dd9b3791a2b71d" providerId="LiveId" clId="{CB1D472D-8E16-42E1-A702-5BAE9194B898}" dt="2022-11-27T06:54:11.896" v="52"/>
+          <ac:spMkLst>
+            <pc:docMk/>
+            <pc:sldMk cId="2796823039" sldId="368"/>
+            <ac:spMk id="2" creationId="{68F0FA04-6227-9040-92A6-9514A59B8E7B}"/>
+          </ac:spMkLst>
+        </pc:spChg>
+        <pc:spChg chg="mod">
+          <ac:chgData name="haodong zhang" userId="99dd9b3791a2b71d" providerId="LiveId" clId="{CB1D472D-8E16-42E1-A702-5BAE9194B898}" dt="2022-11-27T06:54:17.816" v="53"/>
+          <ac:spMkLst>
+            <pc:docMk/>
+            <pc:sldMk cId="2796823039" sldId="368"/>
+            <ac:spMk id="3" creationId="{9CD657E5-4675-E84E-840E-4F6D4868C5A9}"/>
+          </ac:spMkLst>
+        </pc:spChg>
+        <pc:spChg chg="mod">
+          <ac:chgData name="haodong zhang" userId="99dd9b3791a2b71d" providerId="LiveId" clId="{CB1D472D-8E16-42E1-A702-5BAE9194B898}" dt="2022-11-27T06:55:00.875" v="79" actId="20577"/>
+          <ac:spMkLst>
+            <pc:docMk/>
+            <pc:sldMk cId="2796823039" sldId="368"/>
+            <ac:spMk id="4" creationId="{6AF03CC0-7DA0-ED4F-B612-580E138D588A}"/>
+          </ac:spMkLst>
+        </pc:spChg>
+        <pc:spChg chg="del">
+          <ac:chgData name="haodong zhang" userId="99dd9b3791a2b71d" providerId="LiveId" clId="{CB1D472D-8E16-42E1-A702-5BAE9194B898}" dt="2022-11-27T06:54:24.074" v="54" actId="478"/>
+          <ac:spMkLst>
+            <pc:docMk/>
+            <pc:sldMk cId="2796823039" sldId="368"/>
+            <ac:spMk id="5" creationId="{0B4B9306-DDC0-AD4F-A9C2-739C6AEB0172}"/>
+          </ac:spMkLst>
+        </pc:spChg>
+        <pc:spChg chg="del">
+          <ac:chgData name="haodong zhang" userId="99dd9b3791a2b71d" providerId="LiveId" clId="{CB1D472D-8E16-42E1-A702-5BAE9194B898}" dt="2022-11-27T06:54:42.014" v="57" actId="22"/>
+          <ac:spMkLst>
+            <pc:docMk/>
+            <pc:sldMk cId="2796823039" sldId="368"/>
+            <ac:spMk id="6" creationId="{B7D8EEE0-6E1C-9F47-936F-25FCC2FC368C}"/>
+          </ac:spMkLst>
+        </pc:spChg>
+        <pc:picChg chg="add mod">
+          <ac:chgData name="haodong zhang" userId="99dd9b3791a2b71d" providerId="LiveId" clId="{CB1D472D-8E16-42E1-A702-5BAE9194B898}" dt="2022-11-27T06:54:26.695" v="56" actId="1076"/>
+          <ac:picMkLst>
+            <pc:docMk/>
+            <pc:sldMk cId="2796823039" sldId="368"/>
+            <ac:picMk id="10" creationId="{43B42E95-886E-B6CE-52AE-20BE82E492DE}"/>
+          </ac:picMkLst>
+        </pc:picChg>
+        <pc:picChg chg="add mod ord">
+          <ac:chgData name="haodong zhang" userId="99dd9b3791a2b71d" providerId="LiveId" clId="{CB1D472D-8E16-42E1-A702-5BAE9194B898}" dt="2022-11-27T06:54:47.066" v="59" actId="14100"/>
+          <ac:picMkLst>
+            <pc:docMk/>
+            <pc:sldMk cId="2796823039" sldId="368"/>
+            <ac:picMk id="12" creationId="{E0F9ADF6-BE06-9726-123B-B523B1E3F0FC}"/>
+          </ac:picMkLst>
+        </pc:picChg>
+      </pc:sldChg>
+      <pc:sldChg chg="addSp delSp modSp add mod">
+        <pc:chgData name="haodong zhang" userId="99dd9b3791a2b71d" providerId="LiveId" clId="{CB1D472D-8E16-42E1-A702-5BAE9194B898}" dt="2022-11-27T07:04:17.002" v="292" actId="20577"/>
+        <pc:sldMkLst>
+          <pc:docMk/>
+          <pc:sldMk cId="259787247" sldId="369"/>
+        </pc:sldMkLst>
+        <pc:spChg chg="del">
+          <ac:chgData name="haodong zhang" userId="99dd9b3791a2b71d" providerId="LiveId" clId="{CB1D472D-8E16-42E1-A702-5BAE9194B898}" dt="2022-11-27T06:56:46.560" v="87" actId="478"/>
+          <ac:spMkLst>
+            <pc:docMk/>
+            <pc:sldMk cId="259787247" sldId="369"/>
+            <ac:spMk id="3" creationId="{9CD657E5-4675-E84E-840E-4F6D4868C5A9}"/>
+          </ac:spMkLst>
+        </pc:spChg>
+        <pc:spChg chg="del">
+          <ac:chgData name="haodong zhang" userId="99dd9b3791a2b71d" providerId="LiveId" clId="{CB1D472D-8E16-42E1-A702-5BAE9194B898}" dt="2022-11-27T06:56:49.768" v="89" actId="478"/>
+          <ac:spMkLst>
+            <pc:docMk/>
+            <pc:sldMk cId="259787247" sldId="369"/>
+            <ac:spMk id="4" creationId="{6AF03CC0-7DA0-ED4F-B612-580E138D588A}"/>
+          </ac:spMkLst>
+        </pc:spChg>
+        <pc:spChg chg="add mod">
+          <ac:chgData name="haodong zhang" userId="99dd9b3791a2b71d" providerId="LiveId" clId="{CB1D472D-8E16-42E1-A702-5BAE9194B898}" dt="2022-11-27T06:57:23.272" v="147" actId="20577"/>
+          <ac:spMkLst>
+            <pc:docMk/>
+            <pc:sldMk cId="259787247" sldId="369"/>
+            <ac:spMk id="13" creationId="{F7DA601F-D818-6FBF-67EB-9C824F067697}"/>
+          </ac:spMkLst>
+        </pc:spChg>
+        <pc:spChg chg="add del mod">
+          <ac:chgData name="haodong zhang" userId="99dd9b3791a2b71d" providerId="LiveId" clId="{CB1D472D-8E16-42E1-A702-5BAE9194B898}" dt="2022-11-27T06:56:56.014" v="92" actId="478"/>
+          <ac:spMkLst>
+            <pc:docMk/>
+            <pc:sldMk cId="259787247" sldId="369"/>
+            <ac:spMk id="15" creationId="{6E375390-9D12-4944-F25F-87ECF96BE2F2}"/>
+          </ac:spMkLst>
+        </pc:spChg>
+        <pc:spChg chg="add del mod">
+          <ac:chgData name="haodong zhang" userId="99dd9b3791a2b71d" providerId="LiveId" clId="{CB1D472D-8E16-42E1-A702-5BAE9194B898}" dt="2022-11-27T06:56:53.662" v="91" actId="478"/>
+          <ac:spMkLst>
+            <pc:docMk/>
+            <pc:sldMk cId="259787247" sldId="369"/>
+            <ac:spMk id="17" creationId="{A242AD5A-98E1-1B79-4BD7-24EAFAC6B73B}"/>
+          </ac:spMkLst>
+        </pc:spChg>
+        <pc:spChg chg="add mod">
+          <ac:chgData name="haodong zhang" userId="99dd9b3791a2b71d" providerId="LiveId" clId="{CB1D472D-8E16-42E1-A702-5BAE9194B898}" dt="2022-11-27T07:04:17.002" v="292" actId="20577"/>
+          <ac:spMkLst>
+            <pc:docMk/>
+            <pc:sldMk cId="259787247" sldId="369"/>
+            <ac:spMk id="18" creationId="{EBDA0AE7-4EDE-AD75-62D3-2B44E5262B10}"/>
+          </ac:spMkLst>
+        </pc:spChg>
+        <pc:picChg chg="add mod">
+          <ac:chgData name="haodong zhang" userId="99dd9b3791a2b71d" providerId="LiveId" clId="{CB1D472D-8E16-42E1-A702-5BAE9194B898}" dt="2022-11-27T06:56:52.083" v="90" actId="1076"/>
+          <ac:picMkLst>
+            <pc:docMk/>
+            <pc:sldMk cId="259787247" sldId="369"/>
+            <ac:picMk id="6" creationId="{CBB3310F-E798-339A-98C8-20A21038721C}"/>
+          </ac:picMkLst>
+        </pc:picChg>
+        <pc:picChg chg="del">
+          <ac:chgData name="haodong zhang" userId="99dd9b3791a2b71d" providerId="LiveId" clId="{CB1D472D-8E16-42E1-A702-5BAE9194B898}" dt="2022-11-27T06:56:44.455" v="86" actId="478"/>
+          <ac:picMkLst>
+            <pc:docMk/>
+            <pc:sldMk cId="259787247" sldId="369"/>
+            <ac:picMk id="10" creationId="{43B42E95-886E-B6CE-52AE-20BE82E492DE}"/>
+          </ac:picMkLst>
+        </pc:picChg>
+        <pc:picChg chg="del">
+          <ac:chgData name="haodong zhang" userId="99dd9b3791a2b71d" providerId="LiveId" clId="{CB1D472D-8E16-42E1-A702-5BAE9194B898}" dt="2022-11-27T06:56:48.375" v="88" actId="478"/>
+          <ac:picMkLst>
+            <pc:docMk/>
+            <pc:sldMk cId="259787247" sldId="369"/>
+            <ac:picMk id="12" creationId="{E0F9ADF6-BE06-9726-123B-B523B1E3F0FC}"/>
+          </ac:picMkLst>
+        </pc:picChg>
+      </pc:sldChg>
+    </pc:docChg>
+  </pc:docChgLst>
+</pc:chgInfo>
 </file>
 
 <file path=ppt/handoutMasters/handoutMaster1.xml><?xml version="1.0" encoding="utf-8"?>
@@ -696,7 +1026,7 @@
           <a:p>
             <a:fld id="{A89C7E07-3C67-C64C-8DA0-0404F6303970}" type="slidenum">
               <a:rPr lang="en-US" smtClean="0"/>
-              <a:t>9</a:t>
+              <a:t>11</a:t>
             </a:fld>
             <a:endParaRPr lang="en-US" dirty="0"/>
           </a:p>
@@ -13345,7 +13675,7 @@
 </p:sld>
 </file>
 
-<file path=ppt/slides/slide2.xml><?xml version="1.0" encoding="utf-8"?>
+<file path=ppt/slides/slide10.xml><?xml version="1.0" encoding="utf-8"?>
 <p:sld xmlns:a="http://schemas.openxmlformats.org/drawingml/2006/main" xmlns:r="http://schemas.openxmlformats.org/officeDocument/2006/relationships" xmlns:p="http://schemas.openxmlformats.org/presentationml/2006/main">
   <p:cSld>
     <p:spTree>
@@ -13367,7 +13697,7 @@
           <p:cNvPr id="2" name="Title 1">
             <a:extLst>
               <a:ext uri="{FF2B5EF4-FFF2-40B4-BE49-F238E27FC236}">
-                <a16:creationId xmlns:a16="http://schemas.microsoft.com/office/drawing/2014/main" id="{2DD54756-A790-C845-A85F-35391529E591}"/>
+                <a16:creationId xmlns:a16="http://schemas.microsoft.com/office/drawing/2014/main" id="{8C122DF8-59D4-D94D-8ED9-F2F319899DBF}"/>
               </a:ext>
             </a:extLst>
           </p:cNvPr>
@@ -13385,539 +13715,6 @@
           </a:xfrm>
         </p:spPr>
         <p:txBody>
-          <a:bodyPr/>
-          <a:lstStyle/>
-          <a:p>
-            <a:r>
-              <a:rPr lang="en-US" dirty="0"/>
-              <a:t>Outline</a:t>
-            </a:r>
-          </a:p>
-        </p:txBody>
-      </p:sp>
-      <p:sp>
-        <p:nvSpPr>
-          <p:cNvPr id="4" name="Text Placeholder 3">
-            <a:extLst>
-              <a:ext uri="{FF2B5EF4-FFF2-40B4-BE49-F238E27FC236}">
-                <a16:creationId xmlns:a16="http://schemas.microsoft.com/office/drawing/2014/main" id="{C7EC6698-132B-1143-A2A9-00A97D9572D8}"/>
-              </a:ext>
-            </a:extLst>
-          </p:cNvPr>
-          <p:cNvSpPr>
-            <a:spLocks noGrp="1"/>
-          </p:cNvSpPr>
-          <p:nvPr>
-            <p:ph type="body" sz="quarter" idx="14"/>
-          </p:nvPr>
-        </p:nvSpPr>
-        <p:spPr>
-          <a:xfrm>
-            <a:off x="952500" y="2209800"/>
-            <a:ext cx="2133600" cy="205837"/>
-          </a:xfrm>
-        </p:spPr>
-        <p:txBody>
-          <a:bodyPr/>
-          <a:lstStyle/>
-          <a:p>
-            <a:r>
-              <a:rPr lang="en-US" dirty="0"/>
-              <a:t>01. Introduction</a:t>
-            </a:r>
-          </a:p>
-        </p:txBody>
-      </p:sp>
-      <p:sp>
-        <p:nvSpPr>
-          <p:cNvPr id="3" name="Text Placeholder 2">
-            <a:extLst>
-              <a:ext uri="{FF2B5EF4-FFF2-40B4-BE49-F238E27FC236}">
-                <a16:creationId xmlns:a16="http://schemas.microsoft.com/office/drawing/2014/main" id="{91AA5D8C-0134-F046-A548-3465F817747C}"/>
-              </a:ext>
-            </a:extLst>
-          </p:cNvPr>
-          <p:cNvSpPr>
-            <a:spLocks noGrp="1"/>
-          </p:cNvSpPr>
-          <p:nvPr>
-            <p:ph type="body" sz="quarter" idx="13"/>
-          </p:nvPr>
-        </p:nvSpPr>
-        <p:spPr>
-          <a:xfrm>
-            <a:off x="952500" y="2818296"/>
-            <a:ext cx="2133600" cy="778796"/>
-          </a:xfrm>
-        </p:spPr>
-        <p:txBody>
-          <a:bodyPr/>
-          <a:lstStyle/>
-          <a:p>
-            <a:r>
-              <a:rPr lang="en-US" sz="1600" dirty="0"/>
-              <a:t>Our chosen topic and why it is important</a:t>
-            </a:r>
-          </a:p>
-        </p:txBody>
-      </p:sp>
-      <p:sp>
-        <p:nvSpPr>
-          <p:cNvPr id="6" name="Text Placeholder 5">
-            <a:extLst>
-              <a:ext uri="{FF2B5EF4-FFF2-40B4-BE49-F238E27FC236}">
-                <a16:creationId xmlns:a16="http://schemas.microsoft.com/office/drawing/2014/main" id="{C0015C52-08ED-464E-B7E8-24892D9C1319}"/>
-              </a:ext>
-            </a:extLst>
-          </p:cNvPr>
-          <p:cNvSpPr>
-            <a:spLocks noGrp="1"/>
-          </p:cNvSpPr>
-          <p:nvPr>
-            <p:ph type="body" sz="quarter" idx="16"/>
-          </p:nvPr>
-        </p:nvSpPr>
-        <p:spPr>
-          <a:xfrm>
-            <a:off x="3663042" y="2209800"/>
-            <a:ext cx="2128157" cy="205837"/>
-          </a:xfrm>
-        </p:spPr>
-        <p:txBody>
-          <a:bodyPr/>
-          <a:lstStyle/>
-          <a:p>
-            <a:r>
-              <a:rPr lang="en-US" dirty="0"/>
-              <a:t>02. The Project</a:t>
-            </a:r>
-          </a:p>
-        </p:txBody>
-      </p:sp>
-      <p:sp>
-        <p:nvSpPr>
-          <p:cNvPr id="5" name="Text Placeholder 4">
-            <a:extLst>
-              <a:ext uri="{FF2B5EF4-FFF2-40B4-BE49-F238E27FC236}">
-                <a16:creationId xmlns:a16="http://schemas.microsoft.com/office/drawing/2014/main" id="{6979C7D4-91CF-6443-91D5-65DC860B407D}"/>
-              </a:ext>
-            </a:extLst>
-          </p:cNvPr>
-          <p:cNvSpPr>
-            <a:spLocks noGrp="1"/>
-          </p:cNvSpPr>
-          <p:nvPr>
-            <p:ph type="body" sz="quarter" idx="15"/>
-          </p:nvPr>
-        </p:nvSpPr>
-        <p:spPr>
-          <a:xfrm>
-            <a:off x="3663042" y="2818295"/>
-            <a:ext cx="2128157" cy="778795"/>
-          </a:xfrm>
-        </p:spPr>
-        <p:txBody>
-          <a:bodyPr/>
-          <a:lstStyle/>
-          <a:p>
-            <a:r>
-              <a:rPr lang="en-US" sz="1600" dirty="0"/>
-              <a:t>The scope and elements of our project</a:t>
-            </a:r>
-          </a:p>
-        </p:txBody>
-      </p:sp>
-      <p:sp>
-        <p:nvSpPr>
-          <p:cNvPr id="8" name="Text Placeholder 7">
-            <a:extLst>
-              <a:ext uri="{FF2B5EF4-FFF2-40B4-BE49-F238E27FC236}">
-                <a16:creationId xmlns:a16="http://schemas.microsoft.com/office/drawing/2014/main" id="{B32B0C1D-C221-7C47-B7D6-77E7BDB41749}"/>
-              </a:ext>
-            </a:extLst>
-          </p:cNvPr>
-          <p:cNvSpPr>
-            <a:spLocks noGrp="1"/>
-          </p:cNvSpPr>
-          <p:nvPr>
-            <p:ph type="body" sz="quarter" idx="20"/>
-          </p:nvPr>
-        </p:nvSpPr>
-        <p:spPr>
-          <a:xfrm>
-            <a:off x="952499" y="4522803"/>
-            <a:ext cx="2296391" cy="247651"/>
-          </a:xfrm>
-        </p:spPr>
-        <p:txBody>
-          <a:bodyPr/>
-          <a:lstStyle/>
-          <a:p>
-            <a:r>
-              <a:rPr lang="en-US" dirty="0"/>
-              <a:t>03. Data Manipulation</a:t>
-            </a:r>
-          </a:p>
-        </p:txBody>
-      </p:sp>
-      <p:sp>
-        <p:nvSpPr>
-          <p:cNvPr id="7" name="Text Placeholder 6">
-            <a:extLst>
-              <a:ext uri="{FF2B5EF4-FFF2-40B4-BE49-F238E27FC236}">
-                <a16:creationId xmlns:a16="http://schemas.microsoft.com/office/drawing/2014/main" id="{3E1C152D-1AA6-9242-B5C9-B06EEE4F9661}"/>
-              </a:ext>
-            </a:extLst>
-          </p:cNvPr>
-          <p:cNvSpPr>
-            <a:spLocks noGrp="1"/>
-          </p:cNvSpPr>
-          <p:nvPr>
-            <p:ph type="body" sz="quarter" idx="19"/>
-          </p:nvPr>
-        </p:nvSpPr>
-        <p:spPr>
-          <a:xfrm>
-            <a:off x="952500" y="5131299"/>
-            <a:ext cx="2133600" cy="743028"/>
-          </a:xfrm>
-        </p:spPr>
-        <p:txBody>
-          <a:bodyPr/>
-          <a:lstStyle/>
-          <a:p>
-            <a:r>
-              <a:rPr lang="en-US" sz="1600" dirty="0"/>
-              <a:t>The process of preparing the data</a:t>
-            </a:r>
-          </a:p>
-        </p:txBody>
-      </p:sp>
-      <p:sp>
-        <p:nvSpPr>
-          <p:cNvPr id="10" name="Text Placeholder 9">
-            <a:extLst>
-              <a:ext uri="{FF2B5EF4-FFF2-40B4-BE49-F238E27FC236}">
-                <a16:creationId xmlns:a16="http://schemas.microsoft.com/office/drawing/2014/main" id="{69BD3932-D1D0-1045-BD96-8B26F11B8515}"/>
-              </a:ext>
-            </a:extLst>
-          </p:cNvPr>
-          <p:cNvSpPr>
-            <a:spLocks noGrp="1"/>
-          </p:cNvSpPr>
-          <p:nvPr>
-            <p:ph type="body" sz="quarter" idx="22"/>
-          </p:nvPr>
-        </p:nvSpPr>
-        <p:spPr>
-          <a:xfrm>
-            <a:off x="3663042" y="4522803"/>
-            <a:ext cx="2128157" cy="205837"/>
-          </a:xfrm>
-        </p:spPr>
-        <p:txBody>
-          <a:bodyPr/>
-          <a:lstStyle/>
-          <a:p>
-            <a:r>
-              <a:rPr lang="en-US" dirty="0"/>
-              <a:t>04. </a:t>
-            </a:r>
-            <a:r>
-              <a:rPr lang="en-AU" dirty="0"/>
-              <a:t>Visualisations</a:t>
-            </a:r>
-          </a:p>
-        </p:txBody>
-      </p:sp>
-      <p:sp>
-        <p:nvSpPr>
-          <p:cNvPr id="9" name="Text Placeholder 8">
-            <a:extLst>
-              <a:ext uri="{FF2B5EF4-FFF2-40B4-BE49-F238E27FC236}">
-                <a16:creationId xmlns:a16="http://schemas.microsoft.com/office/drawing/2014/main" id="{38FB4732-AB07-C54D-AF44-F8ADB6D2B8B6}"/>
-              </a:ext>
-            </a:extLst>
-          </p:cNvPr>
-          <p:cNvSpPr>
-            <a:spLocks noGrp="1"/>
-          </p:cNvSpPr>
-          <p:nvPr>
-            <p:ph type="body" sz="quarter" idx="21"/>
-          </p:nvPr>
-        </p:nvSpPr>
-        <p:spPr>
-          <a:xfrm>
-            <a:off x="3663042" y="5131298"/>
-            <a:ext cx="2128157" cy="743027"/>
-          </a:xfrm>
-        </p:spPr>
-        <p:txBody>
-          <a:bodyPr/>
-          <a:lstStyle/>
-          <a:p>
-            <a:r>
-              <a:rPr lang="en-US" sz="1600" dirty="0"/>
-              <a:t>Outcome of the data and how we chose to display it</a:t>
-            </a:r>
-          </a:p>
-        </p:txBody>
-      </p:sp>
-      <p:sp>
-        <p:nvSpPr>
-          <p:cNvPr id="12" name="Text Placeholder 11">
-            <a:extLst>
-              <a:ext uri="{FF2B5EF4-FFF2-40B4-BE49-F238E27FC236}">
-                <a16:creationId xmlns:a16="http://schemas.microsoft.com/office/drawing/2014/main" id="{B115086E-2AC3-4F4D-8F85-104CFA64FECF}"/>
-              </a:ext>
-            </a:extLst>
-          </p:cNvPr>
-          <p:cNvSpPr>
-            <a:spLocks noGrp="1"/>
-          </p:cNvSpPr>
-          <p:nvPr>
-            <p:ph type="body" sz="quarter" idx="24"/>
-          </p:nvPr>
-        </p:nvSpPr>
-        <p:spPr>
-          <a:xfrm>
-            <a:off x="6367054" y="4522803"/>
-            <a:ext cx="2129245" cy="205837"/>
-          </a:xfrm>
-        </p:spPr>
-        <p:txBody>
-          <a:bodyPr/>
-          <a:lstStyle/>
-          <a:p>
-            <a:r>
-              <a:rPr lang="en-US" dirty="0"/>
-              <a:t>05. Conclusions</a:t>
-            </a:r>
-          </a:p>
-        </p:txBody>
-      </p:sp>
-      <p:sp>
-        <p:nvSpPr>
-          <p:cNvPr id="11" name="Text Placeholder 10">
-            <a:extLst>
-              <a:ext uri="{FF2B5EF4-FFF2-40B4-BE49-F238E27FC236}">
-                <a16:creationId xmlns:a16="http://schemas.microsoft.com/office/drawing/2014/main" id="{7F247A08-A350-EF44-9F10-FC72B5466602}"/>
-              </a:ext>
-            </a:extLst>
-          </p:cNvPr>
-          <p:cNvSpPr>
-            <a:spLocks noGrp="1"/>
-          </p:cNvSpPr>
-          <p:nvPr>
-            <p:ph type="body" sz="quarter" idx="23"/>
-          </p:nvPr>
-        </p:nvSpPr>
-        <p:spPr>
-          <a:xfrm>
-            <a:off x="6367054" y="5131299"/>
-            <a:ext cx="2129245" cy="743026"/>
-          </a:xfrm>
-        </p:spPr>
-        <p:txBody>
-          <a:bodyPr/>
-          <a:lstStyle/>
-          <a:p>
-            <a:r>
-              <a:rPr lang="en-US" sz="1600" dirty="0"/>
-              <a:t>Our final thoughts on the data</a:t>
-            </a:r>
-          </a:p>
-        </p:txBody>
-      </p:sp>
-      <p:sp>
-        <p:nvSpPr>
-          <p:cNvPr id="15" name="Slide Number Placeholder 14">
-            <a:extLst>
-              <a:ext uri="{FF2B5EF4-FFF2-40B4-BE49-F238E27FC236}">
-                <a16:creationId xmlns:a16="http://schemas.microsoft.com/office/drawing/2014/main" id="{329469AE-B59A-AA41-9085-106D011808F5}"/>
-              </a:ext>
-            </a:extLst>
-          </p:cNvPr>
-          <p:cNvSpPr>
-            <a:spLocks noGrp="1"/>
-          </p:cNvSpPr>
-          <p:nvPr>
-            <p:ph type="sldNum" sz="quarter" idx="27"/>
-          </p:nvPr>
-        </p:nvSpPr>
-        <p:spPr>
-          <a:xfrm>
-            <a:off x="971550" y="6332220"/>
-            <a:ext cx="523240" cy="247651"/>
-          </a:xfrm>
-        </p:spPr>
-        <p:txBody>
-          <a:bodyPr/>
-          <a:lstStyle/>
-          <a:p>
-            <a:fld id="{294A09A9-5501-47C1-A89A-A340965A2BE2}" type="slidenum">
-              <a:rPr lang="en-US" smtClean="0"/>
-              <a:pPr/>
-              <a:t>2</a:t>
-            </a:fld>
-            <a:endParaRPr lang="en-US" dirty="0"/>
-          </a:p>
-        </p:txBody>
-      </p:sp>
-      <p:sp>
-        <p:nvSpPr>
-          <p:cNvPr id="14" name="Footer Placeholder 13">
-            <a:extLst>
-              <a:ext uri="{FF2B5EF4-FFF2-40B4-BE49-F238E27FC236}">
-                <a16:creationId xmlns:a16="http://schemas.microsoft.com/office/drawing/2014/main" id="{C0BAE34D-BF83-084B-A10C-EB85694B9ACF}"/>
-              </a:ext>
-            </a:extLst>
-          </p:cNvPr>
-          <p:cNvSpPr>
-            <a:spLocks noGrp="1"/>
-          </p:cNvSpPr>
-          <p:nvPr>
-            <p:ph type="ftr" sz="quarter" idx="26"/>
-          </p:nvPr>
-        </p:nvSpPr>
-        <p:spPr>
-          <a:xfrm>
-            <a:off x="1494790" y="6332220"/>
-            <a:ext cx="1497330" cy="247651"/>
-          </a:xfrm>
-        </p:spPr>
-        <p:txBody>
-          <a:bodyPr/>
-          <a:lstStyle/>
-          <a:p>
-            <a:r>
-              <a:rPr lang="en-US" dirty="0"/>
-              <a:t>Project 3</a:t>
-            </a:r>
-          </a:p>
-        </p:txBody>
-      </p:sp>
-      <p:sp>
-        <p:nvSpPr>
-          <p:cNvPr id="13" name="Date Placeholder 12">
-            <a:extLst>
-              <a:ext uri="{FF2B5EF4-FFF2-40B4-BE49-F238E27FC236}">
-                <a16:creationId xmlns:a16="http://schemas.microsoft.com/office/drawing/2014/main" id="{2D9626DF-C81E-004B-9A70-7EF103792475}"/>
-              </a:ext>
-            </a:extLst>
-          </p:cNvPr>
-          <p:cNvSpPr>
-            <a:spLocks noGrp="1"/>
-          </p:cNvSpPr>
-          <p:nvPr>
-            <p:ph type="dt" sz="half" idx="25"/>
-          </p:nvPr>
-        </p:nvSpPr>
-        <p:spPr>
-          <a:xfrm>
-            <a:off x="2992120" y="6332220"/>
-            <a:ext cx="1313180" cy="247651"/>
-          </a:xfrm>
-        </p:spPr>
-        <p:txBody>
-          <a:bodyPr/>
-          <a:lstStyle/>
-          <a:p>
-            <a:r>
-              <a:rPr lang="en-US" dirty="0"/>
-              <a:t>28/11/22</a:t>
-            </a:r>
-          </a:p>
-        </p:txBody>
-      </p:sp>
-    </p:spTree>
-    <p:extLst>
-      <p:ext uri="{BB962C8B-B14F-4D97-AF65-F5344CB8AC3E}">
-        <p14:creationId xmlns:p14="http://schemas.microsoft.com/office/powerpoint/2010/main" val="289860937"/>
-      </p:ext>
-    </p:extLst>
-  </p:cSld>
-  <p:clrMapOvr>
-    <a:masterClrMapping/>
-  </p:clrMapOvr>
-</p:sld>
-</file>
-
-<file path=ppt/slides/slide3.xml><?xml version="1.0" encoding="utf-8"?>
-<p:sld xmlns:a="http://schemas.openxmlformats.org/drawingml/2006/main" xmlns:r="http://schemas.openxmlformats.org/officeDocument/2006/relationships" xmlns:p="http://schemas.openxmlformats.org/presentationml/2006/main">
-  <p:cSld>
-    <p:spTree>
-      <p:nvGrpSpPr>
-        <p:cNvPr id="1" name=""/>
-        <p:cNvGrpSpPr/>
-        <p:nvPr/>
-      </p:nvGrpSpPr>
-      <p:grpSpPr>
-        <a:xfrm>
-          <a:off x="0" y="0"/>
-          <a:ext cx="0" cy="0"/>
-          <a:chOff x="0" y="0"/>
-          <a:chExt cx="0" cy="0"/>
-        </a:xfrm>
-      </p:grpSpPr>
-      <p:pic>
-        <p:nvPicPr>
-          <p:cNvPr id="10" name="Picture Placeholder 9" descr="A picture containing text, clipart&#10;&#10;Description automatically generated">
-            <a:extLst>
-              <a:ext uri="{FF2B5EF4-FFF2-40B4-BE49-F238E27FC236}">
-                <a16:creationId xmlns:a16="http://schemas.microsoft.com/office/drawing/2014/main" id="{B28150C7-92F6-D082-A7F5-417C3B3CDB2D}"/>
-              </a:ext>
-            </a:extLst>
-          </p:cNvPr>
-          <p:cNvPicPr>
-            <a:picLocks noGrp="1" noChangeAspect="1"/>
-          </p:cNvPicPr>
-          <p:nvPr>
-            <p:ph type="pic" sz="quarter" idx="13"/>
-          </p:nvPr>
-        </p:nvPicPr>
-        <p:blipFill rotWithShape="1">
-          <a:blip r:embed="rId2">
-            <a:extLst>
-              <a:ext uri="{28A0092B-C50C-407E-A947-70E740481C1C}">
-                <a14:useLocalDpi xmlns:a14="http://schemas.microsoft.com/office/drawing/2010/main" val="0"/>
-              </a:ext>
-            </a:extLst>
-          </a:blip>
-          <a:srcRect l="16886" r="16882" b="-1"/>
-          <a:stretch/>
-        </p:blipFill>
-        <p:spPr>
-          <a:xfrm>
-            <a:off x="6096000" y="-22543"/>
-            <a:ext cx="6096000" cy="6903086"/>
-          </a:xfrm>
-          <a:noFill/>
-        </p:spPr>
-      </p:pic>
-      <p:sp>
-        <p:nvSpPr>
-          <p:cNvPr id="3" name="Title 2">
-            <a:extLst>
-              <a:ext uri="{FF2B5EF4-FFF2-40B4-BE49-F238E27FC236}">
-                <a16:creationId xmlns:a16="http://schemas.microsoft.com/office/drawing/2014/main" id="{1353F689-2E51-BF4F-AE47-7CEB7CC4C52A}"/>
-              </a:ext>
-            </a:extLst>
-          </p:cNvPr>
-          <p:cNvSpPr>
-            <a:spLocks noGrp="1"/>
-          </p:cNvSpPr>
-          <p:nvPr>
-            <p:ph type="title"/>
-          </p:nvPr>
-        </p:nvSpPr>
-        <p:spPr>
-          <a:xfrm>
-            <a:off x="964023" y="879063"/>
-            <a:ext cx="4941477" cy="610863"/>
-          </a:xfrm>
-        </p:spPr>
-        <p:txBody>
           <a:bodyPr anchor="b">
             <a:normAutofit/>
           </a:bodyPr>
@@ -13925,78 +13722,174 @@
           <a:p>
             <a:r>
               <a:rPr lang="en-US" dirty="0"/>
-              <a:t>Introduction</a:t>
+              <a:t>Conclusions</a:t>
             </a:r>
           </a:p>
         </p:txBody>
       </p:sp>
       <p:sp>
         <p:nvSpPr>
-          <p:cNvPr id="4" name="Text Placeholder 3">
-            <a:extLst>
-              <a:ext uri="{FF2B5EF4-FFF2-40B4-BE49-F238E27FC236}">
-                <a16:creationId xmlns:a16="http://schemas.microsoft.com/office/drawing/2014/main" id="{A17F80A9-6337-524E-AC61-32C5AFEE8E6D}"/>
-              </a:ext>
-            </a:extLst>
-          </p:cNvPr>
-          <p:cNvSpPr>
-            <a:spLocks noGrp="1"/>
-          </p:cNvSpPr>
-          <p:nvPr>
-            <p:ph type="body" sz="quarter" idx="11"/>
+          <p:cNvPr id="58" name="Text Placeholder 2">
+            <a:extLst>
+              <a:ext uri="{FF2B5EF4-FFF2-40B4-BE49-F238E27FC236}">
+                <a16:creationId xmlns:a16="http://schemas.microsoft.com/office/drawing/2014/main" id="{40FFBA04-8E83-879A-C581-01692BD77172}"/>
+              </a:ext>
+            </a:extLst>
+          </p:cNvPr>
+          <p:cNvSpPr>
+            <a:spLocks noGrp="1"/>
+          </p:cNvSpPr>
+          <p:nvPr>
+            <p:ph type="body" idx="1"/>
           </p:nvPr>
         </p:nvSpPr>
         <p:spPr>
           <a:xfrm>
-            <a:off x="952499" y="2289363"/>
-            <a:ext cx="4572001" cy="2795232"/>
+            <a:off x="964022" y="2300984"/>
+            <a:ext cx="5000359" cy="404216"/>
           </a:xfrm>
         </p:spPr>
         <p:txBody>
           <a:bodyPr>
-            <a:normAutofit lnSpcReduction="10000"/>
+            <a:normAutofit fontScale="92500"/>
           </a:bodyPr>
           <a:lstStyle/>
           <a:p>
             <a:r>
               <a:rPr lang="en-US" dirty="0"/>
-              <a:t>Our aim was to investigate the relationship between the median house price and the economy of Australia, in order to see if there if there is any relationship, specifically between house prices and interest rates. </a:t>
+              <a:t>Connection between house prices and interest rates</a:t>
             </a:r>
           </a:p>
+        </p:txBody>
+      </p:sp>
+      <p:sp>
+        <p:nvSpPr>
+          <p:cNvPr id="60" name="Text Placeholder 3">
+            <a:extLst>
+              <a:ext uri="{FF2B5EF4-FFF2-40B4-BE49-F238E27FC236}">
+                <a16:creationId xmlns:a16="http://schemas.microsoft.com/office/drawing/2014/main" id="{A1C5E878-EA3C-B43F-0169-6B47F3E020EE}"/>
+              </a:ext>
+            </a:extLst>
+          </p:cNvPr>
+          <p:cNvSpPr>
+            <a:spLocks noGrp="1"/>
+          </p:cNvSpPr>
+          <p:nvPr>
+            <p:ph type="body" idx="10"/>
+          </p:nvPr>
+        </p:nvSpPr>
+        <p:spPr>
+          <a:xfrm>
+            <a:off x="6362700" y="2300984"/>
+            <a:ext cx="4764829" cy="404216"/>
+          </a:xfrm>
+        </p:spPr>
+        <p:txBody>
+          <a:bodyPr/>
+          <a:lstStyle/>
           <a:p>
             <a:r>
               <a:rPr lang="en-US" dirty="0"/>
-              <a:t>This was with 2 aspects in mind:</a:t>
+              <a:t>Insight into most valuable suburbs to invest in</a:t>
             </a:r>
           </a:p>
+        </p:txBody>
+      </p:sp>
+      <p:sp>
+        <p:nvSpPr>
+          <p:cNvPr id="62" name="Content Placeholder 4">
+            <a:extLst>
+              <a:ext uri="{FF2B5EF4-FFF2-40B4-BE49-F238E27FC236}">
+                <a16:creationId xmlns:a16="http://schemas.microsoft.com/office/drawing/2014/main" id="{7D301BF8-D60D-1300-785E-76A807B647CF}"/>
+              </a:ext>
+            </a:extLst>
+          </p:cNvPr>
+          <p:cNvSpPr>
+            <a:spLocks noGrp="1"/>
+          </p:cNvSpPr>
+          <p:nvPr>
+            <p:ph sz="half" idx="2"/>
+          </p:nvPr>
+        </p:nvSpPr>
+        <p:spPr>
+          <a:xfrm>
+            <a:off x="964022" y="2799146"/>
+            <a:ext cx="4941477" cy="3271454"/>
+          </a:xfrm>
+        </p:spPr>
+        <p:txBody>
+          <a:bodyPr>
+            <a:normAutofit/>
+          </a:bodyPr>
+          <a:lstStyle/>
           <a:p>
             <a:r>
               <a:rPr lang="en-US" dirty="0"/>
-              <a:t>- How strong the relationship is</a:t>
+              <a:t>As expected, while interest rates have been falling since the beginning of the timeframe our data looked at, house prices have been steadily rising, demonstrating a strong connection between these two aspects</a:t>
             </a:r>
           </a:p>
           <a:p>
             <a:r>
               <a:rPr lang="en-US" dirty="0"/>
-              <a:t>- Having an outcome where an individual is able to use our </a:t>
+              <a:t>Inflation rates seem to be more closely related to the S&amp;P/ASX 200 data we used; however, this connection is tentative at best and not enough to draw any meaningful conclusions</a:t>
             </a:r>
-            <a:r>
-              <a:rPr lang="en-AU" dirty="0"/>
-              <a:t>visualisations</a:t>
-            </a:r>
+          </a:p>
+          <a:p>
+            <a:endParaRPr lang="en-US" dirty="0"/>
+          </a:p>
+          <a:p>
+            <a:endParaRPr lang="en-US" dirty="0"/>
+          </a:p>
+        </p:txBody>
+      </p:sp>
+      <p:sp>
+        <p:nvSpPr>
+          <p:cNvPr id="64" name="Content Placeholder 5">
+            <a:extLst>
+              <a:ext uri="{FF2B5EF4-FFF2-40B4-BE49-F238E27FC236}">
+                <a16:creationId xmlns:a16="http://schemas.microsoft.com/office/drawing/2014/main" id="{CDBFB997-3DEE-69B5-39AB-043FEFD8480D}"/>
+              </a:ext>
+            </a:extLst>
+          </p:cNvPr>
+          <p:cNvSpPr>
+            <a:spLocks noGrp="1"/>
+          </p:cNvSpPr>
+          <p:nvPr>
+            <p:ph sz="half" idx="13"/>
+          </p:nvPr>
+        </p:nvSpPr>
+        <p:spPr>
+          <a:xfrm>
+            <a:off x="6362700" y="2799146"/>
+            <a:ext cx="4756150" cy="2687637"/>
+          </a:xfrm>
+        </p:spPr>
+        <p:txBody>
+          <a:bodyPr/>
+          <a:lstStyle/>
+          <a:p>
             <a:r>
               <a:rPr lang="en-US" dirty="0"/>
-              <a:t> to see if their suburb of interest is a valuable investment or not </a:t>
+              <a:t>Using the choropleth map, it is clear that many Melbourne suburbs are experiencing growth at the moment</a:t>
             </a:r>
           </a:p>
-        </p:txBody>
-      </p:sp>
-      <p:sp>
-        <p:nvSpPr>
-          <p:cNvPr id="5" name="Date Placeholder 4">
-            <a:extLst>
-              <a:ext uri="{FF2B5EF4-FFF2-40B4-BE49-F238E27FC236}">
-                <a16:creationId xmlns:a16="http://schemas.microsoft.com/office/drawing/2014/main" id="{2E803E71-3088-0347-9BCC-16ADB551CCC8}"/>
+          <a:p>
+            <a:r>
+              <a:rPr lang="en-US" dirty="0"/>
+              <a:t>Many of the areas with the highest growth rates appear to be in the northern and eastern suburbs, signaling them as great opportunities for investment based on past performance</a:t>
+            </a:r>
+          </a:p>
+          <a:p>
+            <a:endParaRPr lang="en-US" dirty="0"/>
+          </a:p>
+        </p:txBody>
+      </p:sp>
+      <p:sp>
+        <p:nvSpPr>
+          <p:cNvPr id="3" name="Date Placeholder 2">
+            <a:extLst>
+              <a:ext uri="{FF2B5EF4-FFF2-40B4-BE49-F238E27FC236}">
+                <a16:creationId xmlns:a16="http://schemas.microsoft.com/office/drawing/2014/main" id="{4D5B7634-ADBA-124F-B8CA-431F07F18D44}"/>
               </a:ext>
             </a:extLst>
           </p:cNvPr>
@@ -14025,18 +13918,19 @@
               </a:spcAft>
             </a:pPr>
             <a:r>
-              <a:rPr lang="en-US"/>
+              <a:rPr lang="en-US" dirty="0"/>
               <a:t>28/11/22</a:t>
             </a:r>
-          </a:p>
-        </p:txBody>
-      </p:sp>
-      <p:sp>
-        <p:nvSpPr>
-          <p:cNvPr id="6" name="Footer Placeholder 5">
-            <a:extLst>
-              <a:ext uri="{FF2B5EF4-FFF2-40B4-BE49-F238E27FC236}">
-                <a16:creationId xmlns:a16="http://schemas.microsoft.com/office/drawing/2014/main" id="{66F3960A-D260-8445-A153-0B674474CEBD}"/>
+            <a:endParaRPr lang="en-US"/>
+          </a:p>
+        </p:txBody>
+      </p:sp>
+      <p:sp>
+        <p:nvSpPr>
+          <p:cNvPr id="4" name="Footer Placeholder 3">
+            <a:extLst>
+              <a:ext uri="{FF2B5EF4-FFF2-40B4-BE49-F238E27FC236}">
+                <a16:creationId xmlns:a16="http://schemas.microsoft.com/office/drawing/2014/main" id="{529E91F3-E1A0-DB4A-8CD8-D9D1AB0FFB40}"/>
               </a:ext>
             </a:extLst>
           </p:cNvPr>
@@ -14065,18 +13959,19 @@
               </a:spcAft>
             </a:pPr>
             <a:r>
-              <a:rPr lang="en-US"/>
+              <a:rPr lang="en-US" dirty="0"/>
               <a:t>Project 3</a:t>
             </a:r>
-          </a:p>
-        </p:txBody>
-      </p:sp>
-      <p:sp>
-        <p:nvSpPr>
-          <p:cNvPr id="7" name="Slide Number Placeholder 6">
-            <a:extLst>
-              <a:ext uri="{FF2B5EF4-FFF2-40B4-BE49-F238E27FC236}">
-                <a16:creationId xmlns:a16="http://schemas.microsoft.com/office/drawing/2014/main" id="{F37669F0-EA6D-6B46-AF0E-A9C2D1F223DB}"/>
+            <a:endParaRPr lang="en-US"/>
+          </a:p>
+        </p:txBody>
+      </p:sp>
+      <p:sp>
+        <p:nvSpPr>
+          <p:cNvPr id="5" name="Slide Number Placeholder 4">
+            <a:extLst>
+              <a:ext uri="{FF2B5EF4-FFF2-40B4-BE49-F238E27FC236}">
+                <a16:creationId xmlns:a16="http://schemas.microsoft.com/office/drawing/2014/main" id="{AB744071-0CE2-7746-9315-22EC28A0F462}"/>
               </a:ext>
             </a:extLst>
           </p:cNvPr>
@@ -14111,1741 +14006,7 @@
                   <a:spcPts val="600"/>
                 </a:spcAft>
               </a:pPr>
-              <a:t>3</a:t>
-            </a:fld>
-            <a:endParaRPr lang="en-US"/>
-          </a:p>
-        </p:txBody>
-      </p:sp>
-    </p:spTree>
-    <p:extLst>
-      <p:ext uri="{BB962C8B-B14F-4D97-AF65-F5344CB8AC3E}">
-        <p14:creationId xmlns:p14="http://schemas.microsoft.com/office/powerpoint/2010/main" val="391246093"/>
-      </p:ext>
-    </p:extLst>
-  </p:cSld>
-  <p:clrMapOvr>
-    <a:masterClrMapping/>
-  </p:clrMapOvr>
-</p:sld>
-</file>
-
-<file path=ppt/slides/slide4.xml><?xml version="1.0" encoding="utf-8"?>
-<p:sld xmlns:a="http://schemas.openxmlformats.org/drawingml/2006/main" xmlns:r="http://schemas.openxmlformats.org/officeDocument/2006/relationships" xmlns:p="http://schemas.openxmlformats.org/presentationml/2006/main">
-  <p:cSld>
-    <p:spTree>
-      <p:nvGrpSpPr>
-        <p:cNvPr id="1" name=""/>
-        <p:cNvGrpSpPr/>
-        <p:nvPr/>
-      </p:nvGrpSpPr>
-      <p:grpSpPr>
-        <a:xfrm>
-          <a:off x="0" y="0"/>
-          <a:ext cx="0" cy="0"/>
-          <a:chOff x="0" y="0"/>
-          <a:chExt cx="0" cy="0"/>
-        </a:xfrm>
-      </p:grpSpPr>
-      <p:sp>
-        <p:nvSpPr>
-          <p:cNvPr id="3" name="Title 2">
-            <a:extLst>
-              <a:ext uri="{FF2B5EF4-FFF2-40B4-BE49-F238E27FC236}">
-                <a16:creationId xmlns:a16="http://schemas.microsoft.com/office/drawing/2014/main" id="{6339315B-8AAE-A946-ABBF-894F2E4B1338}"/>
-              </a:ext>
-            </a:extLst>
-          </p:cNvPr>
-          <p:cNvSpPr>
-            <a:spLocks noGrp="1"/>
-          </p:cNvSpPr>
-          <p:nvPr>
-            <p:ph type="title"/>
-          </p:nvPr>
-        </p:nvSpPr>
-        <p:spPr>
-          <a:xfrm>
-            <a:off x="964023" y="879063"/>
-            <a:ext cx="4941477" cy="610863"/>
-          </a:xfrm>
-        </p:spPr>
-        <p:txBody>
-          <a:bodyPr vert="horz" lIns="0" tIns="0" rIns="0" bIns="0" rtlCol="0" anchor="b" anchorCtr="0">
-            <a:normAutofit/>
-          </a:bodyPr>
-          <a:lstStyle/>
-          <a:p>
-            <a:r>
-              <a:rPr lang="en-US" b="1" i="0" kern="1200" spc="100" baseline="0">
-                <a:latin typeface="+mj-lt"/>
-                <a:ea typeface="+mj-ea"/>
-                <a:cs typeface="+mj-cs"/>
-              </a:rPr>
-              <a:t>Our Project</a:t>
-            </a:r>
-          </a:p>
-        </p:txBody>
-      </p:sp>
-      <p:sp>
-        <p:nvSpPr>
-          <p:cNvPr id="17" name="Text Placeholder 2">
-            <a:extLst>
-              <a:ext uri="{FF2B5EF4-FFF2-40B4-BE49-F238E27FC236}">
-                <a16:creationId xmlns:a16="http://schemas.microsoft.com/office/drawing/2014/main" id="{242F8B0A-6463-3199-91D2-484808DF91A4}"/>
-              </a:ext>
-            </a:extLst>
-          </p:cNvPr>
-          <p:cNvSpPr>
-            <a:spLocks noGrp="1"/>
-          </p:cNvSpPr>
-          <p:nvPr>
-            <p:ph type="body" idx="1"/>
-          </p:nvPr>
-        </p:nvSpPr>
-        <p:spPr>
-          <a:xfrm>
-            <a:off x="964023" y="2300984"/>
-            <a:ext cx="4827178" cy="404216"/>
-          </a:xfrm>
-        </p:spPr>
-        <p:txBody>
-          <a:bodyPr/>
-          <a:lstStyle/>
-          <a:p>
-            <a:r>
-              <a:rPr lang="en-US" dirty="0"/>
-              <a:t>Scope:</a:t>
-            </a:r>
-          </a:p>
-        </p:txBody>
-      </p:sp>
-      <p:sp>
-        <p:nvSpPr>
-          <p:cNvPr id="19" name="Text Placeholder 3">
-            <a:extLst>
-              <a:ext uri="{FF2B5EF4-FFF2-40B4-BE49-F238E27FC236}">
-                <a16:creationId xmlns:a16="http://schemas.microsoft.com/office/drawing/2014/main" id="{B88E5882-1AC4-F6A7-7548-586AC8B8CD86}"/>
-              </a:ext>
-            </a:extLst>
-          </p:cNvPr>
-          <p:cNvSpPr>
-            <a:spLocks noGrp="1"/>
-          </p:cNvSpPr>
-          <p:nvPr>
-            <p:ph type="body" idx="10"/>
-          </p:nvPr>
-        </p:nvSpPr>
-        <p:spPr>
-          <a:xfrm>
-            <a:off x="6362700" y="2300984"/>
-            <a:ext cx="4764829" cy="404216"/>
-          </a:xfrm>
-        </p:spPr>
-        <p:txBody>
-          <a:bodyPr/>
-          <a:lstStyle/>
-          <a:p>
-            <a:r>
-              <a:rPr lang="en-US" dirty="0"/>
-              <a:t>Elements incorporated:</a:t>
-            </a:r>
-          </a:p>
-        </p:txBody>
-      </p:sp>
-      <p:sp>
-        <p:nvSpPr>
-          <p:cNvPr id="11" name="TextBox 10">
-            <a:extLst>
-              <a:ext uri="{FF2B5EF4-FFF2-40B4-BE49-F238E27FC236}">
-                <a16:creationId xmlns:a16="http://schemas.microsoft.com/office/drawing/2014/main" id="{7A6B93C2-1B61-0E0B-F731-17EBFA804B78}"/>
-              </a:ext>
-            </a:extLst>
-          </p:cNvPr>
-          <p:cNvSpPr txBox="1"/>
-          <p:nvPr/>
-        </p:nvSpPr>
-        <p:spPr>
-          <a:xfrm>
-            <a:off x="964023" y="2799146"/>
-            <a:ext cx="4827178" cy="1942138"/>
-          </a:xfrm>
-          <a:prstGeom prst="rect">
-            <a:avLst/>
-          </a:prstGeom>
-        </p:spPr>
-        <p:txBody>
-          <a:bodyPr vert="horz" lIns="0" tIns="0" rIns="0" bIns="0" rtlCol="0" anchor="t" anchorCtr="0">
-            <a:normAutofit/>
-          </a:bodyPr>
-          <a:lstStyle/>
-          <a:p>
-            <a:pPr>
-              <a:spcBef>
-                <a:spcPts val="1000"/>
-              </a:spcBef>
-            </a:pPr>
-            <a:r>
-              <a:rPr lang="en-US" sz="1600" b="0" i="0" kern="1200" dirty="0">
-                <a:solidFill>
-                  <a:schemeClr val="bg1"/>
-                </a:solidFill>
-                <a:latin typeface="+mn-lt"/>
-                <a:ea typeface="+mn-ea"/>
-                <a:cs typeface="+mn-cs"/>
-              </a:rPr>
-              <a:t>The basis of our project was a dataset we found regarding the median house price for each Victorian suburb over the last 10 years (2011-2021 inclusive)</a:t>
-            </a:r>
-          </a:p>
-          <a:p>
-            <a:pPr>
-              <a:spcBef>
-                <a:spcPts val="1000"/>
-              </a:spcBef>
-            </a:pPr>
-            <a:r>
-              <a:rPr lang="en-US" sz="1600" b="0" i="0" kern="1200" dirty="0">
-                <a:solidFill>
-                  <a:schemeClr val="bg1"/>
-                </a:solidFill>
-                <a:latin typeface="+mn-lt"/>
-                <a:ea typeface="+mn-ea"/>
-                <a:cs typeface="+mn-cs"/>
-              </a:rPr>
-              <a:t>This included over 800 rows of property data.</a:t>
-            </a:r>
-          </a:p>
-          <a:p>
-            <a:pPr>
-              <a:spcBef>
-                <a:spcPts val="1000"/>
-              </a:spcBef>
-            </a:pPr>
-            <a:r>
-              <a:rPr lang="en-US" sz="1600" dirty="0">
-                <a:solidFill>
-                  <a:schemeClr val="bg1"/>
-                </a:solidFill>
-              </a:rPr>
-              <a:t>This was then compared to the inflation rates, as well as data for the XJO, over the same period</a:t>
-            </a:r>
-            <a:endParaRPr lang="en-US" sz="1600" b="0" i="0" kern="1200" dirty="0">
-              <a:solidFill>
-                <a:schemeClr val="bg1"/>
-              </a:solidFill>
-              <a:latin typeface="+mn-lt"/>
-              <a:ea typeface="+mn-ea"/>
-              <a:cs typeface="+mn-cs"/>
-            </a:endParaRPr>
-          </a:p>
-        </p:txBody>
-      </p:sp>
-      <p:sp>
-        <p:nvSpPr>
-          <p:cNvPr id="21" name="Content Placeholder 5">
-            <a:extLst>
-              <a:ext uri="{FF2B5EF4-FFF2-40B4-BE49-F238E27FC236}">
-                <a16:creationId xmlns:a16="http://schemas.microsoft.com/office/drawing/2014/main" id="{A924187F-A36D-A7CE-AB70-2548CE51F368}"/>
-              </a:ext>
-            </a:extLst>
-          </p:cNvPr>
-          <p:cNvSpPr>
-            <a:spLocks noGrp="1"/>
-          </p:cNvSpPr>
-          <p:nvPr>
-            <p:ph sz="half" idx="13"/>
-          </p:nvPr>
-        </p:nvSpPr>
-        <p:spPr>
-          <a:xfrm>
-            <a:off x="6362700" y="2799146"/>
-            <a:ext cx="4756150" cy="2687637"/>
-          </a:xfrm>
-        </p:spPr>
-        <p:txBody>
-          <a:bodyPr>
-            <a:normAutofit lnSpcReduction="10000"/>
-          </a:bodyPr>
-          <a:lstStyle/>
-          <a:p>
-            <a:pPr>
-              <a:buFontTx/>
-              <a:buChar char="-"/>
-            </a:pPr>
-            <a:r>
-              <a:rPr lang="en-US" dirty="0"/>
-              <a:t>Used pandas to filter and transform the data until it was ready to be uploaded into a database</a:t>
-            </a:r>
-          </a:p>
-          <a:p>
-            <a:pPr>
-              <a:buFontTx/>
-              <a:buChar char="-"/>
-            </a:pPr>
-            <a:r>
-              <a:rPr lang="en-US" dirty="0"/>
-              <a:t>Chose to upload everything to SQL due to our familiarity with it</a:t>
-            </a:r>
-          </a:p>
-          <a:p>
-            <a:pPr>
-              <a:buFontTx/>
-              <a:buChar char="-"/>
-            </a:pPr>
-            <a:r>
-              <a:rPr lang="en-US" dirty="0"/>
-              <a:t>Incorporated a new JavaScript library – sql.js, which converts </a:t>
-            </a:r>
-            <a:r>
-              <a:rPr lang="en-US" dirty="0" err="1"/>
-              <a:t>sql</a:t>
-            </a:r>
-            <a:r>
-              <a:rPr lang="en-US" dirty="0"/>
-              <a:t> databases into JavaScript typed arrays</a:t>
-            </a:r>
-          </a:p>
-          <a:p>
-            <a:pPr>
-              <a:buFontTx/>
-              <a:buChar char="-"/>
-            </a:pPr>
-            <a:r>
-              <a:rPr lang="en-US" dirty="0"/>
-              <a:t>Used Leaflet to create a choropleth map, with suburb popups that, once clicked, display a more complete version of the suburb’s information on the dashboard</a:t>
-            </a:r>
-          </a:p>
-          <a:p>
-            <a:pPr>
-              <a:buFontTx/>
-              <a:buChar char="-"/>
-            </a:pPr>
-            <a:endParaRPr lang="en-US" dirty="0"/>
-          </a:p>
-          <a:p>
-            <a:pPr>
-              <a:buFontTx/>
-              <a:buChar char="-"/>
-            </a:pPr>
-            <a:endParaRPr lang="en-US" dirty="0"/>
-          </a:p>
-          <a:p>
-            <a:pPr>
-              <a:buFontTx/>
-              <a:buChar char="-"/>
-            </a:pPr>
-            <a:endParaRPr lang="en-US" dirty="0"/>
-          </a:p>
-        </p:txBody>
-      </p:sp>
-      <p:sp>
-        <p:nvSpPr>
-          <p:cNvPr id="4" name="Date Placeholder 3">
-            <a:extLst>
-              <a:ext uri="{FF2B5EF4-FFF2-40B4-BE49-F238E27FC236}">
-                <a16:creationId xmlns:a16="http://schemas.microsoft.com/office/drawing/2014/main" id="{B9865729-8F7C-E34E-AA31-9352CF6D9EB9}"/>
-              </a:ext>
-            </a:extLst>
-          </p:cNvPr>
-          <p:cNvSpPr>
-            <a:spLocks noGrp="1"/>
-          </p:cNvSpPr>
-          <p:nvPr>
-            <p:ph type="dt" sz="half" idx="14"/>
-          </p:nvPr>
-        </p:nvSpPr>
-        <p:spPr>
-          <a:xfrm>
-            <a:off x="2992120" y="6332220"/>
-            <a:ext cx="1313180" cy="247651"/>
-          </a:xfrm>
-        </p:spPr>
-        <p:txBody>
-          <a:bodyPr vert="horz" lIns="0" tIns="0" rIns="0" bIns="0" rtlCol="0" anchor="t" anchorCtr="0">
-            <a:normAutofit/>
-          </a:bodyPr>
-          <a:lstStyle/>
-          <a:p>
-            <a:pPr>
-              <a:spcAft>
-                <a:spcPts val="600"/>
-              </a:spcAft>
-            </a:pPr>
-            <a:r>
-              <a:rPr lang="en-US" dirty="0"/>
-              <a:t>28/11/22</a:t>
-            </a:r>
-            <a:endParaRPr lang="en-US"/>
-          </a:p>
-        </p:txBody>
-      </p:sp>
-      <p:sp>
-        <p:nvSpPr>
-          <p:cNvPr id="5" name="Footer Placeholder 4">
-            <a:extLst>
-              <a:ext uri="{FF2B5EF4-FFF2-40B4-BE49-F238E27FC236}">
-                <a16:creationId xmlns:a16="http://schemas.microsoft.com/office/drawing/2014/main" id="{234E9584-EA07-9B45-9700-4AD3524B82A0}"/>
-              </a:ext>
-            </a:extLst>
-          </p:cNvPr>
-          <p:cNvSpPr>
-            <a:spLocks noGrp="1"/>
-          </p:cNvSpPr>
-          <p:nvPr>
-            <p:ph type="ftr" sz="quarter" idx="15"/>
-          </p:nvPr>
-        </p:nvSpPr>
-        <p:spPr>
-          <a:xfrm>
-            <a:off x="1494790" y="6332220"/>
-            <a:ext cx="1497330" cy="247651"/>
-          </a:xfrm>
-        </p:spPr>
-        <p:txBody>
-          <a:bodyPr vert="horz" lIns="0" tIns="0" rIns="0" bIns="0" rtlCol="0" anchor="t" anchorCtr="0">
-            <a:normAutofit/>
-          </a:bodyPr>
-          <a:lstStyle/>
-          <a:p>
-            <a:pPr>
-              <a:spcAft>
-                <a:spcPts val="600"/>
-              </a:spcAft>
-            </a:pPr>
-            <a:r>
-              <a:rPr lang="en-US" dirty="0"/>
-              <a:t>Project 3</a:t>
-            </a:r>
-            <a:endParaRPr lang="en-US"/>
-          </a:p>
-        </p:txBody>
-      </p:sp>
-      <p:sp>
-        <p:nvSpPr>
-          <p:cNvPr id="6" name="Slide Number Placeholder 5">
-            <a:extLst>
-              <a:ext uri="{FF2B5EF4-FFF2-40B4-BE49-F238E27FC236}">
-                <a16:creationId xmlns:a16="http://schemas.microsoft.com/office/drawing/2014/main" id="{54AEFD4E-3C68-714D-803E-EF85A323B95F}"/>
-              </a:ext>
-            </a:extLst>
-          </p:cNvPr>
-          <p:cNvSpPr>
-            <a:spLocks noGrp="1"/>
-          </p:cNvSpPr>
-          <p:nvPr>
-            <p:ph type="sldNum" sz="quarter" idx="16"/>
-          </p:nvPr>
-        </p:nvSpPr>
-        <p:spPr>
-          <a:xfrm>
-            <a:off x="971550" y="6332220"/>
-            <a:ext cx="523240" cy="247651"/>
-          </a:xfrm>
-        </p:spPr>
-        <p:txBody>
-          <a:bodyPr vert="horz" lIns="0" tIns="0" rIns="0" bIns="0" rtlCol="0" anchor="t" anchorCtr="0">
-            <a:normAutofit/>
-          </a:bodyPr>
-          <a:lstStyle/>
-          <a:p>
-            <a:pPr>
-              <a:spcAft>
-                <a:spcPts val="600"/>
-              </a:spcAft>
-            </a:pPr>
-            <a:fld id="{294A09A9-5501-47C1-A89A-A340965A2BE2}" type="slidenum">
-              <a:rPr lang="en-US" smtClean="0"/>
-              <a:pPr>
-                <a:spcAft>
-                  <a:spcPts val="600"/>
-                </a:spcAft>
-              </a:pPr>
-              <a:t>4</a:t>
-            </a:fld>
-            <a:endParaRPr lang="en-US"/>
-          </a:p>
-        </p:txBody>
-      </p:sp>
-    </p:spTree>
-    <p:extLst>
-      <p:ext uri="{BB962C8B-B14F-4D97-AF65-F5344CB8AC3E}">
-        <p14:creationId xmlns:p14="http://schemas.microsoft.com/office/powerpoint/2010/main" val="2521537536"/>
-      </p:ext>
-    </p:extLst>
-  </p:cSld>
-  <p:clrMapOvr>
-    <a:masterClrMapping/>
-  </p:clrMapOvr>
-</p:sld>
-</file>
-
-<file path=ppt/slides/slide5.xml><?xml version="1.0" encoding="utf-8"?>
-<p:sld xmlns:a="http://schemas.openxmlformats.org/drawingml/2006/main" xmlns:r="http://schemas.openxmlformats.org/officeDocument/2006/relationships" xmlns:p="http://schemas.openxmlformats.org/presentationml/2006/main">
-  <p:cSld>
-    <p:spTree>
-      <p:nvGrpSpPr>
-        <p:cNvPr id="1" name=""/>
-        <p:cNvGrpSpPr/>
-        <p:nvPr/>
-      </p:nvGrpSpPr>
-      <p:grpSpPr>
-        <a:xfrm>
-          <a:off x="0" y="0"/>
-          <a:ext cx="0" cy="0"/>
-          <a:chOff x="0" y="0"/>
-          <a:chExt cx="0" cy="0"/>
-        </a:xfrm>
-      </p:grpSpPr>
-      <p:sp>
-        <p:nvSpPr>
-          <p:cNvPr id="2" name="Title 1">
-            <a:extLst>
-              <a:ext uri="{FF2B5EF4-FFF2-40B4-BE49-F238E27FC236}">
-                <a16:creationId xmlns:a16="http://schemas.microsoft.com/office/drawing/2014/main" id="{68F0FA04-6227-9040-92A6-9514A59B8E7B}"/>
-              </a:ext>
-            </a:extLst>
-          </p:cNvPr>
-          <p:cNvSpPr>
-            <a:spLocks noGrp="1"/>
-          </p:cNvSpPr>
-          <p:nvPr>
-            <p:ph type="title"/>
-          </p:nvPr>
-        </p:nvSpPr>
-        <p:spPr>
-          <a:xfrm>
-            <a:off x="964023" y="879063"/>
-            <a:ext cx="4941477" cy="610863"/>
-          </a:xfrm>
-        </p:spPr>
-        <p:txBody>
-          <a:bodyPr anchor="b">
-            <a:normAutofit/>
-          </a:bodyPr>
-          <a:lstStyle/>
-          <a:p>
-            <a:r>
-              <a:rPr lang="en-US" dirty="0"/>
-              <a:t>Data Manipulation</a:t>
-            </a:r>
-          </a:p>
-        </p:txBody>
-      </p:sp>
-      <p:sp>
-        <p:nvSpPr>
-          <p:cNvPr id="16" name="Text Placeholder 2">
-            <a:extLst>
-              <a:ext uri="{FF2B5EF4-FFF2-40B4-BE49-F238E27FC236}">
-                <a16:creationId xmlns:a16="http://schemas.microsoft.com/office/drawing/2014/main" id="{E7860F6F-BF51-4C06-B01B-389A309AAB9B}"/>
-              </a:ext>
-            </a:extLst>
-          </p:cNvPr>
-          <p:cNvSpPr>
-            <a:spLocks noGrp="1"/>
-          </p:cNvSpPr>
-          <p:nvPr>
-            <p:ph type="body" idx="1"/>
-          </p:nvPr>
-        </p:nvSpPr>
-        <p:spPr>
-          <a:xfrm>
-            <a:off x="964023" y="2300984"/>
-            <a:ext cx="4827178" cy="404216"/>
-          </a:xfrm>
-        </p:spPr>
-        <p:txBody>
-          <a:bodyPr/>
-          <a:lstStyle/>
-          <a:p>
-            <a:r>
-              <a:rPr lang="en-US" dirty="0"/>
-              <a:t>Dropping null values and renaming columns</a:t>
-            </a:r>
-          </a:p>
-        </p:txBody>
-      </p:sp>
-      <p:sp>
-        <p:nvSpPr>
-          <p:cNvPr id="18" name="Text Placeholder 3">
-            <a:extLst>
-              <a:ext uri="{FF2B5EF4-FFF2-40B4-BE49-F238E27FC236}">
-                <a16:creationId xmlns:a16="http://schemas.microsoft.com/office/drawing/2014/main" id="{ED93DAF6-4BC5-F0EC-7261-C3FCF0A00B6C}"/>
-              </a:ext>
-            </a:extLst>
-          </p:cNvPr>
-          <p:cNvSpPr>
-            <a:spLocks noGrp="1"/>
-          </p:cNvSpPr>
-          <p:nvPr>
-            <p:ph type="body" idx="10"/>
-          </p:nvPr>
-        </p:nvSpPr>
-        <p:spPr>
-          <a:xfrm>
-            <a:off x="6362700" y="2300984"/>
-            <a:ext cx="5226627" cy="404216"/>
-          </a:xfrm>
-        </p:spPr>
-        <p:txBody>
-          <a:bodyPr>
-            <a:normAutofit/>
-          </a:bodyPr>
-          <a:lstStyle/>
-          <a:p>
-            <a:r>
-              <a:rPr lang="en-US" dirty="0"/>
-              <a:t>Creating the tables in SQL and inserting the data</a:t>
-            </a:r>
-          </a:p>
-        </p:txBody>
-      </p:sp>
-      <p:pic>
-        <p:nvPicPr>
-          <p:cNvPr id="11" name="Content Placeholder 10" descr="Graphical user interface, text, application, Word&#10;&#10;Description automatically generated">
-            <a:extLst>
-              <a:ext uri="{FF2B5EF4-FFF2-40B4-BE49-F238E27FC236}">
-                <a16:creationId xmlns:a16="http://schemas.microsoft.com/office/drawing/2014/main" id="{E1F12437-FB52-AC52-7FF5-D7CC33573674}"/>
-              </a:ext>
-            </a:extLst>
-          </p:cNvPr>
-          <p:cNvPicPr>
-            <a:picLocks noGrp="1" noChangeAspect="1"/>
-          </p:cNvPicPr>
-          <p:nvPr>
-            <p:ph sz="half" idx="2"/>
-          </p:nvPr>
-        </p:nvPicPr>
-        <p:blipFill>
-          <a:blip r:embed="rId2"/>
-          <a:stretch>
-            <a:fillRect/>
-          </a:stretch>
-        </p:blipFill>
-        <p:spPr>
-          <a:xfrm>
-            <a:off x="300522" y="2799146"/>
-            <a:ext cx="5688105" cy="1535787"/>
-          </a:xfrm>
-          <a:noFill/>
-        </p:spPr>
-      </p:pic>
-      <p:sp>
-        <p:nvSpPr>
-          <p:cNvPr id="7" name="Date Placeholder 6">
-            <a:extLst>
-              <a:ext uri="{FF2B5EF4-FFF2-40B4-BE49-F238E27FC236}">
-                <a16:creationId xmlns:a16="http://schemas.microsoft.com/office/drawing/2014/main" id="{99E44123-0AF5-4A4C-B0C7-BB7409DE8161}"/>
-              </a:ext>
-            </a:extLst>
-          </p:cNvPr>
-          <p:cNvSpPr>
-            <a:spLocks noGrp="1"/>
-          </p:cNvSpPr>
-          <p:nvPr>
-            <p:ph type="dt" sz="half" idx="14"/>
-          </p:nvPr>
-        </p:nvSpPr>
-        <p:spPr>
-          <a:xfrm>
-            <a:off x="2992120" y="6332220"/>
-            <a:ext cx="1313180" cy="247651"/>
-          </a:xfrm>
-        </p:spPr>
-        <p:txBody>
-          <a:bodyPr anchor="t">
-            <a:normAutofit/>
-          </a:bodyPr>
-          <a:lstStyle/>
-          <a:p>
-            <a:pPr>
-              <a:spcAft>
-                <a:spcPts val="600"/>
-              </a:spcAft>
-            </a:pPr>
-            <a:r>
-              <a:rPr lang="en-US"/>
-              <a:t>28/11/22</a:t>
-            </a:r>
-          </a:p>
-        </p:txBody>
-      </p:sp>
-      <p:sp>
-        <p:nvSpPr>
-          <p:cNvPr id="8" name="Footer Placeholder 7">
-            <a:extLst>
-              <a:ext uri="{FF2B5EF4-FFF2-40B4-BE49-F238E27FC236}">
-                <a16:creationId xmlns:a16="http://schemas.microsoft.com/office/drawing/2014/main" id="{2A659727-BBB9-9B49-BCA1-694F74F717C4}"/>
-              </a:ext>
-            </a:extLst>
-          </p:cNvPr>
-          <p:cNvSpPr>
-            <a:spLocks noGrp="1"/>
-          </p:cNvSpPr>
-          <p:nvPr>
-            <p:ph type="ftr" sz="quarter" idx="15"/>
-          </p:nvPr>
-        </p:nvSpPr>
-        <p:spPr>
-          <a:xfrm>
-            <a:off x="1494790" y="6332220"/>
-            <a:ext cx="1497330" cy="247651"/>
-          </a:xfrm>
-        </p:spPr>
-        <p:txBody>
-          <a:bodyPr anchor="t">
-            <a:normAutofit/>
-          </a:bodyPr>
-          <a:lstStyle/>
-          <a:p>
-            <a:pPr>
-              <a:spcAft>
-                <a:spcPts val="600"/>
-              </a:spcAft>
-            </a:pPr>
-            <a:r>
-              <a:rPr lang="en-US"/>
-              <a:t>Project 3</a:t>
-            </a:r>
-          </a:p>
-        </p:txBody>
-      </p:sp>
-      <p:sp>
-        <p:nvSpPr>
-          <p:cNvPr id="9" name="Slide Number Placeholder 8">
-            <a:extLst>
-              <a:ext uri="{FF2B5EF4-FFF2-40B4-BE49-F238E27FC236}">
-                <a16:creationId xmlns:a16="http://schemas.microsoft.com/office/drawing/2014/main" id="{9A5802D8-6C81-6C4F-97CF-C1F2344EE894}"/>
-              </a:ext>
-            </a:extLst>
-          </p:cNvPr>
-          <p:cNvSpPr>
-            <a:spLocks noGrp="1"/>
-          </p:cNvSpPr>
-          <p:nvPr>
-            <p:ph type="sldNum" sz="quarter" idx="16"/>
-          </p:nvPr>
-        </p:nvSpPr>
-        <p:spPr>
-          <a:xfrm>
-            <a:off x="971550" y="6332220"/>
-            <a:ext cx="523240" cy="247651"/>
-          </a:xfrm>
-        </p:spPr>
-        <p:txBody>
-          <a:bodyPr anchor="t">
-            <a:normAutofit/>
-          </a:bodyPr>
-          <a:lstStyle/>
-          <a:p>
-            <a:pPr>
-              <a:spcAft>
-                <a:spcPts val="600"/>
-              </a:spcAft>
-            </a:pPr>
-            <a:fld id="{294A09A9-5501-47C1-A89A-A340965A2BE2}" type="slidenum">
-              <a:rPr lang="en-US" smtClean="0"/>
-              <a:pPr>
-                <a:spcAft>
-                  <a:spcPts val="600"/>
-                </a:spcAft>
-              </a:pPr>
-              <a:t>5</a:t>
-            </a:fld>
-            <a:endParaRPr lang="en-US"/>
-          </a:p>
-        </p:txBody>
-      </p:sp>
-      <p:pic>
-        <p:nvPicPr>
-          <p:cNvPr id="13" name="Picture 12">
-            <a:extLst>
-              <a:ext uri="{FF2B5EF4-FFF2-40B4-BE49-F238E27FC236}">
-                <a16:creationId xmlns:a16="http://schemas.microsoft.com/office/drawing/2014/main" id="{22294890-E496-A0C4-57C2-1EFF04A7BCEB}"/>
-              </a:ext>
-            </a:extLst>
-          </p:cNvPr>
-          <p:cNvPicPr>
-            <a:picLocks noChangeAspect="1"/>
-          </p:cNvPicPr>
-          <p:nvPr/>
-        </p:nvPicPr>
-        <p:blipFill>
-          <a:blip r:embed="rId3"/>
-          <a:stretch>
-            <a:fillRect/>
-          </a:stretch>
-        </p:blipFill>
-        <p:spPr>
-          <a:xfrm>
-            <a:off x="5988627" y="2799146"/>
-            <a:ext cx="5902851" cy="2574395"/>
-          </a:xfrm>
-          <a:prstGeom prst="rect">
-            <a:avLst/>
-          </a:prstGeom>
-        </p:spPr>
-      </p:pic>
-    </p:spTree>
-    <p:extLst>
-      <p:ext uri="{BB962C8B-B14F-4D97-AF65-F5344CB8AC3E}">
-        <p14:creationId xmlns:p14="http://schemas.microsoft.com/office/powerpoint/2010/main" val="767675903"/>
-      </p:ext>
-    </p:extLst>
-  </p:cSld>
-  <p:clrMapOvr>
-    <a:masterClrMapping/>
-  </p:clrMapOvr>
-</p:sld>
-</file>
-
-<file path=ppt/slides/slide6.xml><?xml version="1.0" encoding="utf-8"?>
-<p:sld xmlns:a="http://schemas.openxmlformats.org/drawingml/2006/main" xmlns:r="http://schemas.openxmlformats.org/officeDocument/2006/relationships" xmlns:p="http://schemas.openxmlformats.org/presentationml/2006/main">
-  <p:cSld>
-    <p:spTree>
-      <p:nvGrpSpPr>
-        <p:cNvPr id="1" name=""/>
-        <p:cNvGrpSpPr/>
-        <p:nvPr/>
-      </p:nvGrpSpPr>
-      <p:grpSpPr>
-        <a:xfrm>
-          <a:off x="0" y="0"/>
-          <a:ext cx="0" cy="0"/>
-          <a:chOff x="0" y="0"/>
-          <a:chExt cx="0" cy="0"/>
-        </a:xfrm>
-      </p:grpSpPr>
-      <p:sp>
-        <p:nvSpPr>
-          <p:cNvPr id="2" name="Title 1">
-            <a:extLst>
-              <a:ext uri="{FF2B5EF4-FFF2-40B4-BE49-F238E27FC236}">
-                <a16:creationId xmlns:a16="http://schemas.microsoft.com/office/drawing/2014/main" id="{68F0FA04-6227-9040-92A6-9514A59B8E7B}"/>
-              </a:ext>
-            </a:extLst>
-          </p:cNvPr>
-          <p:cNvSpPr>
-            <a:spLocks noGrp="1"/>
-          </p:cNvSpPr>
-          <p:nvPr>
-            <p:ph type="title"/>
-          </p:nvPr>
-        </p:nvSpPr>
-        <p:spPr/>
-        <p:txBody>
-          <a:bodyPr/>
-          <a:lstStyle/>
-          <a:p>
-            <a:r>
-              <a:rPr lang="en-US" dirty="0"/>
-              <a:t>Data Manipulation</a:t>
-            </a:r>
-          </a:p>
-        </p:txBody>
-      </p:sp>
-      <p:sp>
-        <p:nvSpPr>
-          <p:cNvPr id="3" name="Text Placeholder 2">
-            <a:extLst>
-              <a:ext uri="{FF2B5EF4-FFF2-40B4-BE49-F238E27FC236}">
-                <a16:creationId xmlns:a16="http://schemas.microsoft.com/office/drawing/2014/main" id="{9CD657E5-4675-E84E-840E-4F6D4868C5A9}"/>
-              </a:ext>
-            </a:extLst>
-          </p:cNvPr>
-          <p:cNvSpPr>
-            <a:spLocks noGrp="1"/>
-          </p:cNvSpPr>
-          <p:nvPr>
-            <p:ph type="body" idx="1"/>
-          </p:nvPr>
-        </p:nvSpPr>
-        <p:spPr/>
-        <p:txBody>
-          <a:bodyPr/>
-          <a:lstStyle/>
-          <a:p>
-            <a:endParaRPr lang="en-US" dirty="0"/>
-          </a:p>
-        </p:txBody>
-      </p:sp>
-      <p:sp>
-        <p:nvSpPr>
-          <p:cNvPr id="5" name="Content Placeholder 4">
-            <a:extLst>
-              <a:ext uri="{FF2B5EF4-FFF2-40B4-BE49-F238E27FC236}">
-                <a16:creationId xmlns:a16="http://schemas.microsoft.com/office/drawing/2014/main" id="{0B4B9306-DDC0-AD4F-A9C2-739C6AEB0172}"/>
-              </a:ext>
-            </a:extLst>
-          </p:cNvPr>
-          <p:cNvSpPr>
-            <a:spLocks noGrp="1"/>
-          </p:cNvSpPr>
-          <p:nvPr>
-            <p:ph sz="half" idx="2"/>
-          </p:nvPr>
-        </p:nvSpPr>
-        <p:spPr>
-          <a:xfrm>
-            <a:off x="964023" y="2786446"/>
-            <a:ext cx="4827178" cy="1942138"/>
-          </a:xfrm>
-        </p:spPr>
-        <p:txBody>
-          <a:bodyPr/>
-          <a:lstStyle/>
-          <a:p>
-            <a:pPr marL="0" indent="0">
-              <a:buNone/>
-            </a:pPr>
-            <a:endParaRPr lang="en-US" dirty="0"/>
-          </a:p>
-        </p:txBody>
-      </p:sp>
-      <p:sp>
-        <p:nvSpPr>
-          <p:cNvPr id="4" name="Text Placeholder 3">
-            <a:extLst>
-              <a:ext uri="{FF2B5EF4-FFF2-40B4-BE49-F238E27FC236}">
-                <a16:creationId xmlns:a16="http://schemas.microsoft.com/office/drawing/2014/main" id="{6AF03CC0-7DA0-ED4F-B612-580E138D588A}"/>
-              </a:ext>
-            </a:extLst>
-          </p:cNvPr>
-          <p:cNvSpPr>
-            <a:spLocks noGrp="1"/>
-          </p:cNvSpPr>
-          <p:nvPr>
-            <p:ph type="body" idx="10"/>
-          </p:nvPr>
-        </p:nvSpPr>
-        <p:spPr/>
-        <p:txBody>
-          <a:bodyPr/>
-          <a:lstStyle/>
-          <a:p>
-            <a:endParaRPr lang="en-US" dirty="0"/>
-          </a:p>
-        </p:txBody>
-      </p:sp>
-      <p:sp>
-        <p:nvSpPr>
-          <p:cNvPr id="6" name="Content Placeholder 5">
-            <a:extLst>
-              <a:ext uri="{FF2B5EF4-FFF2-40B4-BE49-F238E27FC236}">
-                <a16:creationId xmlns:a16="http://schemas.microsoft.com/office/drawing/2014/main" id="{B7D8EEE0-6E1C-9F47-936F-25FCC2FC368C}"/>
-              </a:ext>
-            </a:extLst>
-          </p:cNvPr>
-          <p:cNvSpPr>
-            <a:spLocks noGrp="1"/>
-          </p:cNvSpPr>
-          <p:nvPr>
-            <p:ph sz="half" idx="13"/>
-          </p:nvPr>
-        </p:nvSpPr>
-        <p:spPr/>
-        <p:txBody>
-          <a:bodyPr/>
-          <a:lstStyle/>
-          <a:p>
-            <a:pPr marL="0" indent="0">
-              <a:buNone/>
-            </a:pPr>
-            <a:endParaRPr lang="en-US" dirty="0"/>
-          </a:p>
-        </p:txBody>
-      </p:sp>
-      <p:sp>
-        <p:nvSpPr>
-          <p:cNvPr id="9" name="Slide Number Placeholder 8">
-            <a:extLst>
-              <a:ext uri="{FF2B5EF4-FFF2-40B4-BE49-F238E27FC236}">
-                <a16:creationId xmlns:a16="http://schemas.microsoft.com/office/drawing/2014/main" id="{9A5802D8-6C81-6C4F-97CF-C1F2344EE894}"/>
-              </a:ext>
-            </a:extLst>
-          </p:cNvPr>
-          <p:cNvSpPr>
-            <a:spLocks noGrp="1"/>
-          </p:cNvSpPr>
-          <p:nvPr>
-            <p:ph type="sldNum" sz="quarter" idx="16"/>
-          </p:nvPr>
-        </p:nvSpPr>
-        <p:spPr>
-          <a:xfrm>
-            <a:off x="971550" y="6332220"/>
-            <a:ext cx="523240" cy="247651"/>
-          </a:xfrm>
-        </p:spPr>
-        <p:txBody>
-          <a:bodyPr/>
-          <a:lstStyle/>
-          <a:p>
-            <a:pPr algn="l"/>
-            <a:fld id="{294A09A9-5501-47C1-A89A-A340965A2BE2}" type="slidenum">
-              <a:rPr lang="en-US" smtClean="0"/>
-              <a:pPr algn="l"/>
-              <a:t>6</a:t>
-            </a:fld>
-            <a:endParaRPr lang="en-US" dirty="0"/>
-          </a:p>
-        </p:txBody>
-      </p:sp>
-      <p:sp>
-        <p:nvSpPr>
-          <p:cNvPr id="8" name="Footer Placeholder 7">
-            <a:extLst>
-              <a:ext uri="{FF2B5EF4-FFF2-40B4-BE49-F238E27FC236}">
-                <a16:creationId xmlns:a16="http://schemas.microsoft.com/office/drawing/2014/main" id="{2A659727-BBB9-9B49-BCA1-694F74F717C4}"/>
-              </a:ext>
-            </a:extLst>
-          </p:cNvPr>
-          <p:cNvSpPr>
-            <a:spLocks noGrp="1"/>
-          </p:cNvSpPr>
-          <p:nvPr>
-            <p:ph type="ftr" sz="quarter" idx="15"/>
-          </p:nvPr>
-        </p:nvSpPr>
-        <p:spPr>
-          <a:xfrm>
-            <a:off x="1494790" y="6332220"/>
-            <a:ext cx="1497330" cy="247651"/>
-          </a:xfrm>
-        </p:spPr>
-        <p:txBody>
-          <a:bodyPr/>
-          <a:lstStyle/>
-          <a:p>
-            <a:r>
-              <a:rPr lang="en-US" dirty="0"/>
-              <a:t>Project 3</a:t>
-            </a:r>
-            <a:endParaRPr lang="en-US" sz="1100" dirty="0"/>
-          </a:p>
-        </p:txBody>
-      </p:sp>
-      <p:sp>
-        <p:nvSpPr>
-          <p:cNvPr id="7" name="Date Placeholder 6">
-            <a:extLst>
-              <a:ext uri="{FF2B5EF4-FFF2-40B4-BE49-F238E27FC236}">
-                <a16:creationId xmlns:a16="http://schemas.microsoft.com/office/drawing/2014/main" id="{99E44123-0AF5-4A4C-B0C7-BB7409DE8161}"/>
-              </a:ext>
-            </a:extLst>
-          </p:cNvPr>
-          <p:cNvSpPr>
-            <a:spLocks noGrp="1"/>
-          </p:cNvSpPr>
-          <p:nvPr>
-            <p:ph type="dt" sz="half" idx="14"/>
-          </p:nvPr>
-        </p:nvSpPr>
-        <p:spPr>
-          <a:xfrm>
-            <a:off x="2992120" y="6332220"/>
-            <a:ext cx="1313180" cy="247651"/>
-          </a:xfrm>
-        </p:spPr>
-        <p:txBody>
-          <a:bodyPr/>
-          <a:lstStyle/>
-          <a:p>
-            <a:r>
-              <a:rPr lang="en-US" dirty="0"/>
-              <a:t>28/11/22</a:t>
-            </a:r>
-          </a:p>
-        </p:txBody>
-      </p:sp>
-    </p:spTree>
-    <p:extLst>
-      <p:ext uri="{BB962C8B-B14F-4D97-AF65-F5344CB8AC3E}">
-        <p14:creationId xmlns:p14="http://schemas.microsoft.com/office/powerpoint/2010/main" val="1769643072"/>
-      </p:ext>
-    </p:extLst>
-  </p:cSld>
-  <p:clrMapOvr>
-    <a:masterClrMapping/>
-  </p:clrMapOvr>
-</p:sld>
-</file>
-
-<file path=ppt/slides/slide7.xml><?xml version="1.0" encoding="utf-8"?>
-<p:sld xmlns:a="http://schemas.openxmlformats.org/drawingml/2006/main" xmlns:r="http://schemas.openxmlformats.org/officeDocument/2006/relationships" xmlns:p="http://schemas.openxmlformats.org/presentationml/2006/main">
-  <p:cSld>
-    <p:spTree>
-      <p:nvGrpSpPr>
-        <p:cNvPr id="1" name=""/>
-        <p:cNvGrpSpPr/>
-        <p:nvPr/>
-      </p:nvGrpSpPr>
-      <p:grpSpPr>
-        <a:xfrm>
-          <a:off x="0" y="0"/>
-          <a:ext cx="0" cy="0"/>
-          <a:chOff x="0" y="0"/>
-          <a:chExt cx="0" cy="0"/>
-        </a:xfrm>
-      </p:grpSpPr>
-      <p:sp>
-        <p:nvSpPr>
-          <p:cNvPr id="2" name="Title 1">
-            <a:extLst>
-              <a:ext uri="{FF2B5EF4-FFF2-40B4-BE49-F238E27FC236}">
-                <a16:creationId xmlns:a16="http://schemas.microsoft.com/office/drawing/2014/main" id="{C18026B5-2F88-BA48-A996-4A13FDFAA43A}"/>
-              </a:ext>
-            </a:extLst>
-          </p:cNvPr>
-          <p:cNvSpPr>
-            <a:spLocks noGrp="1"/>
-          </p:cNvSpPr>
-          <p:nvPr>
-            <p:ph type="title"/>
-          </p:nvPr>
-        </p:nvSpPr>
-        <p:spPr/>
-        <p:txBody>
-          <a:bodyPr/>
-          <a:lstStyle/>
-          <a:p>
-            <a:r>
-              <a:rPr lang="en-AU" dirty="0"/>
-              <a:t>Visualisations</a:t>
-            </a:r>
-          </a:p>
-        </p:txBody>
-      </p:sp>
-      <p:sp>
-        <p:nvSpPr>
-          <p:cNvPr id="3" name="Text Placeholder 2">
-            <a:extLst>
-              <a:ext uri="{FF2B5EF4-FFF2-40B4-BE49-F238E27FC236}">
-                <a16:creationId xmlns:a16="http://schemas.microsoft.com/office/drawing/2014/main" id="{A5ABDF8F-0AD5-5C43-9EF3-8679B9897E01}"/>
-              </a:ext>
-            </a:extLst>
-          </p:cNvPr>
-          <p:cNvSpPr>
-            <a:spLocks noGrp="1"/>
-          </p:cNvSpPr>
-          <p:nvPr>
-            <p:ph type="body" idx="1"/>
-          </p:nvPr>
-        </p:nvSpPr>
-        <p:spPr/>
-        <p:txBody>
-          <a:bodyPr/>
-          <a:lstStyle/>
-          <a:p>
-            <a:r>
-              <a:rPr lang="en-US" dirty="0"/>
-              <a:t>Choropleth map</a:t>
-            </a:r>
-          </a:p>
-        </p:txBody>
-      </p:sp>
-      <p:sp>
-        <p:nvSpPr>
-          <p:cNvPr id="4" name="Content Placeholder 3">
-            <a:extLst>
-              <a:ext uri="{FF2B5EF4-FFF2-40B4-BE49-F238E27FC236}">
-                <a16:creationId xmlns:a16="http://schemas.microsoft.com/office/drawing/2014/main" id="{7782A119-28D1-B54D-A879-A0DDEC296674}"/>
-              </a:ext>
-            </a:extLst>
-          </p:cNvPr>
-          <p:cNvSpPr>
-            <a:spLocks noGrp="1"/>
-          </p:cNvSpPr>
-          <p:nvPr>
-            <p:ph sz="half" idx="2"/>
-          </p:nvPr>
-        </p:nvSpPr>
-        <p:spPr>
-          <a:xfrm>
-            <a:off x="952501" y="2786446"/>
-            <a:ext cx="3436620" cy="2771074"/>
-          </a:xfrm>
-        </p:spPr>
-        <p:txBody>
-          <a:bodyPr/>
-          <a:lstStyle/>
-          <a:p>
-            <a:pPr marL="0" indent="0">
-              <a:buNone/>
-            </a:pPr>
-            <a:endParaRPr lang="en-US" dirty="0"/>
-          </a:p>
-        </p:txBody>
-      </p:sp>
-      <p:sp>
-        <p:nvSpPr>
-          <p:cNvPr id="5" name="Text Placeholder 4">
-            <a:extLst>
-              <a:ext uri="{FF2B5EF4-FFF2-40B4-BE49-F238E27FC236}">
-                <a16:creationId xmlns:a16="http://schemas.microsoft.com/office/drawing/2014/main" id="{B55E5840-ED0D-0349-88F3-4E90A0094985}"/>
-              </a:ext>
-            </a:extLst>
-          </p:cNvPr>
-          <p:cNvSpPr>
-            <a:spLocks noGrp="1"/>
-          </p:cNvSpPr>
-          <p:nvPr>
-            <p:ph type="body" idx="10"/>
-          </p:nvPr>
-        </p:nvSpPr>
-        <p:spPr/>
-        <p:txBody>
-          <a:bodyPr/>
-          <a:lstStyle/>
-          <a:p>
-            <a:r>
-              <a:rPr lang="en-US" dirty="0"/>
-              <a:t>Bar chart</a:t>
-            </a:r>
-          </a:p>
-        </p:txBody>
-      </p:sp>
-      <p:sp>
-        <p:nvSpPr>
-          <p:cNvPr id="6" name="Content Placeholder 5">
-            <a:extLst>
-              <a:ext uri="{FF2B5EF4-FFF2-40B4-BE49-F238E27FC236}">
-                <a16:creationId xmlns:a16="http://schemas.microsoft.com/office/drawing/2014/main" id="{34801285-85FB-FD43-9631-322998389AF0}"/>
-              </a:ext>
-            </a:extLst>
-          </p:cNvPr>
-          <p:cNvSpPr>
-            <a:spLocks noGrp="1"/>
-          </p:cNvSpPr>
-          <p:nvPr>
-            <p:ph sz="half" idx="11"/>
-          </p:nvPr>
-        </p:nvSpPr>
-        <p:spPr>
-          <a:xfrm>
-            <a:off x="4569371" y="2799146"/>
-            <a:ext cx="3436621" cy="2758374"/>
-          </a:xfrm>
-        </p:spPr>
-        <p:txBody>
-          <a:bodyPr/>
-          <a:lstStyle/>
-          <a:p>
-            <a:pPr marL="0" indent="0">
-              <a:buNone/>
-            </a:pPr>
-            <a:endParaRPr lang="en-US" dirty="0"/>
-          </a:p>
-        </p:txBody>
-      </p:sp>
-      <p:sp>
-        <p:nvSpPr>
-          <p:cNvPr id="7" name="Text Placeholder 6">
-            <a:extLst>
-              <a:ext uri="{FF2B5EF4-FFF2-40B4-BE49-F238E27FC236}">
-                <a16:creationId xmlns:a16="http://schemas.microsoft.com/office/drawing/2014/main" id="{8820E658-15B8-6C4B-A736-3D894774670E}"/>
-              </a:ext>
-            </a:extLst>
-          </p:cNvPr>
-          <p:cNvSpPr>
-            <a:spLocks noGrp="1"/>
-          </p:cNvSpPr>
-          <p:nvPr>
-            <p:ph type="body" idx="12"/>
-          </p:nvPr>
-        </p:nvSpPr>
-        <p:spPr/>
-        <p:txBody>
-          <a:bodyPr/>
-          <a:lstStyle/>
-          <a:p>
-            <a:r>
-              <a:rPr lang="en-US" dirty="0"/>
-              <a:t>Line graph</a:t>
-            </a:r>
-          </a:p>
-        </p:txBody>
-      </p:sp>
-      <p:sp>
-        <p:nvSpPr>
-          <p:cNvPr id="8" name="Content Placeholder 7">
-            <a:extLst>
-              <a:ext uri="{FF2B5EF4-FFF2-40B4-BE49-F238E27FC236}">
-                <a16:creationId xmlns:a16="http://schemas.microsoft.com/office/drawing/2014/main" id="{7F52F621-1B1F-5E49-939F-12BD1A0FD522}"/>
-              </a:ext>
-            </a:extLst>
-          </p:cNvPr>
-          <p:cNvSpPr>
-            <a:spLocks noGrp="1"/>
-          </p:cNvSpPr>
-          <p:nvPr>
-            <p:ph sz="half" idx="13"/>
-          </p:nvPr>
-        </p:nvSpPr>
-        <p:spPr>
-          <a:xfrm>
-            <a:off x="8187018" y="2799146"/>
-            <a:ext cx="3436620" cy="2771074"/>
-          </a:xfrm>
-        </p:spPr>
-        <p:txBody>
-          <a:bodyPr/>
-          <a:lstStyle/>
-          <a:p>
-            <a:pPr marL="0" indent="0">
-              <a:buNone/>
-            </a:pPr>
-            <a:endParaRPr lang="en-US" dirty="0"/>
-          </a:p>
-        </p:txBody>
-      </p:sp>
-      <p:sp>
-        <p:nvSpPr>
-          <p:cNvPr id="11" name="Slide Number Placeholder 10">
-            <a:extLst>
-              <a:ext uri="{FF2B5EF4-FFF2-40B4-BE49-F238E27FC236}">
-                <a16:creationId xmlns:a16="http://schemas.microsoft.com/office/drawing/2014/main" id="{8B50C3FA-D20D-3049-9C7F-6F37D4E022C5}"/>
-              </a:ext>
-            </a:extLst>
-          </p:cNvPr>
-          <p:cNvSpPr>
-            <a:spLocks noGrp="1"/>
-          </p:cNvSpPr>
-          <p:nvPr>
-            <p:ph type="sldNum" sz="quarter" idx="16"/>
-          </p:nvPr>
-        </p:nvSpPr>
-        <p:spPr>
-          <a:xfrm>
-            <a:off x="971550" y="6332220"/>
-            <a:ext cx="523240" cy="247651"/>
-          </a:xfrm>
-        </p:spPr>
-        <p:txBody>
-          <a:bodyPr/>
-          <a:lstStyle/>
-          <a:p>
-            <a:pPr algn="l"/>
-            <a:fld id="{294A09A9-5501-47C1-A89A-A340965A2BE2}" type="slidenum">
-              <a:rPr lang="en-US" smtClean="0"/>
-              <a:pPr algn="l"/>
-              <a:t>7</a:t>
-            </a:fld>
-            <a:endParaRPr lang="en-US" dirty="0"/>
-          </a:p>
-        </p:txBody>
-      </p:sp>
-      <p:sp>
-        <p:nvSpPr>
-          <p:cNvPr id="10" name="Footer Placeholder 9">
-            <a:extLst>
-              <a:ext uri="{FF2B5EF4-FFF2-40B4-BE49-F238E27FC236}">
-                <a16:creationId xmlns:a16="http://schemas.microsoft.com/office/drawing/2014/main" id="{56278D20-060E-1942-9A72-E600C02A8208}"/>
-              </a:ext>
-            </a:extLst>
-          </p:cNvPr>
-          <p:cNvSpPr>
-            <a:spLocks noGrp="1"/>
-          </p:cNvSpPr>
-          <p:nvPr>
-            <p:ph type="ftr" sz="quarter" idx="15"/>
-          </p:nvPr>
-        </p:nvSpPr>
-        <p:spPr>
-          <a:xfrm>
-            <a:off x="1494790" y="6332220"/>
-            <a:ext cx="1497330" cy="247651"/>
-          </a:xfrm>
-        </p:spPr>
-        <p:txBody>
-          <a:bodyPr/>
-          <a:lstStyle/>
-          <a:p>
-            <a:r>
-              <a:rPr lang="en-US" dirty="0"/>
-              <a:t>Project 3</a:t>
-            </a:r>
-            <a:endParaRPr lang="en-US" sz="1100" dirty="0"/>
-          </a:p>
-        </p:txBody>
-      </p:sp>
-      <p:sp>
-        <p:nvSpPr>
-          <p:cNvPr id="9" name="Date Placeholder 8">
-            <a:extLst>
-              <a:ext uri="{FF2B5EF4-FFF2-40B4-BE49-F238E27FC236}">
-                <a16:creationId xmlns:a16="http://schemas.microsoft.com/office/drawing/2014/main" id="{AFD06229-BFA1-7D4D-B1E0-0A9F7FBF1F7E}"/>
-              </a:ext>
-            </a:extLst>
-          </p:cNvPr>
-          <p:cNvSpPr>
-            <a:spLocks noGrp="1"/>
-          </p:cNvSpPr>
-          <p:nvPr>
-            <p:ph type="dt" sz="half" idx="14"/>
-          </p:nvPr>
-        </p:nvSpPr>
-        <p:spPr>
-          <a:xfrm>
-            <a:off x="2992120" y="6332220"/>
-            <a:ext cx="1313180" cy="247651"/>
-          </a:xfrm>
-        </p:spPr>
-        <p:txBody>
-          <a:bodyPr/>
-          <a:lstStyle/>
-          <a:p>
-            <a:r>
-              <a:rPr lang="en-US" dirty="0"/>
-              <a:t>28/11/22</a:t>
-            </a:r>
-            <a:endParaRPr lang="en-US" sz="1100" dirty="0"/>
-          </a:p>
-        </p:txBody>
-      </p:sp>
-    </p:spTree>
-    <p:extLst>
-      <p:ext uri="{BB962C8B-B14F-4D97-AF65-F5344CB8AC3E}">
-        <p14:creationId xmlns:p14="http://schemas.microsoft.com/office/powerpoint/2010/main" val="495483412"/>
-      </p:ext>
-    </p:extLst>
-  </p:cSld>
-  <p:clrMapOvr>
-    <a:masterClrMapping/>
-  </p:clrMapOvr>
-</p:sld>
-</file>
-
-<file path=ppt/slides/slide8.xml><?xml version="1.0" encoding="utf-8"?>
-<p:sld xmlns:a="http://schemas.openxmlformats.org/drawingml/2006/main" xmlns:r="http://schemas.openxmlformats.org/officeDocument/2006/relationships" xmlns:p="http://schemas.openxmlformats.org/presentationml/2006/main">
-  <p:cSld>
-    <p:spTree>
-      <p:nvGrpSpPr>
-        <p:cNvPr id="1" name=""/>
-        <p:cNvGrpSpPr/>
-        <p:nvPr/>
-      </p:nvGrpSpPr>
-      <p:grpSpPr>
-        <a:xfrm>
-          <a:off x="0" y="0"/>
-          <a:ext cx="0" cy="0"/>
-          <a:chOff x="0" y="0"/>
-          <a:chExt cx="0" cy="0"/>
-        </a:xfrm>
-      </p:grpSpPr>
-      <p:sp>
-        <p:nvSpPr>
-          <p:cNvPr id="2" name="Title 1">
-            <a:extLst>
-              <a:ext uri="{FF2B5EF4-FFF2-40B4-BE49-F238E27FC236}">
-                <a16:creationId xmlns:a16="http://schemas.microsoft.com/office/drawing/2014/main" id="{8C122DF8-59D4-D94D-8ED9-F2F319899DBF}"/>
-              </a:ext>
-            </a:extLst>
-          </p:cNvPr>
-          <p:cNvSpPr>
-            <a:spLocks noGrp="1"/>
-          </p:cNvSpPr>
-          <p:nvPr>
-            <p:ph type="title"/>
-          </p:nvPr>
-        </p:nvSpPr>
-        <p:spPr>
-          <a:xfrm>
-            <a:off x="964023" y="879063"/>
-            <a:ext cx="4941477" cy="610863"/>
-          </a:xfrm>
-        </p:spPr>
-        <p:txBody>
-          <a:bodyPr anchor="b">
-            <a:normAutofit/>
-          </a:bodyPr>
-          <a:lstStyle/>
-          <a:p>
-            <a:r>
-              <a:rPr lang="en-US" dirty="0"/>
-              <a:t>Conclusions</a:t>
-            </a:r>
-          </a:p>
-        </p:txBody>
-      </p:sp>
-      <p:sp>
-        <p:nvSpPr>
-          <p:cNvPr id="58" name="Text Placeholder 2">
-            <a:extLst>
-              <a:ext uri="{FF2B5EF4-FFF2-40B4-BE49-F238E27FC236}">
-                <a16:creationId xmlns:a16="http://schemas.microsoft.com/office/drawing/2014/main" id="{40FFBA04-8E83-879A-C581-01692BD77172}"/>
-              </a:ext>
-            </a:extLst>
-          </p:cNvPr>
-          <p:cNvSpPr>
-            <a:spLocks noGrp="1"/>
-          </p:cNvSpPr>
-          <p:nvPr>
-            <p:ph type="body" idx="1"/>
-          </p:nvPr>
-        </p:nvSpPr>
-        <p:spPr>
-          <a:xfrm>
-            <a:off x="964022" y="2300984"/>
-            <a:ext cx="5000359" cy="404216"/>
-          </a:xfrm>
-        </p:spPr>
-        <p:txBody>
-          <a:bodyPr>
-            <a:normAutofit fontScale="92500"/>
-          </a:bodyPr>
-          <a:lstStyle/>
-          <a:p>
-            <a:r>
-              <a:rPr lang="en-US" dirty="0"/>
-              <a:t>Connection between house prices and interest rates</a:t>
-            </a:r>
-          </a:p>
-        </p:txBody>
-      </p:sp>
-      <p:sp>
-        <p:nvSpPr>
-          <p:cNvPr id="60" name="Text Placeholder 3">
-            <a:extLst>
-              <a:ext uri="{FF2B5EF4-FFF2-40B4-BE49-F238E27FC236}">
-                <a16:creationId xmlns:a16="http://schemas.microsoft.com/office/drawing/2014/main" id="{A1C5E878-EA3C-B43F-0169-6B47F3E020EE}"/>
-              </a:ext>
-            </a:extLst>
-          </p:cNvPr>
-          <p:cNvSpPr>
-            <a:spLocks noGrp="1"/>
-          </p:cNvSpPr>
-          <p:nvPr>
-            <p:ph type="body" idx="10"/>
-          </p:nvPr>
-        </p:nvSpPr>
-        <p:spPr>
-          <a:xfrm>
-            <a:off x="6362700" y="2300984"/>
-            <a:ext cx="4764829" cy="404216"/>
-          </a:xfrm>
-        </p:spPr>
-        <p:txBody>
-          <a:bodyPr/>
-          <a:lstStyle/>
-          <a:p>
-            <a:r>
-              <a:rPr lang="en-US" dirty="0"/>
-              <a:t>Insight into most valuable suburbs to invest in</a:t>
-            </a:r>
-          </a:p>
-        </p:txBody>
-      </p:sp>
-      <p:sp>
-        <p:nvSpPr>
-          <p:cNvPr id="62" name="Content Placeholder 4">
-            <a:extLst>
-              <a:ext uri="{FF2B5EF4-FFF2-40B4-BE49-F238E27FC236}">
-                <a16:creationId xmlns:a16="http://schemas.microsoft.com/office/drawing/2014/main" id="{7D301BF8-D60D-1300-785E-76A807B647CF}"/>
-              </a:ext>
-            </a:extLst>
-          </p:cNvPr>
-          <p:cNvSpPr>
-            <a:spLocks noGrp="1"/>
-          </p:cNvSpPr>
-          <p:nvPr>
-            <p:ph sz="half" idx="2"/>
-          </p:nvPr>
-        </p:nvSpPr>
-        <p:spPr>
-          <a:xfrm>
-            <a:off x="964022" y="2799146"/>
-            <a:ext cx="4941477" cy="3271454"/>
-          </a:xfrm>
-        </p:spPr>
-        <p:txBody>
-          <a:bodyPr>
-            <a:normAutofit/>
-          </a:bodyPr>
-          <a:lstStyle/>
-          <a:p>
-            <a:r>
-              <a:rPr lang="en-US" dirty="0"/>
-              <a:t>As expected, while interest rates have been falling since the beginning of the timeframe our data looked at, house prices have been steadily rising, demonstrating a strong connection between these two aspects</a:t>
-            </a:r>
-          </a:p>
-          <a:p>
-            <a:r>
-              <a:rPr lang="en-US" dirty="0"/>
-              <a:t>Inflation rates seem to be more closely related to the S&amp;P/ASX 200 data we used; however, this connection is tentative at best and not enough to draw any meaningful conclusions</a:t>
-            </a:r>
-          </a:p>
-          <a:p>
-            <a:endParaRPr lang="en-US" dirty="0"/>
-          </a:p>
-          <a:p>
-            <a:endParaRPr lang="en-US" dirty="0"/>
-          </a:p>
-        </p:txBody>
-      </p:sp>
-      <p:sp>
-        <p:nvSpPr>
-          <p:cNvPr id="64" name="Content Placeholder 5">
-            <a:extLst>
-              <a:ext uri="{FF2B5EF4-FFF2-40B4-BE49-F238E27FC236}">
-                <a16:creationId xmlns:a16="http://schemas.microsoft.com/office/drawing/2014/main" id="{CDBFB997-3DEE-69B5-39AB-043FEFD8480D}"/>
-              </a:ext>
-            </a:extLst>
-          </p:cNvPr>
-          <p:cNvSpPr>
-            <a:spLocks noGrp="1"/>
-          </p:cNvSpPr>
-          <p:nvPr>
-            <p:ph sz="half" idx="13"/>
-          </p:nvPr>
-        </p:nvSpPr>
-        <p:spPr>
-          <a:xfrm>
-            <a:off x="6362700" y="2799146"/>
-            <a:ext cx="4756150" cy="2687637"/>
-          </a:xfrm>
-        </p:spPr>
-        <p:txBody>
-          <a:bodyPr/>
-          <a:lstStyle/>
-          <a:p>
-            <a:r>
-              <a:rPr lang="en-US" dirty="0"/>
-              <a:t>Using the choropleth map, it is clear that many Melbourne suburbs are experiencing growth at the moment</a:t>
-            </a:r>
-          </a:p>
-          <a:p>
-            <a:r>
-              <a:rPr lang="en-US" dirty="0"/>
-              <a:t>Many of the areas with the highest growth rates appear to be in the northern and eastern suburbs, signaling them as great opportunities for investment based on past performance</a:t>
-            </a:r>
-          </a:p>
-          <a:p>
-            <a:endParaRPr lang="en-US" dirty="0"/>
-          </a:p>
-        </p:txBody>
-      </p:sp>
-      <p:sp>
-        <p:nvSpPr>
-          <p:cNvPr id="3" name="Date Placeholder 2">
-            <a:extLst>
-              <a:ext uri="{FF2B5EF4-FFF2-40B4-BE49-F238E27FC236}">
-                <a16:creationId xmlns:a16="http://schemas.microsoft.com/office/drawing/2014/main" id="{4D5B7634-ADBA-124F-B8CA-431F07F18D44}"/>
-              </a:ext>
-            </a:extLst>
-          </p:cNvPr>
-          <p:cNvSpPr>
-            <a:spLocks noGrp="1"/>
-          </p:cNvSpPr>
-          <p:nvPr>
-            <p:ph type="dt" sz="half" idx="14"/>
-          </p:nvPr>
-        </p:nvSpPr>
-        <p:spPr>
-          <a:xfrm>
-            <a:off x="2992120" y="6332220"/>
-            <a:ext cx="1313180" cy="247651"/>
-          </a:xfrm>
-        </p:spPr>
-        <p:txBody>
-          <a:bodyPr anchor="t">
-            <a:normAutofit/>
-          </a:bodyPr>
-          <a:lstStyle/>
-          <a:p>
-            <a:pPr>
-              <a:spcAft>
-                <a:spcPts val="600"/>
-              </a:spcAft>
-            </a:pPr>
-            <a:r>
-              <a:rPr lang="en-US" dirty="0"/>
-              <a:t>28/11/22</a:t>
-            </a:r>
-            <a:endParaRPr lang="en-US"/>
-          </a:p>
-        </p:txBody>
-      </p:sp>
-      <p:sp>
-        <p:nvSpPr>
-          <p:cNvPr id="4" name="Footer Placeholder 3">
-            <a:extLst>
-              <a:ext uri="{FF2B5EF4-FFF2-40B4-BE49-F238E27FC236}">
-                <a16:creationId xmlns:a16="http://schemas.microsoft.com/office/drawing/2014/main" id="{529E91F3-E1A0-DB4A-8CD8-D9D1AB0FFB40}"/>
-              </a:ext>
-            </a:extLst>
-          </p:cNvPr>
-          <p:cNvSpPr>
-            <a:spLocks noGrp="1"/>
-          </p:cNvSpPr>
-          <p:nvPr>
-            <p:ph type="ftr" sz="quarter" idx="15"/>
-          </p:nvPr>
-        </p:nvSpPr>
-        <p:spPr>
-          <a:xfrm>
-            <a:off x="1494790" y="6332220"/>
-            <a:ext cx="1497330" cy="247651"/>
-          </a:xfrm>
-        </p:spPr>
-        <p:txBody>
-          <a:bodyPr anchor="t">
-            <a:normAutofit/>
-          </a:bodyPr>
-          <a:lstStyle/>
-          <a:p>
-            <a:pPr>
-              <a:spcAft>
-                <a:spcPts val="600"/>
-              </a:spcAft>
-            </a:pPr>
-            <a:r>
-              <a:rPr lang="en-US" dirty="0"/>
-              <a:t>Project 3</a:t>
-            </a:r>
-            <a:endParaRPr lang="en-US"/>
-          </a:p>
-        </p:txBody>
-      </p:sp>
-      <p:sp>
-        <p:nvSpPr>
-          <p:cNvPr id="5" name="Slide Number Placeholder 4">
-            <a:extLst>
-              <a:ext uri="{FF2B5EF4-FFF2-40B4-BE49-F238E27FC236}">
-                <a16:creationId xmlns:a16="http://schemas.microsoft.com/office/drawing/2014/main" id="{AB744071-0CE2-7746-9315-22EC28A0F462}"/>
-              </a:ext>
-            </a:extLst>
-          </p:cNvPr>
-          <p:cNvSpPr>
-            <a:spLocks noGrp="1"/>
-          </p:cNvSpPr>
-          <p:nvPr>
-            <p:ph type="sldNum" sz="quarter" idx="16"/>
-          </p:nvPr>
-        </p:nvSpPr>
-        <p:spPr>
-          <a:xfrm>
-            <a:off x="971550" y="6332220"/>
-            <a:ext cx="523240" cy="247651"/>
-          </a:xfrm>
-        </p:spPr>
-        <p:txBody>
-          <a:bodyPr anchor="t">
-            <a:normAutofit/>
-          </a:bodyPr>
-          <a:lstStyle/>
-          <a:p>
-            <a:pPr>
-              <a:spcAft>
-                <a:spcPts val="600"/>
-              </a:spcAft>
-            </a:pPr>
-            <a:fld id="{294A09A9-5501-47C1-A89A-A340965A2BE2}" type="slidenum">
-              <a:rPr lang="en-US" smtClean="0"/>
-              <a:pPr>
-                <a:spcAft>
-                  <a:spcPts val="600"/>
-                </a:spcAft>
-              </a:pPr>
-              <a:t>8</a:t>
+              <a:t>10</a:t>
             </a:fld>
             <a:endParaRPr lang="en-US"/>
           </a:p>
@@ -15864,7 +14025,7 @@
 </p:sld>
 </file>
 
-<file path=ppt/slides/slide9.xml><?xml version="1.0" encoding="utf-8"?>
+<file path=ppt/slides/slide11.xml><?xml version="1.0" encoding="utf-8"?>
 <p:sld xmlns:a="http://schemas.openxmlformats.org/drawingml/2006/main" xmlns:r="http://schemas.openxmlformats.org/officeDocument/2006/relationships" xmlns:p="http://schemas.openxmlformats.org/presentationml/2006/main">
   <p:cSld>
     <p:spTree>
@@ -16136,6 +14297,3105 @@
     <p:extLst>
       <p:ext uri="{BB962C8B-B14F-4D97-AF65-F5344CB8AC3E}">
         <p14:creationId xmlns:p14="http://schemas.microsoft.com/office/powerpoint/2010/main" val="2336677316"/>
+      </p:ext>
+    </p:extLst>
+  </p:cSld>
+  <p:clrMapOvr>
+    <a:masterClrMapping/>
+  </p:clrMapOvr>
+</p:sld>
+</file>
+
+<file path=ppt/slides/slide2.xml><?xml version="1.0" encoding="utf-8"?>
+<p:sld xmlns:a="http://schemas.openxmlformats.org/drawingml/2006/main" xmlns:r="http://schemas.openxmlformats.org/officeDocument/2006/relationships" xmlns:p="http://schemas.openxmlformats.org/presentationml/2006/main">
+  <p:cSld>
+    <p:spTree>
+      <p:nvGrpSpPr>
+        <p:cNvPr id="1" name=""/>
+        <p:cNvGrpSpPr/>
+        <p:nvPr/>
+      </p:nvGrpSpPr>
+      <p:grpSpPr>
+        <a:xfrm>
+          <a:off x="0" y="0"/>
+          <a:ext cx="0" cy="0"/>
+          <a:chOff x="0" y="0"/>
+          <a:chExt cx="0" cy="0"/>
+        </a:xfrm>
+      </p:grpSpPr>
+      <p:sp>
+        <p:nvSpPr>
+          <p:cNvPr id="2" name="Title 1">
+            <a:extLst>
+              <a:ext uri="{FF2B5EF4-FFF2-40B4-BE49-F238E27FC236}">
+                <a16:creationId xmlns:a16="http://schemas.microsoft.com/office/drawing/2014/main" id="{2DD54756-A790-C845-A85F-35391529E591}"/>
+              </a:ext>
+            </a:extLst>
+          </p:cNvPr>
+          <p:cNvSpPr>
+            <a:spLocks noGrp="1"/>
+          </p:cNvSpPr>
+          <p:nvPr>
+            <p:ph type="title"/>
+          </p:nvPr>
+        </p:nvSpPr>
+        <p:spPr>
+          <a:xfrm>
+            <a:off x="964023" y="879063"/>
+            <a:ext cx="4941477" cy="610863"/>
+          </a:xfrm>
+        </p:spPr>
+        <p:txBody>
+          <a:bodyPr/>
+          <a:lstStyle/>
+          <a:p>
+            <a:r>
+              <a:rPr lang="en-US" dirty="0"/>
+              <a:t>Outline</a:t>
+            </a:r>
+          </a:p>
+        </p:txBody>
+      </p:sp>
+      <p:sp>
+        <p:nvSpPr>
+          <p:cNvPr id="4" name="Text Placeholder 3">
+            <a:extLst>
+              <a:ext uri="{FF2B5EF4-FFF2-40B4-BE49-F238E27FC236}">
+                <a16:creationId xmlns:a16="http://schemas.microsoft.com/office/drawing/2014/main" id="{C7EC6698-132B-1143-A2A9-00A97D9572D8}"/>
+              </a:ext>
+            </a:extLst>
+          </p:cNvPr>
+          <p:cNvSpPr>
+            <a:spLocks noGrp="1"/>
+          </p:cNvSpPr>
+          <p:nvPr>
+            <p:ph type="body" sz="quarter" idx="14"/>
+          </p:nvPr>
+        </p:nvSpPr>
+        <p:spPr>
+          <a:xfrm>
+            <a:off x="952500" y="2209800"/>
+            <a:ext cx="2133600" cy="205837"/>
+          </a:xfrm>
+        </p:spPr>
+        <p:txBody>
+          <a:bodyPr/>
+          <a:lstStyle/>
+          <a:p>
+            <a:r>
+              <a:rPr lang="en-US" dirty="0"/>
+              <a:t>01. Introduction</a:t>
+            </a:r>
+          </a:p>
+        </p:txBody>
+      </p:sp>
+      <p:sp>
+        <p:nvSpPr>
+          <p:cNvPr id="3" name="Text Placeholder 2">
+            <a:extLst>
+              <a:ext uri="{FF2B5EF4-FFF2-40B4-BE49-F238E27FC236}">
+                <a16:creationId xmlns:a16="http://schemas.microsoft.com/office/drawing/2014/main" id="{91AA5D8C-0134-F046-A548-3465F817747C}"/>
+              </a:ext>
+            </a:extLst>
+          </p:cNvPr>
+          <p:cNvSpPr>
+            <a:spLocks noGrp="1"/>
+          </p:cNvSpPr>
+          <p:nvPr>
+            <p:ph type="body" sz="quarter" idx="13"/>
+          </p:nvPr>
+        </p:nvSpPr>
+        <p:spPr>
+          <a:xfrm>
+            <a:off x="952500" y="2818296"/>
+            <a:ext cx="2133600" cy="778796"/>
+          </a:xfrm>
+        </p:spPr>
+        <p:txBody>
+          <a:bodyPr/>
+          <a:lstStyle/>
+          <a:p>
+            <a:r>
+              <a:rPr lang="en-US" sz="1600" dirty="0"/>
+              <a:t>Our chosen topic and why it is important</a:t>
+            </a:r>
+          </a:p>
+        </p:txBody>
+      </p:sp>
+      <p:sp>
+        <p:nvSpPr>
+          <p:cNvPr id="6" name="Text Placeholder 5">
+            <a:extLst>
+              <a:ext uri="{FF2B5EF4-FFF2-40B4-BE49-F238E27FC236}">
+                <a16:creationId xmlns:a16="http://schemas.microsoft.com/office/drawing/2014/main" id="{C0015C52-08ED-464E-B7E8-24892D9C1319}"/>
+              </a:ext>
+            </a:extLst>
+          </p:cNvPr>
+          <p:cNvSpPr>
+            <a:spLocks noGrp="1"/>
+          </p:cNvSpPr>
+          <p:nvPr>
+            <p:ph type="body" sz="quarter" idx="16"/>
+          </p:nvPr>
+        </p:nvSpPr>
+        <p:spPr>
+          <a:xfrm>
+            <a:off x="3663042" y="2209800"/>
+            <a:ext cx="2128157" cy="205837"/>
+          </a:xfrm>
+        </p:spPr>
+        <p:txBody>
+          <a:bodyPr/>
+          <a:lstStyle/>
+          <a:p>
+            <a:r>
+              <a:rPr lang="en-US" dirty="0"/>
+              <a:t>02. The Project</a:t>
+            </a:r>
+          </a:p>
+        </p:txBody>
+      </p:sp>
+      <p:sp>
+        <p:nvSpPr>
+          <p:cNvPr id="5" name="Text Placeholder 4">
+            <a:extLst>
+              <a:ext uri="{FF2B5EF4-FFF2-40B4-BE49-F238E27FC236}">
+                <a16:creationId xmlns:a16="http://schemas.microsoft.com/office/drawing/2014/main" id="{6979C7D4-91CF-6443-91D5-65DC860B407D}"/>
+              </a:ext>
+            </a:extLst>
+          </p:cNvPr>
+          <p:cNvSpPr>
+            <a:spLocks noGrp="1"/>
+          </p:cNvSpPr>
+          <p:nvPr>
+            <p:ph type="body" sz="quarter" idx="15"/>
+          </p:nvPr>
+        </p:nvSpPr>
+        <p:spPr>
+          <a:xfrm>
+            <a:off x="3663042" y="2818295"/>
+            <a:ext cx="2128157" cy="778795"/>
+          </a:xfrm>
+        </p:spPr>
+        <p:txBody>
+          <a:bodyPr/>
+          <a:lstStyle/>
+          <a:p>
+            <a:r>
+              <a:rPr lang="en-US" sz="1600" dirty="0"/>
+              <a:t>The scope and elements of our project</a:t>
+            </a:r>
+          </a:p>
+        </p:txBody>
+      </p:sp>
+      <p:sp>
+        <p:nvSpPr>
+          <p:cNvPr id="8" name="Text Placeholder 7">
+            <a:extLst>
+              <a:ext uri="{FF2B5EF4-FFF2-40B4-BE49-F238E27FC236}">
+                <a16:creationId xmlns:a16="http://schemas.microsoft.com/office/drawing/2014/main" id="{B32B0C1D-C221-7C47-B7D6-77E7BDB41749}"/>
+              </a:ext>
+            </a:extLst>
+          </p:cNvPr>
+          <p:cNvSpPr>
+            <a:spLocks noGrp="1"/>
+          </p:cNvSpPr>
+          <p:nvPr>
+            <p:ph type="body" sz="quarter" idx="20"/>
+          </p:nvPr>
+        </p:nvSpPr>
+        <p:spPr>
+          <a:xfrm>
+            <a:off x="952499" y="4522803"/>
+            <a:ext cx="2296391" cy="247651"/>
+          </a:xfrm>
+        </p:spPr>
+        <p:txBody>
+          <a:bodyPr/>
+          <a:lstStyle/>
+          <a:p>
+            <a:r>
+              <a:rPr lang="en-US" dirty="0"/>
+              <a:t>03. Data Manipulation</a:t>
+            </a:r>
+          </a:p>
+        </p:txBody>
+      </p:sp>
+      <p:sp>
+        <p:nvSpPr>
+          <p:cNvPr id="7" name="Text Placeholder 6">
+            <a:extLst>
+              <a:ext uri="{FF2B5EF4-FFF2-40B4-BE49-F238E27FC236}">
+                <a16:creationId xmlns:a16="http://schemas.microsoft.com/office/drawing/2014/main" id="{3E1C152D-1AA6-9242-B5C9-B06EEE4F9661}"/>
+              </a:ext>
+            </a:extLst>
+          </p:cNvPr>
+          <p:cNvSpPr>
+            <a:spLocks noGrp="1"/>
+          </p:cNvSpPr>
+          <p:nvPr>
+            <p:ph type="body" sz="quarter" idx="19"/>
+          </p:nvPr>
+        </p:nvSpPr>
+        <p:spPr>
+          <a:xfrm>
+            <a:off x="952500" y="5131299"/>
+            <a:ext cx="2133600" cy="743028"/>
+          </a:xfrm>
+        </p:spPr>
+        <p:txBody>
+          <a:bodyPr/>
+          <a:lstStyle/>
+          <a:p>
+            <a:r>
+              <a:rPr lang="en-US" sz="1600" dirty="0"/>
+              <a:t>The process of preparing the data</a:t>
+            </a:r>
+          </a:p>
+        </p:txBody>
+      </p:sp>
+      <p:sp>
+        <p:nvSpPr>
+          <p:cNvPr id="10" name="Text Placeholder 9">
+            <a:extLst>
+              <a:ext uri="{FF2B5EF4-FFF2-40B4-BE49-F238E27FC236}">
+                <a16:creationId xmlns:a16="http://schemas.microsoft.com/office/drawing/2014/main" id="{69BD3932-D1D0-1045-BD96-8B26F11B8515}"/>
+              </a:ext>
+            </a:extLst>
+          </p:cNvPr>
+          <p:cNvSpPr>
+            <a:spLocks noGrp="1"/>
+          </p:cNvSpPr>
+          <p:nvPr>
+            <p:ph type="body" sz="quarter" idx="22"/>
+          </p:nvPr>
+        </p:nvSpPr>
+        <p:spPr>
+          <a:xfrm>
+            <a:off x="3663042" y="4522803"/>
+            <a:ext cx="2128157" cy="205837"/>
+          </a:xfrm>
+        </p:spPr>
+        <p:txBody>
+          <a:bodyPr/>
+          <a:lstStyle/>
+          <a:p>
+            <a:r>
+              <a:rPr lang="en-US" dirty="0"/>
+              <a:t>04. </a:t>
+            </a:r>
+            <a:r>
+              <a:rPr lang="en-AU" dirty="0"/>
+              <a:t>Visualisations</a:t>
+            </a:r>
+          </a:p>
+        </p:txBody>
+      </p:sp>
+      <p:sp>
+        <p:nvSpPr>
+          <p:cNvPr id="9" name="Text Placeholder 8">
+            <a:extLst>
+              <a:ext uri="{FF2B5EF4-FFF2-40B4-BE49-F238E27FC236}">
+                <a16:creationId xmlns:a16="http://schemas.microsoft.com/office/drawing/2014/main" id="{38FB4732-AB07-C54D-AF44-F8ADB6D2B8B6}"/>
+              </a:ext>
+            </a:extLst>
+          </p:cNvPr>
+          <p:cNvSpPr>
+            <a:spLocks noGrp="1"/>
+          </p:cNvSpPr>
+          <p:nvPr>
+            <p:ph type="body" sz="quarter" idx="21"/>
+          </p:nvPr>
+        </p:nvSpPr>
+        <p:spPr>
+          <a:xfrm>
+            <a:off x="3663042" y="5131298"/>
+            <a:ext cx="2128157" cy="743027"/>
+          </a:xfrm>
+        </p:spPr>
+        <p:txBody>
+          <a:bodyPr/>
+          <a:lstStyle/>
+          <a:p>
+            <a:r>
+              <a:rPr lang="en-US" sz="1600" dirty="0"/>
+              <a:t>Outcome of the data and how we chose to display it</a:t>
+            </a:r>
+          </a:p>
+        </p:txBody>
+      </p:sp>
+      <p:sp>
+        <p:nvSpPr>
+          <p:cNvPr id="12" name="Text Placeholder 11">
+            <a:extLst>
+              <a:ext uri="{FF2B5EF4-FFF2-40B4-BE49-F238E27FC236}">
+                <a16:creationId xmlns:a16="http://schemas.microsoft.com/office/drawing/2014/main" id="{B115086E-2AC3-4F4D-8F85-104CFA64FECF}"/>
+              </a:ext>
+            </a:extLst>
+          </p:cNvPr>
+          <p:cNvSpPr>
+            <a:spLocks noGrp="1"/>
+          </p:cNvSpPr>
+          <p:nvPr>
+            <p:ph type="body" sz="quarter" idx="24"/>
+          </p:nvPr>
+        </p:nvSpPr>
+        <p:spPr>
+          <a:xfrm>
+            <a:off x="6367054" y="4522803"/>
+            <a:ext cx="2129245" cy="205837"/>
+          </a:xfrm>
+        </p:spPr>
+        <p:txBody>
+          <a:bodyPr/>
+          <a:lstStyle/>
+          <a:p>
+            <a:r>
+              <a:rPr lang="en-US" dirty="0"/>
+              <a:t>05. Conclusions</a:t>
+            </a:r>
+          </a:p>
+        </p:txBody>
+      </p:sp>
+      <p:sp>
+        <p:nvSpPr>
+          <p:cNvPr id="11" name="Text Placeholder 10">
+            <a:extLst>
+              <a:ext uri="{FF2B5EF4-FFF2-40B4-BE49-F238E27FC236}">
+                <a16:creationId xmlns:a16="http://schemas.microsoft.com/office/drawing/2014/main" id="{7F247A08-A350-EF44-9F10-FC72B5466602}"/>
+              </a:ext>
+            </a:extLst>
+          </p:cNvPr>
+          <p:cNvSpPr>
+            <a:spLocks noGrp="1"/>
+          </p:cNvSpPr>
+          <p:nvPr>
+            <p:ph type="body" sz="quarter" idx="23"/>
+          </p:nvPr>
+        </p:nvSpPr>
+        <p:spPr>
+          <a:xfrm>
+            <a:off x="6367054" y="5131299"/>
+            <a:ext cx="2129245" cy="743026"/>
+          </a:xfrm>
+        </p:spPr>
+        <p:txBody>
+          <a:bodyPr/>
+          <a:lstStyle/>
+          <a:p>
+            <a:r>
+              <a:rPr lang="en-US" sz="1600" dirty="0"/>
+              <a:t>Our final thoughts on the data</a:t>
+            </a:r>
+          </a:p>
+        </p:txBody>
+      </p:sp>
+      <p:sp>
+        <p:nvSpPr>
+          <p:cNvPr id="15" name="Slide Number Placeholder 14">
+            <a:extLst>
+              <a:ext uri="{FF2B5EF4-FFF2-40B4-BE49-F238E27FC236}">
+                <a16:creationId xmlns:a16="http://schemas.microsoft.com/office/drawing/2014/main" id="{329469AE-B59A-AA41-9085-106D011808F5}"/>
+              </a:ext>
+            </a:extLst>
+          </p:cNvPr>
+          <p:cNvSpPr>
+            <a:spLocks noGrp="1"/>
+          </p:cNvSpPr>
+          <p:nvPr>
+            <p:ph type="sldNum" sz="quarter" idx="27"/>
+          </p:nvPr>
+        </p:nvSpPr>
+        <p:spPr>
+          <a:xfrm>
+            <a:off x="971550" y="6332220"/>
+            <a:ext cx="523240" cy="247651"/>
+          </a:xfrm>
+        </p:spPr>
+        <p:txBody>
+          <a:bodyPr/>
+          <a:lstStyle/>
+          <a:p>
+            <a:fld id="{294A09A9-5501-47C1-A89A-A340965A2BE2}" type="slidenum">
+              <a:rPr lang="en-US" smtClean="0"/>
+              <a:pPr/>
+              <a:t>2</a:t>
+            </a:fld>
+            <a:endParaRPr lang="en-US" dirty="0"/>
+          </a:p>
+        </p:txBody>
+      </p:sp>
+      <p:sp>
+        <p:nvSpPr>
+          <p:cNvPr id="14" name="Footer Placeholder 13">
+            <a:extLst>
+              <a:ext uri="{FF2B5EF4-FFF2-40B4-BE49-F238E27FC236}">
+                <a16:creationId xmlns:a16="http://schemas.microsoft.com/office/drawing/2014/main" id="{C0BAE34D-BF83-084B-A10C-EB85694B9ACF}"/>
+              </a:ext>
+            </a:extLst>
+          </p:cNvPr>
+          <p:cNvSpPr>
+            <a:spLocks noGrp="1"/>
+          </p:cNvSpPr>
+          <p:nvPr>
+            <p:ph type="ftr" sz="quarter" idx="26"/>
+          </p:nvPr>
+        </p:nvSpPr>
+        <p:spPr>
+          <a:xfrm>
+            <a:off x="1494790" y="6332220"/>
+            <a:ext cx="1497330" cy="247651"/>
+          </a:xfrm>
+        </p:spPr>
+        <p:txBody>
+          <a:bodyPr/>
+          <a:lstStyle/>
+          <a:p>
+            <a:r>
+              <a:rPr lang="en-US" dirty="0"/>
+              <a:t>Project 3</a:t>
+            </a:r>
+          </a:p>
+        </p:txBody>
+      </p:sp>
+      <p:sp>
+        <p:nvSpPr>
+          <p:cNvPr id="13" name="Date Placeholder 12">
+            <a:extLst>
+              <a:ext uri="{FF2B5EF4-FFF2-40B4-BE49-F238E27FC236}">
+                <a16:creationId xmlns:a16="http://schemas.microsoft.com/office/drawing/2014/main" id="{2D9626DF-C81E-004B-9A70-7EF103792475}"/>
+              </a:ext>
+            </a:extLst>
+          </p:cNvPr>
+          <p:cNvSpPr>
+            <a:spLocks noGrp="1"/>
+          </p:cNvSpPr>
+          <p:nvPr>
+            <p:ph type="dt" sz="half" idx="25"/>
+          </p:nvPr>
+        </p:nvSpPr>
+        <p:spPr>
+          <a:xfrm>
+            <a:off x="2992120" y="6332220"/>
+            <a:ext cx="1313180" cy="247651"/>
+          </a:xfrm>
+        </p:spPr>
+        <p:txBody>
+          <a:bodyPr/>
+          <a:lstStyle/>
+          <a:p>
+            <a:r>
+              <a:rPr lang="en-US" dirty="0"/>
+              <a:t>28/11/22</a:t>
+            </a:r>
+          </a:p>
+        </p:txBody>
+      </p:sp>
+    </p:spTree>
+    <p:extLst>
+      <p:ext uri="{BB962C8B-B14F-4D97-AF65-F5344CB8AC3E}">
+        <p14:creationId xmlns:p14="http://schemas.microsoft.com/office/powerpoint/2010/main" val="289860937"/>
+      </p:ext>
+    </p:extLst>
+  </p:cSld>
+  <p:clrMapOvr>
+    <a:masterClrMapping/>
+  </p:clrMapOvr>
+</p:sld>
+</file>
+
+<file path=ppt/slides/slide3.xml><?xml version="1.0" encoding="utf-8"?>
+<p:sld xmlns:a="http://schemas.openxmlformats.org/drawingml/2006/main" xmlns:r="http://schemas.openxmlformats.org/officeDocument/2006/relationships" xmlns:p="http://schemas.openxmlformats.org/presentationml/2006/main">
+  <p:cSld>
+    <p:spTree>
+      <p:nvGrpSpPr>
+        <p:cNvPr id="1" name=""/>
+        <p:cNvGrpSpPr/>
+        <p:nvPr/>
+      </p:nvGrpSpPr>
+      <p:grpSpPr>
+        <a:xfrm>
+          <a:off x="0" y="0"/>
+          <a:ext cx="0" cy="0"/>
+          <a:chOff x="0" y="0"/>
+          <a:chExt cx="0" cy="0"/>
+        </a:xfrm>
+      </p:grpSpPr>
+      <p:pic>
+        <p:nvPicPr>
+          <p:cNvPr id="10" name="Picture Placeholder 9" descr="A picture containing text, clipart&#10;&#10;Description automatically generated">
+            <a:extLst>
+              <a:ext uri="{FF2B5EF4-FFF2-40B4-BE49-F238E27FC236}">
+                <a16:creationId xmlns:a16="http://schemas.microsoft.com/office/drawing/2014/main" id="{B28150C7-92F6-D082-A7F5-417C3B3CDB2D}"/>
+              </a:ext>
+            </a:extLst>
+          </p:cNvPr>
+          <p:cNvPicPr>
+            <a:picLocks noGrp="1" noChangeAspect="1"/>
+          </p:cNvPicPr>
+          <p:nvPr>
+            <p:ph type="pic" sz="quarter" idx="13"/>
+          </p:nvPr>
+        </p:nvPicPr>
+        <p:blipFill rotWithShape="1">
+          <a:blip r:embed="rId2">
+            <a:extLst>
+              <a:ext uri="{28A0092B-C50C-407E-A947-70E740481C1C}">
+                <a14:useLocalDpi xmlns:a14="http://schemas.microsoft.com/office/drawing/2010/main" val="0"/>
+              </a:ext>
+            </a:extLst>
+          </a:blip>
+          <a:srcRect l="16886" r="16882" b="-1"/>
+          <a:stretch/>
+        </p:blipFill>
+        <p:spPr>
+          <a:xfrm>
+            <a:off x="6096000" y="-22543"/>
+            <a:ext cx="6096000" cy="6903086"/>
+          </a:xfrm>
+          <a:noFill/>
+        </p:spPr>
+      </p:pic>
+      <p:sp>
+        <p:nvSpPr>
+          <p:cNvPr id="3" name="Title 2">
+            <a:extLst>
+              <a:ext uri="{FF2B5EF4-FFF2-40B4-BE49-F238E27FC236}">
+                <a16:creationId xmlns:a16="http://schemas.microsoft.com/office/drawing/2014/main" id="{1353F689-2E51-BF4F-AE47-7CEB7CC4C52A}"/>
+              </a:ext>
+            </a:extLst>
+          </p:cNvPr>
+          <p:cNvSpPr>
+            <a:spLocks noGrp="1"/>
+          </p:cNvSpPr>
+          <p:nvPr>
+            <p:ph type="title"/>
+          </p:nvPr>
+        </p:nvSpPr>
+        <p:spPr>
+          <a:xfrm>
+            <a:off x="964023" y="879063"/>
+            <a:ext cx="4941477" cy="610863"/>
+          </a:xfrm>
+        </p:spPr>
+        <p:txBody>
+          <a:bodyPr anchor="b">
+            <a:normAutofit/>
+          </a:bodyPr>
+          <a:lstStyle/>
+          <a:p>
+            <a:r>
+              <a:rPr lang="en-US" dirty="0"/>
+              <a:t>Introduction</a:t>
+            </a:r>
+          </a:p>
+        </p:txBody>
+      </p:sp>
+      <p:sp>
+        <p:nvSpPr>
+          <p:cNvPr id="4" name="Text Placeholder 3">
+            <a:extLst>
+              <a:ext uri="{FF2B5EF4-FFF2-40B4-BE49-F238E27FC236}">
+                <a16:creationId xmlns:a16="http://schemas.microsoft.com/office/drawing/2014/main" id="{A17F80A9-6337-524E-AC61-32C5AFEE8E6D}"/>
+              </a:ext>
+            </a:extLst>
+          </p:cNvPr>
+          <p:cNvSpPr>
+            <a:spLocks noGrp="1"/>
+          </p:cNvSpPr>
+          <p:nvPr>
+            <p:ph type="body" sz="quarter" idx="11"/>
+          </p:nvPr>
+        </p:nvSpPr>
+        <p:spPr>
+          <a:xfrm>
+            <a:off x="952499" y="2289363"/>
+            <a:ext cx="4572001" cy="2795232"/>
+          </a:xfrm>
+        </p:spPr>
+        <p:txBody>
+          <a:bodyPr>
+            <a:normAutofit lnSpcReduction="10000"/>
+          </a:bodyPr>
+          <a:lstStyle/>
+          <a:p>
+            <a:r>
+              <a:rPr lang="en-US" dirty="0"/>
+              <a:t>Our aim was to investigate the relationship between the median house price and the economy of Australia, in order to see if there if there is any relationship, specifically between house prices and interest rates. </a:t>
+            </a:r>
+          </a:p>
+          <a:p>
+            <a:r>
+              <a:rPr lang="en-US" dirty="0"/>
+              <a:t>This was with 2 aspects in mind:</a:t>
+            </a:r>
+          </a:p>
+          <a:p>
+            <a:r>
+              <a:rPr lang="en-US" dirty="0"/>
+              <a:t>- How strong the relationship is</a:t>
+            </a:r>
+          </a:p>
+          <a:p>
+            <a:r>
+              <a:rPr lang="en-US" dirty="0"/>
+              <a:t>- Having an outcome where an individual is able to use our </a:t>
+            </a:r>
+            <a:r>
+              <a:rPr lang="en-AU" dirty="0"/>
+              <a:t>visualisations</a:t>
+            </a:r>
+            <a:r>
+              <a:rPr lang="en-US" dirty="0"/>
+              <a:t> to see if their suburb of interest is a valuable investment or not </a:t>
+            </a:r>
+          </a:p>
+        </p:txBody>
+      </p:sp>
+      <p:sp>
+        <p:nvSpPr>
+          <p:cNvPr id="5" name="Date Placeholder 4">
+            <a:extLst>
+              <a:ext uri="{FF2B5EF4-FFF2-40B4-BE49-F238E27FC236}">
+                <a16:creationId xmlns:a16="http://schemas.microsoft.com/office/drawing/2014/main" id="{2E803E71-3088-0347-9BCC-16ADB551CCC8}"/>
+              </a:ext>
+            </a:extLst>
+          </p:cNvPr>
+          <p:cNvSpPr>
+            <a:spLocks noGrp="1"/>
+          </p:cNvSpPr>
+          <p:nvPr>
+            <p:ph type="dt" sz="half" idx="14"/>
+          </p:nvPr>
+        </p:nvSpPr>
+        <p:spPr>
+          <a:xfrm>
+            <a:off x="2992120" y="6332220"/>
+            <a:ext cx="1313180" cy="247651"/>
+          </a:xfrm>
+        </p:spPr>
+        <p:txBody>
+          <a:bodyPr anchor="t">
+            <a:normAutofit/>
+          </a:bodyPr>
+          <a:lstStyle/>
+          <a:p>
+            <a:pPr>
+              <a:spcAft>
+                <a:spcPts val="600"/>
+              </a:spcAft>
+            </a:pPr>
+            <a:r>
+              <a:rPr lang="en-US"/>
+              <a:t>28/11/22</a:t>
+            </a:r>
+          </a:p>
+        </p:txBody>
+      </p:sp>
+      <p:sp>
+        <p:nvSpPr>
+          <p:cNvPr id="6" name="Footer Placeholder 5">
+            <a:extLst>
+              <a:ext uri="{FF2B5EF4-FFF2-40B4-BE49-F238E27FC236}">
+                <a16:creationId xmlns:a16="http://schemas.microsoft.com/office/drawing/2014/main" id="{66F3960A-D260-8445-A153-0B674474CEBD}"/>
+              </a:ext>
+            </a:extLst>
+          </p:cNvPr>
+          <p:cNvSpPr>
+            <a:spLocks noGrp="1"/>
+          </p:cNvSpPr>
+          <p:nvPr>
+            <p:ph type="ftr" sz="quarter" idx="15"/>
+          </p:nvPr>
+        </p:nvSpPr>
+        <p:spPr>
+          <a:xfrm>
+            <a:off x="1494790" y="6332220"/>
+            <a:ext cx="1497330" cy="247651"/>
+          </a:xfrm>
+        </p:spPr>
+        <p:txBody>
+          <a:bodyPr anchor="t">
+            <a:normAutofit/>
+          </a:bodyPr>
+          <a:lstStyle/>
+          <a:p>
+            <a:pPr>
+              <a:spcAft>
+                <a:spcPts val="600"/>
+              </a:spcAft>
+            </a:pPr>
+            <a:r>
+              <a:rPr lang="en-US"/>
+              <a:t>Project 3</a:t>
+            </a:r>
+          </a:p>
+        </p:txBody>
+      </p:sp>
+      <p:sp>
+        <p:nvSpPr>
+          <p:cNvPr id="7" name="Slide Number Placeholder 6">
+            <a:extLst>
+              <a:ext uri="{FF2B5EF4-FFF2-40B4-BE49-F238E27FC236}">
+                <a16:creationId xmlns:a16="http://schemas.microsoft.com/office/drawing/2014/main" id="{F37669F0-EA6D-6B46-AF0E-A9C2D1F223DB}"/>
+              </a:ext>
+            </a:extLst>
+          </p:cNvPr>
+          <p:cNvSpPr>
+            <a:spLocks noGrp="1"/>
+          </p:cNvSpPr>
+          <p:nvPr>
+            <p:ph type="sldNum" sz="quarter" idx="16"/>
+          </p:nvPr>
+        </p:nvSpPr>
+        <p:spPr>
+          <a:xfrm>
+            <a:off x="971550" y="6332220"/>
+            <a:ext cx="523240" cy="247651"/>
+          </a:xfrm>
+        </p:spPr>
+        <p:txBody>
+          <a:bodyPr anchor="t">
+            <a:normAutofit/>
+          </a:bodyPr>
+          <a:lstStyle/>
+          <a:p>
+            <a:pPr>
+              <a:spcAft>
+                <a:spcPts val="600"/>
+              </a:spcAft>
+            </a:pPr>
+            <a:fld id="{294A09A9-5501-47C1-A89A-A340965A2BE2}" type="slidenum">
+              <a:rPr lang="en-US" smtClean="0"/>
+              <a:pPr>
+                <a:spcAft>
+                  <a:spcPts val="600"/>
+                </a:spcAft>
+              </a:pPr>
+              <a:t>3</a:t>
+            </a:fld>
+            <a:endParaRPr lang="en-US"/>
+          </a:p>
+        </p:txBody>
+      </p:sp>
+    </p:spTree>
+    <p:extLst>
+      <p:ext uri="{BB962C8B-B14F-4D97-AF65-F5344CB8AC3E}">
+        <p14:creationId xmlns:p14="http://schemas.microsoft.com/office/powerpoint/2010/main" val="391246093"/>
+      </p:ext>
+    </p:extLst>
+  </p:cSld>
+  <p:clrMapOvr>
+    <a:masterClrMapping/>
+  </p:clrMapOvr>
+</p:sld>
+</file>
+
+<file path=ppt/slides/slide4.xml><?xml version="1.0" encoding="utf-8"?>
+<p:sld xmlns:a="http://schemas.openxmlformats.org/drawingml/2006/main" xmlns:r="http://schemas.openxmlformats.org/officeDocument/2006/relationships" xmlns:p="http://schemas.openxmlformats.org/presentationml/2006/main">
+  <p:cSld>
+    <p:spTree>
+      <p:nvGrpSpPr>
+        <p:cNvPr id="1" name=""/>
+        <p:cNvGrpSpPr/>
+        <p:nvPr/>
+      </p:nvGrpSpPr>
+      <p:grpSpPr>
+        <a:xfrm>
+          <a:off x="0" y="0"/>
+          <a:ext cx="0" cy="0"/>
+          <a:chOff x="0" y="0"/>
+          <a:chExt cx="0" cy="0"/>
+        </a:xfrm>
+      </p:grpSpPr>
+      <p:sp>
+        <p:nvSpPr>
+          <p:cNvPr id="3" name="Title 2">
+            <a:extLst>
+              <a:ext uri="{FF2B5EF4-FFF2-40B4-BE49-F238E27FC236}">
+                <a16:creationId xmlns:a16="http://schemas.microsoft.com/office/drawing/2014/main" id="{6339315B-8AAE-A946-ABBF-894F2E4B1338}"/>
+              </a:ext>
+            </a:extLst>
+          </p:cNvPr>
+          <p:cNvSpPr>
+            <a:spLocks noGrp="1"/>
+          </p:cNvSpPr>
+          <p:nvPr>
+            <p:ph type="title"/>
+          </p:nvPr>
+        </p:nvSpPr>
+        <p:spPr>
+          <a:xfrm>
+            <a:off x="964023" y="879063"/>
+            <a:ext cx="4941477" cy="610863"/>
+          </a:xfrm>
+        </p:spPr>
+        <p:txBody>
+          <a:bodyPr vert="horz" lIns="0" tIns="0" rIns="0" bIns="0" rtlCol="0" anchor="b" anchorCtr="0">
+            <a:normAutofit/>
+          </a:bodyPr>
+          <a:lstStyle/>
+          <a:p>
+            <a:r>
+              <a:rPr lang="en-US" b="1" i="0" kern="1200" spc="100" baseline="0">
+                <a:latin typeface="+mj-lt"/>
+                <a:ea typeface="+mj-ea"/>
+                <a:cs typeface="+mj-cs"/>
+              </a:rPr>
+              <a:t>Our Project</a:t>
+            </a:r>
+          </a:p>
+        </p:txBody>
+      </p:sp>
+      <p:sp>
+        <p:nvSpPr>
+          <p:cNvPr id="17" name="Text Placeholder 2">
+            <a:extLst>
+              <a:ext uri="{FF2B5EF4-FFF2-40B4-BE49-F238E27FC236}">
+                <a16:creationId xmlns:a16="http://schemas.microsoft.com/office/drawing/2014/main" id="{242F8B0A-6463-3199-91D2-484808DF91A4}"/>
+              </a:ext>
+            </a:extLst>
+          </p:cNvPr>
+          <p:cNvSpPr>
+            <a:spLocks noGrp="1"/>
+          </p:cNvSpPr>
+          <p:nvPr>
+            <p:ph type="body" idx="1"/>
+          </p:nvPr>
+        </p:nvSpPr>
+        <p:spPr>
+          <a:xfrm>
+            <a:off x="964023" y="2300984"/>
+            <a:ext cx="4827178" cy="404216"/>
+          </a:xfrm>
+        </p:spPr>
+        <p:txBody>
+          <a:bodyPr/>
+          <a:lstStyle/>
+          <a:p>
+            <a:r>
+              <a:rPr lang="en-US" dirty="0"/>
+              <a:t>Scope:</a:t>
+            </a:r>
+          </a:p>
+        </p:txBody>
+      </p:sp>
+      <p:sp>
+        <p:nvSpPr>
+          <p:cNvPr id="19" name="Text Placeholder 3">
+            <a:extLst>
+              <a:ext uri="{FF2B5EF4-FFF2-40B4-BE49-F238E27FC236}">
+                <a16:creationId xmlns:a16="http://schemas.microsoft.com/office/drawing/2014/main" id="{B88E5882-1AC4-F6A7-7548-586AC8B8CD86}"/>
+              </a:ext>
+            </a:extLst>
+          </p:cNvPr>
+          <p:cNvSpPr>
+            <a:spLocks noGrp="1"/>
+          </p:cNvSpPr>
+          <p:nvPr>
+            <p:ph type="body" idx="10"/>
+          </p:nvPr>
+        </p:nvSpPr>
+        <p:spPr>
+          <a:xfrm>
+            <a:off x="6362700" y="2300984"/>
+            <a:ext cx="4764829" cy="404216"/>
+          </a:xfrm>
+        </p:spPr>
+        <p:txBody>
+          <a:bodyPr/>
+          <a:lstStyle/>
+          <a:p>
+            <a:r>
+              <a:rPr lang="en-US" dirty="0"/>
+              <a:t>Elements incorporated:</a:t>
+            </a:r>
+          </a:p>
+        </p:txBody>
+      </p:sp>
+      <p:sp>
+        <p:nvSpPr>
+          <p:cNvPr id="11" name="TextBox 10">
+            <a:extLst>
+              <a:ext uri="{FF2B5EF4-FFF2-40B4-BE49-F238E27FC236}">
+                <a16:creationId xmlns:a16="http://schemas.microsoft.com/office/drawing/2014/main" id="{7A6B93C2-1B61-0E0B-F731-17EBFA804B78}"/>
+              </a:ext>
+            </a:extLst>
+          </p:cNvPr>
+          <p:cNvSpPr txBox="1"/>
+          <p:nvPr/>
+        </p:nvSpPr>
+        <p:spPr>
+          <a:xfrm>
+            <a:off x="964023" y="2799146"/>
+            <a:ext cx="4827178" cy="1942138"/>
+          </a:xfrm>
+          <a:prstGeom prst="rect">
+            <a:avLst/>
+          </a:prstGeom>
+        </p:spPr>
+        <p:txBody>
+          <a:bodyPr vert="horz" lIns="0" tIns="0" rIns="0" bIns="0" rtlCol="0" anchor="t" anchorCtr="0">
+            <a:normAutofit/>
+          </a:bodyPr>
+          <a:lstStyle/>
+          <a:p>
+            <a:pPr>
+              <a:spcBef>
+                <a:spcPts val="1000"/>
+              </a:spcBef>
+            </a:pPr>
+            <a:r>
+              <a:rPr lang="en-US" sz="1600" b="0" i="0" kern="1200" dirty="0">
+                <a:solidFill>
+                  <a:schemeClr val="bg1"/>
+                </a:solidFill>
+                <a:latin typeface="+mn-lt"/>
+                <a:ea typeface="+mn-ea"/>
+                <a:cs typeface="+mn-cs"/>
+              </a:rPr>
+              <a:t>The basis of our project was a dataset we found regarding the median house price for each Victorian suburb over the last 10 years (2011-2021 inclusive)</a:t>
+            </a:r>
+          </a:p>
+          <a:p>
+            <a:pPr>
+              <a:spcBef>
+                <a:spcPts val="1000"/>
+              </a:spcBef>
+            </a:pPr>
+            <a:r>
+              <a:rPr lang="en-US" sz="1600" b="0" i="0" kern="1200" dirty="0">
+                <a:solidFill>
+                  <a:schemeClr val="bg1"/>
+                </a:solidFill>
+                <a:latin typeface="+mn-lt"/>
+                <a:ea typeface="+mn-ea"/>
+                <a:cs typeface="+mn-cs"/>
+              </a:rPr>
+              <a:t>This included over 800 rows of property data.</a:t>
+            </a:r>
+          </a:p>
+          <a:p>
+            <a:pPr>
+              <a:spcBef>
+                <a:spcPts val="1000"/>
+              </a:spcBef>
+            </a:pPr>
+            <a:r>
+              <a:rPr lang="en-US" sz="1600" dirty="0">
+                <a:solidFill>
+                  <a:schemeClr val="bg1"/>
+                </a:solidFill>
+              </a:rPr>
+              <a:t>This was then compared to the inflation rates, as well as data for the XJO, over the same period</a:t>
+            </a:r>
+            <a:endParaRPr lang="en-US" sz="1600" b="0" i="0" kern="1200" dirty="0">
+              <a:solidFill>
+                <a:schemeClr val="bg1"/>
+              </a:solidFill>
+              <a:latin typeface="+mn-lt"/>
+              <a:ea typeface="+mn-ea"/>
+              <a:cs typeface="+mn-cs"/>
+            </a:endParaRPr>
+          </a:p>
+        </p:txBody>
+      </p:sp>
+      <p:sp>
+        <p:nvSpPr>
+          <p:cNvPr id="21" name="Content Placeholder 5">
+            <a:extLst>
+              <a:ext uri="{FF2B5EF4-FFF2-40B4-BE49-F238E27FC236}">
+                <a16:creationId xmlns:a16="http://schemas.microsoft.com/office/drawing/2014/main" id="{A924187F-A36D-A7CE-AB70-2548CE51F368}"/>
+              </a:ext>
+            </a:extLst>
+          </p:cNvPr>
+          <p:cNvSpPr>
+            <a:spLocks noGrp="1"/>
+          </p:cNvSpPr>
+          <p:nvPr>
+            <p:ph sz="half" idx="13"/>
+          </p:nvPr>
+        </p:nvSpPr>
+        <p:spPr>
+          <a:xfrm>
+            <a:off x="6362700" y="2799146"/>
+            <a:ext cx="4756150" cy="2687637"/>
+          </a:xfrm>
+        </p:spPr>
+        <p:txBody>
+          <a:bodyPr>
+            <a:normAutofit lnSpcReduction="10000"/>
+          </a:bodyPr>
+          <a:lstStyle/>
+          <a:p>
+            <a:pPr>
+              <a:buFontTx/>
+              <a:buChar char="-"/>
+            </a:pPr>
+            <a:r>
+              <a:rPr lang="en-US" dirty="0"/>
+              <a:t>Used pandas to filter and transform the data until it was ready to be uploaded into a database</a:t>
+            </a:r>
+          </a:p>
+          <a:p>
+            <a:pPr>
+              <a:buFontTx/>
+              <a:buChar char="-"/>
+            </a:pPr>
+            <a:r>
+              <a:rPr lang="en-US" dirty="0"/>
+              <a:t>Chose to upload everything to SQL due to our familiarity with it</a:t>
+            </a:r>
+          </a:p>
+          <a:p>
+            <a:pPr>
+              <a:buFontTx/>
+              <a:buChar char="-"/>
+            </a:pPr>
+            <a:r>
+              <a:rPr lang="en-US" dirty="0"/>
+              <a:t>Incorporated a new JavaScript library – sql.js, which converts </a:t>
+            </a:r>
+            <a:r>
+              <a:rPr lang="en-US" dirty="0" err="1"/>
+              <a:t>sql</a:t>
+            </a:r>
+            <a:r>
+              <a:rPr lang="en-US" dirty="0"/>
+              <a:t> databases into JavaScript typed arrays</a:t>
+            </a:r>
+          </a:p>
+          <a:p>
+            <a:pPr>
+              <a:buFontTx/>
+              <a:buChar char="-"/>
+            </a:pPr>
+            <a:r>
+              <a:rPr lang="en-US" dirty="0"/>
+              <a:t>Used Leaflet to create a choropleth map, with suburb popups that, once clicked, display a more complete version of the suburb’s information on the dashboard</a:t>
+            </a:r>
+          </a:p>
+          <a:p>
+            <a:pPr>
+              <a:buFontTx/>
+              <a:buChar char="-"/>
+            </a:pPr>
+            <a:endParaRPr lang="en-US" dirty="0"/>
+          </a:p>
+          <a:p>
+            <a:pPr>
+              <a:buFontTx/>
+              <a:buChar char="-"/>
+            </a:pPr>
+            <a:endParaRPr lang="en-US" dirty="0"/>
+          </a:p>
+          <a:p>
+            <a:pPr>
+              <a:buFontTx/>
+              <a:buChar char="-"/>
+            </a:pPr>
+            <a:endParaRPr lang="en-US" dirty="0"/>
+          </a:p>
+        </p:txBody>
+      </p:sp>
+      <p:sp>
+        <p:nvSpPr>
+          <p:cNvPr id="4" name="Date Placeholder 3">
+            <a:extLst>
+              <a:ext uri="{FF2B5EF4-FFF2-40B4-BE49-F238E27FC236}">
+                <a16:creationId xmlns:a16="http://schemas.microsoft.com/office/drawing/2014/main" id="{B9865729-8F7C-E34E-AA31-9352CF6D9EB9}"/>
+              </a:ext>
+            </a:extLst>
+          </p:cNvPr>
+          <p:cNvSpPr>
+            <a:spLocks noGrp="1"/>
+          </p:cNvSpPr>
+          <p:nvPr>
+            <p:ph type="dt" sz="half" idx="14"/>
+          </p:nvPr>
+        </p:nvSpPr>
+        <p:spPr>
+          <a:xfrm>
+            <a:off x="2992120" y="6332220"/>
+            <a:ext cx="1313180" cy="247651"/>
+          </a:xfrm>
+        </p:spPr>
+        <p:txBody>
+          <a:bodyPr vert="horz" lIns="0" tIns="0" rIns="0" bIns="0" rtlCol="0" anchor="t" anchorCtr="0">
+            <a:normAutofit/>
+          </a:bodyPr>
+          <a:lstStyle/>
+          <a:p>
+            <a:pPr>
+              <a:spcAft>
+                <a:spcPts val="600"/>
+              </a:spcAft>
+            </a:pPr>
+            <a:r>
+              <a:rPr lang="en-US" dirty="0"/>
+              <a:t>28/11/22</a:t>
+            </a:r>
+            <a:endParaRPr lang="en-US"/>
+          </a:p>
+        </p:txBody>
+      </p:sp>
+      <p:sp>
+        <p:nvSpPr>
+          <p:cNvPr id="5" name="Footer Placeholder 4">
+            <a:extLst>
+              <a:ext uri="{FF2B5EF4-FFF2-40B4-BE49-F238E27FC236}">
+                <a16:creationId xmlns:a16="http://schemas.microsoft.com/office/drawing/2014/main" id="{234E9584-EA07-9B45-9700-4AD3524B82A0}"/>
+              </a:ext>
+            </a:extLst>
+          </p:cNvPr>
+          <p:cNvSpPr>
+            <a:spLocks noGrp="1"/>
+          </p:cNvSpPr>
+          <p:nvPr>
+            <p:ph type="ftr" sz="quarter" idx="15"/>
+          </p:nvPr>
+        </p:nvSpPr>
+        <p:spPr>
+          <a:xfrm>
+            <a:off x="1494790" y="6332220"/>
+            <a:ext cx="1497330" cy="247651"/>
+          </a:xfrm>
+        </p:spPr>
+        <p:txBody>
+          <a:bodyPr vert="horz" lIns="0" tIns="0" rIns="0" bIns="0" rtlCol="0" anchor="t" anchorCtr="0">
+            <a:normAutofit/>
+          </a:bodyPr>
+          <a:lstStyle/>
+          <a:p>
+            <a:pPr>
+              <a:spcAft>
+                <a:spcPts val="600"/>
+              </a:spcAft>
+            </a:pPr>
+            <a:r>
+              <a:rPr lang="en-US" dirty="0"/>
+              <a:t>Project 3</a:t>
+            </a:r>
+            <a:endParaRPr lang="en-US"/>
+          </a:p>
+        </p:txBody>
+      </p:sp>
+      <p:sp>
+        <p:nvSpPr>
+          <p:cNvPr id="6" name="Slide Number Placeholder 5">
+            <a:extLst>
+              <a:ext uri="{FF2B5EF4-FFF2-40B4-BE49-F238E27FC236}">
+                <a16:creationId xmlns:a16="http://schemas.microsoft.com/office/drawing/2014/main" id="{54AEFD4E-3C68-714D-803E-EF85A323B95F}"/>
+              </a:ext>
+            </a:extLst>
+          </p:cNvPr>
+          <p:cNvSpPr>
+            <a:spLocks noGrp="1"/>
+          </p:cNvSpPr>
+          <p:nvPr>
+            <p:ph type="sldNum" sz="quarter" idx="16"/>
+          </p:nvPr>
+        </p:nvSpPr>
+        <p:spPr>
+          <a:xfrm>
+            <a:off x="971550" y="6332220"/>
+            <a:ext cx="523240" cy="247651"/>
+          </a:xfrm>
+        </p:spPr>
+        <p:txBody>
+          <a:bodyPr vert="horz" lIns="0" tIns="0" rIns="0" bIns="0" rtlCol="0" anchor="t" anchorCtr="0">
+            <a:normAutofit/>
+          </a:bodyPr>
+          <a:lstStyle/>
+          <a:p>
+            <a:pPr>
+              <a:spcAft>
+                <a:spcPts val="600"/>
+              </a:spcAft>
+            </a:pPr>
+            <a:fld id="{294A09A9-5501-47C1-A89A-A340965A2BE2}" type="slidenum">
+              <a:rPr lang="en-US" smtClean="0"/>
+              <a:pPr>
+                <a:spcAft>
+                  <a:spcPts val="600"/>
+                </a:spcAft>
+              </a:pPr>
+              <a:t>4</a:t>
+            </a:fld>
+            <a:endParaRPr lang="en-US"/>
+          </a:p>
+        </p:txBody>
+      </p:sp>
+    </p:spTree>
+    <p:extLst>
+      <p:ext uri="{BB962C8B-B14F-4D97-AF65-F5344CB8AC3E}">
+        <p14:creationId xmlns:p14="http://schemas.microsoft.com/office/powerpoint/2010/main" val="2521537536"/>
+      </p:ext>
+    </p:extLst>
+  </p:cSld>
+  <p:clrMapOvr>
+    <a:masterClrMapping/>
+  </p:clrMapOvr>
+</p:sld>
+</file>
+
+<file path=ppt/slides/slide5.xml><?xml version="1.0" encoding="utf-8"?>
+<p:sld xmlns:a="http://schemas.openxmlformats.org/drawingml/2006/main" xmlns:r="http://schemas.openxmlformats.org/officeDocument/2006/relationships" xmlns:p="http://schemas.openxmlformats.org/presentationml/2006/main">
+  <p:cSld>
+    <p:spTree>
+      <p:nvGrpSpPr>
+        <p:cNvPr id="1" name=""/>
+        <p:cNvGrpSpPr/>
+        <p:nvPr/>
+      </p:nvGrpSpPr>
+      <p:grpSpPr>
+        <a:xfrm>
+          <a:off x="0" y="0"/>
+          <a:ext cx="0" cy="0"/>
+          <a:chOff x="0" y="0"/>
+          <a:chExt cx="0" cy="0"/>
+        </a:xfrm>
+      </p:grpSpPr>
+      <p:sp>
+        <p:nvSpPr>
+          <p:cNvPr id="2" name="Title 1">
+            <a:extLst>
+              <a:ext uri="{FF2B5EF4-FFF2-40B4-BE49-F238E27FC236}">
+                <a16:creationId xmlns:a16="http://schemas.microsoft.com/office/drawing/2014/main" id="{68F0FA04-6227-9040-92A6-9514A59B8E7B}"/>
+              </a:ext>
+            </a:extLst>
+          </p:cNvPr>
+          <p:cNvSpPr>
+            <a:spLocks noGrp="1"/>
+          </p:cNvSpPr>
+          <p:nvPr>
+            <p:ph type="title"/>
+          </p:nvPr>
+        </p:nvSpPr>
+        <p:spPr/>
+        <p:txBody>
+          <a:bodyPr/>
+          <a:lstStyle/>
+          <a:p>
+            <a:r>
+              <a:rPr lang="en-US" dirty="0"/>
+              <a:t>Data Manipulation</a:t>
+            </a:r>
+          </a:p>
+        </p:txBody>
+      </p:sp>
+      <p:sp>
+        <p:nvSpPr>
+          <p:cNvPr id="3" name="Text Placeholder 2">
+            <a:extLst>
+              <a:ext uri="{FF2B5EF4-FFF2-40B4-BE49-F238E27FC236}">
+                <a16:creationId xmlns:a16="http://schemas.microsoft.com/office/drawing/2014/main" id="{9CD657E5-4675-E84E-840E-4F6D4868C5A9}"/>
+              </a:ext>
+            </a:extLst>
+          </p:cNvPr>
+          <p:cNvSpPr>
+            <a:spLocks noGrp="1"/>
+          </p:cNvSpPr>
+          <p:nvPr>
+            <p:ph type="body" idx="1"/>
+          </p:nvPr>
+        </p:nvSpPr>
+        <p:spPr/>
+        <p:txBody>
+          <a:bodyPr>
+            <a:normAutofit/>
+          </a:bodyPr>
+          <a:lstStyle/>
+          <a:p>
+            <a:r>
+              <a:rPr lang="en-US" dirty="0"/>
+              <a:t>Clean Data of Suburb House Median Price</a:t>
+            </a:r>
+          </a:p>
+        </p:txBody>
+      </p:sp>
+      <p:sp>
+        <p:nvSpPr>
+          <p:cNvPr id="5" name="Content Placeholder 4">
+            <a:extLst>
+              <a:ext uri="{FF2B5EF4-FFF2-40B4-BE49-F238E27FC236}">
+                <a16:creationId xmlns:a16="http://schemas.microsoft.com/office/drawing/2014/main" id="{0B4B9306-DDC0-AD4F-A9C2-739C6AEB0172}"/>
+              </a:ext>
+            </a:extLst>
+          </p:cNvPr>
+          <p:cNvSpPr>
+            <a:spLocks noGrp="1"/>
+          </p:cNvSpPr>
+          <p:nvPr>
+            <p:ph sz="half" idx="2"/>
+          </p:nvPr>
+        </p:nvSpPr>
+        <p:spPr>
+          <a:xfrm>
+            <a:off x="964023" y="2786446"/>
+            <a:ext cx="4827178" cy="1942138"/>
+          </a:xfrm>
+        </p:spPr>
+        <p:txBody>
+          <a:bodyPr/>
+          <a:lstStyle/>
+          <a:p>
+            <a:pPr marL="0" indent="0">
+              <a:buNone/>
+            </a:pPr>
+            <a:endParaRPr lang="en-US" dirty="0"/>
+          </a:p>
+        </p:txBody>
+      </p:sp>
+      <p:sp>
+        <p:nvSpPr>
+          <p:cNvPr id="4" name="Text Placeholder 3">
+            <a:extLst>
+              <a:ext uri="{FF2B5EF4-FFF2-40B4-BE49-F238E27FC236}">
+                <a16:creationId xmlns:a16="http://schemas.microsoft.com/office/drawing/2014/main" id="{6AF03CC0-7DA0-ED4F-B612-580E138D588A}"/>
+              </a:ext>
+            </a:extLst>
+          </p:cNvPr>
+          <p:cNvSpPr>
+            <a:spLocks noGrp="1"/>
+          </p:cNvSpPr>
+          <p:nvPr>
+            <p:ph type="body" idx="10"/>
+          </p:nvPr>
+        </p:nvSpPr>
+        <p:spPr/>
+        <p:txBody>
+          <a:bodyPr/>
+          <a:lstStyle/>
+          <a:p>
+            <a:r>
+              <a:rPr lang="en-US" dirty="0"/>
+              <a:t>Data Analysis</a:t>
+            </a:r>
+          </a:p>
+        </p:txBody>
+      </p:sp>
+      <p:sp>
+        <p:nvSpPr>
+          <p:cNvPr id="6" name="Content Placeholder 5">
+            <a:extLst>
+              <a:ext uri="{FF2B5EF4-FFF2-40B4-BE49-F238E27FC236}">
+                <a16:creationId xmlns:a16="http://schemas.microsoft.com/office/drawing/2014/main" id="{B7D8EEE0-6E1C-9F47-936F-25FCC2FC368C}"/>
+              </a:ext>
+            </a:extLst>
+          </p:cNvPr>
+          <p:cNvSpPr>
+            <a:spLocks noGrp="1"/>
+          </p:cNvSpPr>
+          <p:nvPr>
+            <p:ph sz="half" idx="13"/>
+          </p:nvPr>
+        </p:nvSpPr>
+        <p:spPr/>
+        <p:txBody>
+          <a:bodyPr/>
+          <a:lstStyle/>
+          <a:p>
+            <a:pPr marL="0" indent="0">
+              <a:buNone/>
+            </a:pPr>
+            <a:endParaRPr lang="en-US" dirty="0"/>
+          </a:p>
+        </p:txBody>
+      </p:sp>
+      <p:sp>
+        <p:nvSpPr>
+          <p:cNvPr id="9" name="Slide Number Placeholder 8">
+            <a:extLst>
+              <a:ext uri="{FF2B5EF4-FFF2-40B4-BE49-F238E27FC236}">
+                <a16:creationId xmlns:a16="http://schemas.microsoft.com/office/drawing/2014/main" id="{9A5802D8-6C81-6C4F-97CF-C1F2344EE894}"/>
+              </a:ext>
+            </a:extLst>
+          </p:cNvPr>
+          <p:cNvSpPr>
+            <a:spLocks noGrp="1"/>
+          </p:cNvSpPr>
+          <p:nvPr>
+            <p:ph type="sldNum" sz="quarter" idx="16"/>
+          </p:nvPr>
+        </p:nvSpPr>
+        <p:spPr>
+          <a:xfrm>
+            <a:off x="971550" y="6332220"/>
+            <a:ext cx="523240" cy="247651"/>
+          </a:xfrm>
+        </p:spPr>
+        <p:txBody>
+          <a:bodyPr/>
+          <a:lstStyle/>
+          <a:p>
+            <a:pPr algn="l"/>
+            <a:fld id="{294A09A9-5501-47C1-A89A-A340965A2BE2}" type="slidenum">
+              <a:rPr lang="en-US" smtClean="0"/>
+              <a:pPr algn="l"/>
+              <a:t>5</a:t>
+            </a:fld>
+            <a:endParaRPr lang="en-US" dirty="0"/>
+          </a:p>
+        </p:txBody>
+      </p:sp>
+      <p:sp>
+        <p:nvSpPr>
+          <p:cNvPr id="8" name="Footer Placeholder 7">
+            <a:extLst>
+              <a:ext uri="{FF2B5EF4-FFF2-40B4-BE49-F238E27FC236}">
+                <a16:creationId xmlns:a16="http://schemas.microsoft.com/office/drawing/2014/main" id="{2A659727-BBB9-9B49-BCA1-694F74F717C4}"/>
+              </a:ext>
+            </a:extLst>
+          </p:cNvPr>
+          <p:cNvSpPr>
+            <a:spLocks noGrp="1"/>
+          </p:cNvSpPr>
+          <p:nvPr>
+            <p:ph type="ftr" sz="quarter" idx="15"/>
+          </p:nvPr>
+        </p:nvSpPr>
+        <p:spPr>
+          <a:xfrm>
+            <a:off x="1494790" y="6332220"/>
+            <a:ext cx="1497330" cy="247651"/>
+          </a:xfrm>
+        </p:spPr>
+        <p:txBody>
+          <a:bodyPr/>
+          <a:lstStyle/>
+          <a:p>
+            <a:r>
+              <a:rPr lang="en-US" dirty="0"/>
+              <a:t>Project 3</a:t>
+            </a:r>
+            <a:endParaRPr lang="en-US" sz="1100" dirty="0"/>
+          </a:p>
+        </p:txBody>
+      </p:sp>
+      <p:sp>
+        <p:nvSpPr>
+          <p:cNvPr id="7" name="Date Placeholder 6">
+            <a:extLst>
+              <a:ext uri="{FF2B5EF4-FFF2-40B4-BE49-F238E27FC236}">
+                <a16:creationId xmlns:a16="http://schemas.microsoft.com/office/drawing/2014/main" id="{99E44123-0AF5-4A4C-B0C7-BB7409DE8161}"/>
+              </a:ext>
+            </a:extLst>
+          </p:cNvPr>
+          <p:cNvSpPr>
+            <a:spLocks noGrp="1"/>
+          </p:cNvSpPr>
+          <p:nvPr>
+            <p:ph type="dt" sz="half" idx="14"/>
+          </p:nvPr>
+        </p:nvSpPr>
+        <p:spPr>
+          <a:xfrm>
+            <a:off x="2992120" y="6332220"/>
+            <a:ext cx="1313180" cy="247651"/>
+          </a:xfrm>
+        </p:spPr>
+        <p:txBody>
+          <a:bodyPr/>
+          <a:lstStyle/>
+          <a:p>
+            <a:r>
+              <a:rPr lang="en-US" dirty="0"/>
+              <a:t>28/11/22</a:t>
+            </a:r>
+          </a:p>
+        </p:txBody>
+      </p:sp>
+      <p:pic>
+        <p:nvPicPr>
+          <p:cNvPr id="17" name="Picture 16">
+            <a:extLst>
+              <a:ext uri="{FF2B5EF4-FFF2-40B4-BE49-F238E27FC236}">
+                <a16:creationId xmlns:a16="http://schemas.microsoft.com/office/drawing/2014/main" id="{4FF4F3AD-C75C-5981-40D8-6441A5EE0F88}"/>
+              </a:ext>
+            </a:extLst>
+          </p:cNvPr>
+          <p:cNvPicPr>
+            <a:picLocks noChangeAspect="1"/>
+          </p:cNvPicPr>
+          <p:nvPr/>
+        </p:nvPicPr>
+        <p:blipFill>
+          <a:blip r:embed="rId2"/>
+          <a:stretch>
+            <a:fillRect/>
+          </a:stretch>
+        </p:blipFill>
+        <p:spPr>
+          <a:xfrm>
+            <a:off x="944973" y="2687413"/>
+            <a:ext cx="4884346" cy="3415117"/>
+          </a:xfrm>
+          <a:prstGeom prst="rect">
+            <a:avLst/>
+          </a:prstGeom>
+        </p:spPr>
+      </p:pic>
+      <p:pic>
+        <p:nvPicPr>
+          <p:cNvPr id="19" name="Picture 18">
+            <a:extLst>
+              <a:ext uri="{FF2B5EF4-FFF2-40B4-BE49-F238E27FC236}">
+                <a16:creationId xmlns:a16="http://schemas.microsoft.com/office/drawing/2014/main" id="{12042427-70F9-C8B9-BF7E-62F9150BD8B1}"/>
+              </a:ext>
+            </a:extLst>
+          </p:cNvPr>
+          <p:cNvPicPr>
+            <a:picLocks noChangeAspect="1"/>
+          </p:cNvPicPr>
+          <p:nvPr/>
+        </p:nvPicPr>
+        <p:blipFill>
+          <a:blip r:embed="rId3"/>
+          <a:stretch>
+            <a:fillRect/>
+          </a:stretch>
+        </p:blipFill>
+        <p:spPr>
+          <a:xfrm>
+            <a:off x="6096000" y="2705200"/>
+            <a:ext cx="6095999" cy="2707464"/>
+          </a:xfrm>
+          <a:prstGeom prst="rect">
+            <a:avLst/>
+          </a:prstGeom>
+        </p:spPr>
+      </p:pic>
+    </p:spTree>
+    <p:extLst>
+      <p:ext uri="{BB962C8B-B14F-4D97-AF65-F5344CB8AC3E}">
+        <p14:creationId xmlns:p14="http://schemas.microsoft.com/office/powerpoint/2010/main" val="1769643072"/>
+      </p:ext>
+    </p:extLst>
+  </p:cSld>
+  <p:clrMapOvr>
+    <a:masterClrMapping/>
+  </p:clrMapOvr>
+</p:sld>
+</file>
+
+<file path=ppt/slides/slide6.xml><?xml version="1.0" encoding="utf-8"?>
+<p:sld xmlns:a="http://schemas.openxmlformats.org/drawingml/2006/main" xmlns:r="http://schemas.openxmlformats.org/officeDocument/2006/relationships" xmlns:p="http://schemas.openxmlformats.org/presentationml/2006/main">
+  <p:cSld>
+    <p:spTree>
+      <p:nvGrpSpPr>
+        <p:cNvPr id="1" name=""/>
+        <p:cNvGrpSpPr/>
+        <p:nvPr/>
+      </p:nvGrpSpPr>
+      <p:grpSpPr>
+        <a:xfrm>
+          <a:off x="0" y="0"/>
+          <a:ext cx="0" cy="0"/>
+          <a:chOff x="0" y="0"/>
+          <a:chExt cx="0" cy="0"/>
+        </a:xfrm>
+      </p:grpSpPr>
+      <p:sp>
+        <p:nvSpPr>
+          <p:cNvPr id="2" name="Title 1">
+            <a:extLst>
+              <a:ext uri="{FF2B5EF4-FFF2-40B4-BE49-F238E27FC236}">
+                <a16:creationId xmlns:a16="http://schemas.microsoft.com/office/drawing/2014/main" id="{68F0FA04-6227-9040-92A6-9514A59B8E7B}"/>
+              </a:ext>
+            </a:extLst>
+          </p:cNvPr>
+          <p:cNvSpPr>
+            <a:spLocks noGrp="1"/>
+          </p:cNvSpPr>
+          <p:nvPr>
+            <p:ph type="title"/>
+          </p:nvPr>
+        </p:nvSpPr>
+        <p:spPr>
+          <a:xfrm>
+            <a:off x="964023" y="879063"/>
+            <a:ext cx="4941477" cy="610863"/>
+          </a:xfrm>
+        </p:spPr>
+        <p:txBody>
+          <a:bodyPr anchor="b">
+            <a:normAutofit/>
+          </a:bodyPr>
+          <a:lstStyle/>
+          <a:p>
+            <a:r>
+              <a:rPr lang="en-US" dirty="0"/>
+              <a:t>Data Manipulation</a:t>
+            </a:r>
+          </a:p>
+        </p:txBody>
+      </p:sp>
+      <p:sp>
+        <p:nvSpPr>
+          <p:cNvPr id="16" name="Text Placeholder 2">
+            <a:extLst>
+              <a:ext uri="{FF2B5EF4-FFF2-40B4-BE49-F238E27FC236}">
+                <a16:creationId xmlns:a16="http://schemas.microsoft.com/office/drawing/2014/main" id="{E7860F6F-BF51-4C06-B01B-389A309AAB9B}"/>
+              </a:ext>
+            </a:extLst>
+          </p:cNvPr>
+          <p:cNvSpPr>
+            <a:spLocks noGrp="1"/>
+          </p:cNvSpPr>
+          <p:nvPr>
+            <p:ph type="body" idx="1"/>
+          </p:nvPr>
+        </p:nvSpPr>
+        <p:spPr>
+          <a:xfrm>
+            <a:off x="964023" y="2300984"/>
+            <a:ext cx="4827178" cy="404216"/>
+          </a:xfrm>
+        </p:spPr>
+        <p:txBody>
+          <a:bodyPr/>
+          <a:lstStyle/>
+          <a:p>
+            <a:r>
+              <a:rPr lang="en-US" dirty="0"/>
+              <a:t>Dropping null values and renaming columns</a:t>
+            </a:r>
+          </a:p>
+        </p:txBody>
+      </p:sp>
+      <p:sp>
+        <p:nvSpPr>
+          <p:cNvPr id="18" name="Text Placeholder 3">
+            <a:extLst>
+              <a:ext uri="{FF2B5EF4-FFF2-40B4-BE49-F238E27FC236}">
+                <a16:creationId xmlns:a16="http://schemas.microsoft.com/office/drawing/2014/main" id="{ED93DAF6-4BC5-F0EC-7261-C3FCF0A00B6C}"/>
+              </a:ext>
+            </a:extLst>
+          </p:cNvPr>
+          <p:cNvSpPr>
+            <a:spLocks noGrp="1"/>
+          </p:cNvSpPr>
+          <p:nvPr>
+            <p:ph type="body" idx="10"/>
+          </p:nvPr>
+        </p:nvSpPr>
+        <p:spPr>
+          <a:xfrm>
+            <a:off x="6362700" y="2300984"/>
+            <a:ext cx="5226627" cy="404216"/>
+          </a:xfrm>
+        </p:spPr>
+        <p:txBody>
+          <a:bodyPr>
+            <a:normAutofit/>
+          </a:bodyPr>
+          <a:lstStyle/>
+          <a:p>
+            <a:r>
+              <a:rPr lang="en-US" dirty="0"/>
+              <a:t>Creating the tables in SQL and inserting the data</a:t>
+            </a:r>
+          </a:p>
+        </p:txBody>
+      </p:sp>
+      <p:pic>
+        <p:nvPicPr>
+          <p:cNvPr id="11" name="Content Placeholder 10" descr="Graphical user interface, text, application, Word&#10;&#10;Description automatically generated">
+            <a:extLst>
+              <a:ext uri="{FF2B5EF4-FFF2-40B4-BE49-F238E27FC236}">
+                <a16:creationId xmlns:a16="http://schemas.microsoft.com/office/drawing/2014/main" id="{E1F12437-FB52-AC52-7FF5-D7CC33573674}"/>
+              </a:ext>
+            </a:extLst>
+          </p:cNvPr>
+          <p:cNvPicPr>
+            <a:picLocks noGrp="1" noChangeAspect="1"/>
+          </p:cNvPicPr>
+          <p:nvPr>
+            <p:ph sz="half" idx="2"/>
+          </p:nvPr>
+        </p:nvPicPr>
+        <p:blipFill>
+          <a:blip r:embed="rId2"/>
+          <a:stretch>
+            <a:fillRect/>
+          </a:stretch>
+        </p:blipFill>
+        <p:spPr>
+          <a:xfrm>
+            <a:off x="300522" y="2799146"/>
+            <a:ext cx="5688105" cy="1535787"/>
+          </a:xfrm>
+          <a:noFill/>
+        </p:spPr>
+      </p:pic>
+      <p:sp>
+        <p:nvSpPr>
+          <p:cNvPr id="7" name="Date Placeholder 6">
+            <a:extLst>
+              <a:ext uri="{FF2B5EF4-FFF2-40B4-BE49-F238E27FC236}">
+                <a16:creationId xmlns:a16="http://schemas.microsoft.com/office/drawing/2014/main" id="{99E44123-0AF5-4A4C-B0C7-BB7409DE8161}"/>
+              </a:ext>
+            </a:extLst>
+          </p:cNvPr>
+          <p:cNvSpPr>
+            <a:spLocks noGrp="1"/>
+          </p:cNvSpPr>
+          <p:nvPr>
+            <p:ph type="dt" sz="half" idx="14"/>
+          </p:nvPr>
+        </p:nvSpPr>
+        <p:spPr>
+          <a:xfrm>
+            <a:off x="2992120" y="6332220"/>
+            <a:ext cx="1313180" cy="247651"/>
+          </a:xfrm>
+        </p:spPr>
+        <p:txBody>
+          <a:bodyPr anchor="t">
+            <a:normAutofit/>
+          </a:bodyPr>
+          <a:lstStyle/>
+          <a:p>
+            <a:pPr>
+              <a:spcAft>
+                <a:spcPts val="600"/>
+              </a:spcAft>
+            </a:pPr>
+            <a:r>
+              <a:rPr lang="en-US"/>
+              <a:t>28/11/22</a:t>
+            </a:r>
+          </a:p>
+        </p:txBody>
+      </p:sp>
+      <p:sp>
+        <p:nvSpPr>
+          <p:cNvPr id="8" name="Footer Placeholder 7">
+            <a:extLst>
+              <a:ext uri="{FF2B5EF4-FFF2-40B4-BE49-F238E27FC236}">
+                <a16:creationId xmlns:a16="http://schemas.microsoft.com/office/drawing/2014/main" id="{2A659727-BBB9-9B49-BCA1-694F74F717C4}"/>
+              </a:ext>
+            </a:extLst>
+          </p:cNvPr>
+          <p:cNvSpPr>
+            <a:spLocks noGrp="1"/>
+          </p:cNvSpPr>
+          <p:nvPr>
+            <p:ph type="ftr" sz="quarter" idx="15"/>
+          </p:nvPr>
+        </p:nvSpPr>
+        <p:spPr>
+          <a:xfrm>
+            <a:off x="1494790" y="6332220"/>
+            <a:ext cx="1497330" cy="247651"/>
+          </a:xfrm>
+        </p:spPr>
+        <p:txBody>
+          <a:bodyPr anchor="t">
+            <a:normAutofit/>
+          </a:bodyPr>
+          <a:lstStyle/>
+          <a:p>
+            <a:pPr>
+              <a:spcAft>
+                <a:spcPts val="600"/>
+              </a:spcAft>
+            </a:pPr>
+            <a:r>
+              <a:rPr lang="en-US"/>
+              <a:t>Project 3</a:t>
+            </a:r>
+          </a:p>
+        </p:txBody>
+      </p:sp>
+      <p:sp>
+        <p:nvSpPr>
+          <p:cNvPr id="9" name="Slide Number Placeholder 8">
+            <a:extLst>
+              <a:ext uri="{FF2B5EF4-FFF2-40B4-BE49-F238E27FC236}">
+                <a16:creationId xmlns:a16="http://schemas.microsoft.com/office/drawing/2014/main" id="{9A5802D8-6C81-6C4F-97CF-C1F2344EE894}"/>
+              </a:ext>
+            </a:extLst>
+          </p:cNvPr>
+          <p:cNvSpPr>
+            <a:spLocks noGrp="1"/>
+          </p:cNvSpPr>
+          <p:nvPr>
+            <p:ph type="sldNum" sz="quarter" idx="16"/>
+          </p:nvPr>
+        </p:nvSpPr>
+        <p:spPr>
+          <a:xfrm>
+            <a:off x="971550" y="6332220"/>
+            <a:ext cx="523240" cy="247651"/>
+          </a:xfrm>
+        </p:spPr>
+        <p:txBody>
+          <a:bodyPr anchor="t">
+            <a:normAutofit/>
+          </a:bodyPr>
+          <a:lstStyle/>
+          <a:p>
+            <a:pPr>
+              <a:spcAft>
+                <a:spcPts val="600"/>
+              </a:spcAft>
+            </a:pPr>
+            <a:fld id="{294A09A9-5501-47C1-A89A-A340965A2BE2}" type="slidenum">
+              <a:rPr lang="en-US" smtClean="0"/>
+              <a:pPr>
+                <a:spcAft>
+                  <a:spcPts val="600"/>
+                </a:spcAft>
+              </a:pPr>
+              <a:t>6</a:t>
+            </a:fld>
+            <a:endParaRPr lang="en-US"/>
+          </a:p>
+        </p:txBody>
+      </p:sp>
+      <p:pic>
+        <p:nvPicPr>
+          <p:cNvPr id="13" name="Picture 12">
+            <a:extLst>
+              <a:ext uri="{FF2B5EF4-FFF2-40B4-BE49-F238E27FC236}">
+                <a16:creationId xmlns:a16="http://schemas.microsoft.com/office/drawing/2014/main" id="{22294890-E496-A0C4-57C2-1EFF04A7BCEB}"/>
+              </a:ext>
+            </a:extLst>
+          </p:cNvPr>
+          <p:cNvPicPr>
+            <a:picLocks noChangeAspect="1"/>
+          </p:cNvPicPr>
+          <p:nvPr/>
+        </p:nvPicPr>
+        <p:blipFill>
+          <a:blip r:embed="rId3"/>
+          <a:stretch>
+            <a:fillRect/>
+          </a:stretch>
+        </p:blipFill>
+        <p:spPr>
+          <a:xfrm>
+            <a:off x="5988627" y="2799146"/>
+            <a:ext cx="5902851" cy="2574395"/>
+          </a:xfrm>
+          <a:prstGeom prst="rect">
+            <a:avLst/>
+          </a:prstGeom>
+        </p:spPr>
+      </p:pic>
+    </p:spTree>
+    <p:extLst>
+      <p:ext uri="{BB962C8B-B14F-4D97-AF65-F5344CB8AC3E}">
+        <p14:creationId xmlns:p14="http://schemas.microsoft.com/office/powerpoint/2010/main" val="767675903"/>
+      </p:ext>
+    </p:extLst>
+  </p:cSld>
+  <p:clrMapOvr>
+    <a:masterClrMapping/>
+  </p:clrMapOvr>
+</p:sld>
+</file>
+
+<file path=ppt/slides/slide7.xml><?xml version="1.0" encoding="utf-8"?>
+<p:sld xmlns:a="http://schemas.openxmlformats.org/drawingml/2006/main" xmlns:r="http://schemas.openxmlformats.org/officeDocument/2006/relationships" xmlns:p="http://schemas.openxmlformats.org/presentationml/2006/main">
+  <p:cSld>
+    <p:spTree>
+      <p:nvGrpSpPr>
+        <p:cNvPr id="1" name=""/>
+        <p:cNvGrpSpPr/>
+        <p:nvPr/>
+      </p:nvGrpSpPr>
+      <p:grpSpPr>
+        <a:xfrm>
+          <a:off x="0" y="0"/>
+          <a:ext cx="0" cy="0"/>
+          <a:chOff x="0" y="0"/>
+          <a:chExt cx="0" cy="0"/>
+        </a:xfrm>
+      </p:grpSpPr>
+      <p:sp>
+        <p:nvSpPr>
+          <p:cNvPr id="2" name="Title 1">
+            <a:extLst>
+              <a:ext uri="{FF2B5EF4-FFF2-40B4-BE49-F238E27FC236}">
+                <a16:creationId xmlns:a16="http://schemas.microsoft.com/office/drawing/2014/main" id="{C18026B5-2F88-BA48-A996-4A13FDFAA43A}"/>
+              </a:ext>
+            </a:extLst>
+          </p:cNvPr>
+          <p:cNvSpPr>
+            <a:spLocks noGrp="1"/>
+          </p:cNvSpPr>
+          <p:nvPr>
+            <p:ph type="title"/>
+          </p:nvPr>
+        </p:nvSpPr>
+        <p:spPr/>
+        <p:txBody>
+          <a:bodyPr/>
+          <a:lstStyle/>
+          <a:p>
+            <a:r>
+              <a:rPr lang="en-AU" dirty="0">
+                <a:hlinkClick r:id="rId2"/>
+              </a:rPr>
+              <a:t>Visualisations</a:t>
+            </a:r>
+            <a:endParaRPr lang="en-AU" dirty="0"/>
+          </a:p>
+        </p:txBody>
+      </p:sp>
+      <p:sp>
+        <p:nvSpPr>
+          <p:cNvPr id="3" name="Text Placeholder 2">
+            <a:extLst>
+              <a:ext uri="{FF2B5EF4-FFF2-40B4-BE49-F238E27FC236}">
+                <a16:creationId xmlns:a16="http://schemas.microsoft.com/office/drawing/2014/main" id="{A5ABDF8F-0AD5-5C43-9EF3-8679B9897E01}"/>
+              </a:ext>
+            </a:extLst>
+          </p:cNvPr>
+          <p:cNvSpPr>
+            <a:spLocks noGrp="1"/>
+          </p:cNvSpPr>
+          <p:nvPr>
+            <p:ph type="body" idx="1"/>
+          </p:nvPr>
+        </p:nvSpPr>
+        <p:spPr/>
+        <p:txBody>
+          <a:bodyPr/>
+          <a:lstStyle/>
+          <a:p>
+            <a:r>
+              <a:rPr lang="en-US" dirty="0"/>
+              <a:t>Choropleth map</a:t>
+            </a:r>
+          </a:p>
+        </p:txBody>
+      </p:sp>
+      <p:sp>
+        <p:nvSpPr>
+          <p:cNvPr id="4" name="Content Placeholder 3">
+            <a:extLst>
+              <a:ext uri="{FF2B5EF4-FFF2-40B4-BE49-F238E27FC236}">
+                <a16:creationId xmlns:a16="http://schemas.microsoft.com/office/drawing/2014/main" id="{7782A119-28D1-B54D-A879-A0DDEC296674}"/>
+              </a:ext>
+            </a:extLst>
+          </p:cNvPr>
+          <p:cNvSpPr>
+            <a:spLocks noGrp="1"/>
+          </p:cNvSpPr>
+          <p:nvPr>
+            <p:ph sz="half" idx="2"/>
+          </p:nvPr>
+        </p:nvSpPr>
+        <p:spPr>
+          <a:xfrm>
+            <a:off x="952501" y="2786446"/>
+            <a:ext cx="3436620" cy="2771074"/>
+          </a:xfrm>
+        </p:spPr>
+        <p:txBody>
+          <a:bodyPr/>
+          <a:lstStyle/>
+          <a:p>
+            <a:pPr marL="0" indent="0">
+              <a:buNone/>
+            </a:pPr>
+            <a:endParaRPr lang="en-US" dirty="0"/>
+          </a:p>
+        </p:txBody>
+      </p:sp>
+      <p:sp>
+        <p:nvSpPr>
+          <p:cNvPr id="5" name="Text Placeholder 4">
+            <a:extLst>
+              <a:ext uri="{FF2B5EF4-FFF2-40B4-BE49-F238E27FC236}">
+                <a16:creationId xmlns:a16="http://schemas.microsoft.com/office/drawing/2014/main" id="{B55E5840-ED0D-0349-88F3-4E90A0094985}"/>
+              </a:ext>
+            </a:extLst>
+          </p:cNvPr>
+          <p:cNvSpPr>
+            <a:spLocks noGrp="1"/>
+          </p:cNvSpPr>
+          <p:nvPr>
+            <p:ph type="body" idx="10"/>
+          </p:nvPr>
+        </p:nvSpPr>
+        <p:spPr/>
+        <p:txBody>
+          <a:bodyPr/>
+          <a:lstStyle/>
+          <a:p>
+            <a:r>
+              <a:rPr lang="en-US" dirty="0"/>
+              <a:t>Bar chart</a:t>
+            </a:r>
+          </a:p>
+        </p:txBody>
+      </p:sp>
+      <p:sp>
+        <p:nvSpPr>
+          <p:cNvPr id="6" name="Content Placeholder 5">
+            <a:extLst>
+              <a:ext uri="{FF2B5EF4-FFF2-40B4-BE49-F238E27FC236}">
+                <a16:creationId xmlns:a16="http://schemas.microsoft.com/office/drawing/2014/main" id="{34801285-85FB-FD43-9631-322998389AF0}"/>
+              </a:ext>
+            </a:extLst>
+          </p:cNvPr>
+          <p:cNvSpPr>
+            <a:spLocks noGrp="1"/>
+          </p:cNvSpPr>
+          <p:nvPr>
+            <p:ph sz="half" idx="11"/>
+          </p:nvPr>
+        </p:nvSpPr>
+        <p:spPr>
+          <a:xfrm>
+            <a:off x="4569371" y="2799146"/>
+            <a:ext cx="3436621" cy="2758374"/>
+          </a:xfrm>
+        </p:spPr>
+        <p:txBody>
+          <a:bodyPr/>
+          <a:lstStyle/>
+          <a:p>
+            <a:pPr marL="0" indent="0">
+              <a:buNone/>
+            </a:pPr>
+            <a:endParaRPr lang="en-US" dirty="0"/>
+          </a:p>
+        </p:txBody>
+      </p:sp>
+      <p:sp>
+        <p:nvSpPr>
+          <p:cNvPr id="7" name="Text Placeholder 6">
+            <a:extLst>
+              <a:ext uri="{FF2B5EF4-FFF2-40B4-BE49-F238E27FC236}">
+                <a16:creationId xmlns:a16="http://schemas.microsoft.com/office/drawing/2014/main" id="{8820E658-15B8-6C4B-A736-3D894774670E}"/>
+              </a:ext>
+            </a:extLst>
+          </p:cNvPr>
+          <p:cNvSpPr>
+            <a:spLocks noGrp="1"/>
+          </p:cNvSpPr>
+          <p:nvPr>
+            <p:ph type="body" idx="12"/>
+          </p:nvPr>
+        </p:nvSpPr>
+        <p:spPr/>
+        <p:txBody>
+          <a:bodyPr/>
+          <a:lstStyle/>
+          <a:p>
+            <a:r>
+              <a:rPr lang="en-US" dirty="0"/>
+              <a:t>Line graph</a:t>
+            </a:r>
+          </a:p>
+        </p:txBody>
+      </p:sp>
+      <p:sp>
+        <p:nvSpPr>
+          <p:cNvPr id="8" name="Content Placeholder 7">
+            <a:extLst>
+              <a:ext uri="{FF2B5EF4-FFF2-40B4-BE49-F238E27FC236}">
+                <a16:creationId xmlns:a16="http://schemas.microsoft.com/office/drawing/2014/main" id="{7F52F621-1B1F-5E49-939F-12BD1A0FD522}"/>
+              </a:ext>
+            </a:extLst>
+          </p:cNvPr>
+          <p:cNvSpPr>
+            <a:spLocks noGrp="1"/>
+          </p:cNvSpPr>
+          <p:nvPr>
+            <p:ph sz="half" idx="13"/>
+          </p:nvPr>
+        </p:nvSpPr>
+        <p:spPr>
+          <a:xfrm>
+            <a:off x="8187018" y="2799146"/>
+            <a:ext cx="3436620" cy="2771074"/>
+          </a:xfrm>
+        </p:spPr>
+        <p:txBody>
+          <a:bodyPr/>
+          <a:lstStyle/>
+          <a:p>
+            <a:pPr marL="0" indent="0">
+              <a:buNone/>
+            </a:pPr>
+            <a:endParaRPr lang="en-US" dirty="0"/>
+          </a:p>
+        </p:txBody>
+      </p:sp>
+      <p:sp>
+        <p:nvSpPr>
+          <p:cNvPr id="11" name="Slide Number Placeholder 10">
+            <a:extLst>
+              <a:ext uri="{FF2B5EF4-FFF2-40B4-BE49-F238E27FC236}">
+                <a16:creationId xmlns:a16="http://schemas.microsoft.com/office/drawing/2014/main" id="{8B50C3FA-D20D-3049-9C7F-6F37D4E022C5}"/>
+              </a:ext>
+            </a:extLst>
+          </p:cNvPr>
+          <p:cNvSpPr>
+            <a:spLocks noGrp="1"/>
+          </p:cNvSpPr>
+          <p:nvPr>
+            <p:ph type="sldNum" sz="quarter" idx="16"/>
+          </p:nvPr>
+        </p:nvSpPr>
+        <p:spPr>
+          <a:xfrm>
+            <a:off x="971550" y="6332220"/>
+            <a:ext cx="523240" cy="247651"/>
+          </a:xfrm>
+        </p:spPr>
+        <p:txBody>
+          <a:bodyPr/>
+          <a:lstStyle/>
+          <a:p>
+            <a:pPr algn="l"/>
+            <a:fld id="{294A09A9-5501-47C1-A89A-A340965A2BE2}" type="slidenum">
+              <a:rPr lang="en-US" smtClean="0"/>
+              <a:pPr algn="l"/>
+              <a:t>7</a:t>
+            </a:fld>
+            <a:endParaRPr lang="en-US" dirty="0"/>
+          </a:p>
+        </p:txBody>
+      </p:sp>
+      <p:sp>
+        <p:nvSpPr>
+          <p:cNvPr id="10" name="Footer Placeholder 9">
+            <a:extLst>
+              <a:ext uri="{FF2B5EF4-FFF2-40B4-BE49-F238E27FC236}">
+                <a16:creationId xmlns:a16="http://schemas.microsoft.com/office/drawing/2014/main" id="{56278D20-060E-1942-9A72-E600C02A8208}"/>
+              </a:ext>
+            </a:extLst>
+          </p:cNvPr>
+          <p:cNvSpPr>
+            <a:spLocks noGrp="1"/>
+          </p:cNvSpPr>
+          <p:nvPr>
+            <p:ph type="ftr" sz="quarter" idx="15"/>
+          </p:nvPr>
+        </p:nvSpPr>
+        <p:spPr>
+          <a:xfrm>
+            <a:off x="1494790" y="6332220"/>
+            <a:ext cx="1497330" cy="247651"/>
+          </a:xfrm>
+        </p:spPr>
+        <p:txBody>
+          <a:bodyPr/>
+          <a:lstStyle/>
+          <a:p>
+            <a:r>
+              <a:rPr lang="en-US" dirty="0"/>
+              <a:t>Project 3</a:t>
+            </a:r>
+            <a:endParaRPr lang="en-US" sz="1100" dirty="0"/>
+          </a:p>
+        </p:txBody>
+      </p:sp>
+      <p:sp>
+        <p:nvSpPr>
+          <p:cNvPr id="9" name="Date Placeholder 8">
+            <a:extLst>
+              <a:ext uri="{FF2B5EF4-FFF2-40B4-BE49-F238E27FC236}">
+                <a16:creationId xmlns:a16="http://schemas.microsoft.com/office/drawing/2014/main" id="{AFD06229-BFA1-7D4D-B1E0-0A9F7FBF1F7E}"/>
+              </a:ext>
+            </a:extLst>
+          </p:cNvPr>
+          <p:cNvSpPr>
+            <a:spLocks noGrp="1"/>
+          </p:cNvSpPr>
+          <p:nvPr>
+            <p:ph type="dt" sz="half" idx="14"/>
+          </p:nvPr>
+        </p:nvSpPr>
+        <p:spPr>
+          <a:xfrm>
+            <a:off x="2992120" y="6332220"/>
+            <a:ext cx="1313180" cy="247651"/>
+          </a:xfrm>
+        </p:spPr>
+        <p:txBody>
+          <a:bodyPr/>
+          <a:lstStyle/>
+          <a:p>
+            <a:r>
+              <a:rPr lang="en-US" dirty="0"/>
+              <a:t>28/11/22</a:t>
+            </a:r>
+            <a:endParaRPr lang="en-US" sz="1100" dirty="0"/>
+          </a:p>
+        </p:txBody>
+      </p:sp>
+      <p:pic>
+        <p:nvPicPr>
+          <p:cNvPr id="13" name="Picture 12">
+            <a:extLst>
+              <a:ext uri="{FF2B5EF4-FFF2-40B4-BE49-F238E27FC236}">
+                <a16:creationId xmlns:a16="http://schemas.microsoft.com/office/drawing/2014/main" id="{6AC79EC7-2208-BDF0-506C-4E263F7495E6}"/>
+              </a:ext>
+            </a:extLst>
+          </p:cNvPr>
+          <p:cNvPicPr>
+            <a:picLocks noChangeAspect="1"/>
+          </p:cNvPicPr>
+          <p:nvPr/>
+        </p:nvPicPr>
+        <p:blipFill>
+          <a:blip r:embed="rId3"/>
+          <a:stretch>
+            <a:fillRect/>
+          </a:stretch>
+        </p:blipFill>
+        <p:spPr>
+          <a:xfrm>
+            <a:off x="65004" y="2898475"/>
+            <a:ext cx="4609508" cy="2625333"/>
+          </a:xfrm>
+          <a:prstGeom prst="rect">
+            <a:avLst/>
+          </a:prstGeom>
+        </p:spPr>
+      </p:pic>
+      <p:pic>
+        <p:nvPicPr>
+          <p:cNvPr id="15" name="Picture 14">
+            <a:extLst>
+              <a:ext uri="{FF2B5EF4-FFF2-40B4-BE49-F238E27FC236}">
+                <a16:creationId xmlns:a16="http://schemas.microsoft.com/office/drawing/2014/main" id="{9A0019EB-B61F-C240-5B1E-A5523180EBCF}"/>
+              </a:ext>
+            </a:extLst>
+          </p:cNvPr>
+          <p:cNvPicPr>
+            <a:picLocks noChangeAspect="1"/>
+          </p:cNvPicPr>
+          <p:nvPr/>
+        </p:nvPicPr>
+        <p:blipFill>
+          <a:blip r:embed="rId4"/>
+          <a:stretch>
+            <a:fillRect/>
+          </a:stretch>
+        </p:blipFill>
+        <p:spPr>
+          <a:xfrm>
+            <a:off x="4620410" y="2721221"/>
+            <a:ext cx="3385582" cy="2848999"/>
+          </a:xfrm>
+          <a:prstGeom prst="rect">
+            <a:avLst/>
+          </a:prstGeom>
+        </p:spPr>
+      </p:pic>
+      <p:pic>
+        <p:nvPicPr>
+          <p:cNvPr id="17" name="Picture 16">
+            <a:extLst>
+              <a:ext uri="{FF2B5EF4-FFF2-40B4-BE49-F238E27FC236}">
+                <a16:creationId xmlns:a16="http://schemas.microsoft.com/office/drawing/2014/main" id="{68DA25FB-AD46-84EF-54C5-D88A31665891}"/>
+              </a:ext>
+            </a:extLst>
+          </p:cNvPr>
+          <p:cNvPicPr>
+            <a:picLocks noChangeAspect="1"/>
+          </p:cNvPicPr>
+          <p:nvPr/>
+        </p:nvPicPr>
+        <p:blipFill>
+          <a:blip r:embed="rId5"/>
+          <a:stretch>
+            <a:fillRect/>
+          </a:stretch>
+        </p:blipFill>
+        <p:spPr>
+          <a:xfrm>
+            <a:off x="8057031" y="2782297"/>
+            <a:ext cx="4134969" cy="2582262"/>
+          </a:xfrm>
+          <a:prstGeom prst="rect">
+            <a:avLst/>
+          </a:prstGeom>
+        </p:spPr>
+      </p:pic>
+    </p:spTree>
+    <p:extLst>
+      <p:ext uri="{BB962C8B-B14F-4D97-AF65-F5344CB8AC3E}">
+        <p14:creationId xmlns:p14="http://schemas.microsoft.com/office/powerpoint/2010/main" val="495483412"/>
+      </p:ext>
+    </p:extLst>
+  </p:cSld>
+  <p:clrMapOvr>
+    <a:masterClrMapping/>
+  </p:clrMapOvr>
+</p:sld>
+</file>
+
+<file path=ppt/slides/slide8.xml><?xml version="1.0" encoding="utf-8"?>
+<p:sld xmlns:a="http://schemas.openxmlformats.org/drawingml/2006/main" xmlns:r="http://schemas.openxmlformats.org/officeDocument/2006/relationships" xmlns:p="http://schemas.openxmlformats.org/presentationml/2006/main">
+  <p:cSld>
+    <p:spTree>
+      <p:nvGrpSpPr>
+        <p:cNvPr id="1" name=""/>
+        <p:cNvGrpSpPr/>
+        <p:nvPr/>
+      </p:nvGrpSpPr>
+      <p:grpSpPr>
+        <a:xfrm>
+          <a:off x="0" y="0"/>
+          <a:ext cx="0" cy="0"/>
+          <a:chOff x="0" y="0"/>
+          <a:chExt cx="0" cy="0"/>
+        </a:xfrm>
+      </p:grpSpPr>
+      <p:sp>
+        <p:nvSpPr>
+          <p:cNvPr id="2" name="Title 1">
+            <a:extLst>
+              <a:ext uri="{FF2B5EF4-FFF2-40B4-BE49-F238E27FC236}">
+                <a16:creationId xmlns:a16="http://schemas.microsoft.com/office/drawing/2014/main" id="{68F0FA04-6227-9040-92A6-9514A59B8E7B}"/>
+              </a:ext>
+            </a:extLst>
+          </p:cNvPr>
+          <p:cNvSpPr>
+            <a:spLocks noGrp="1"/>
+          </p:cNvSpPr>
+          <p:nvPr>
+            <p:ph type="title"/>
+          </p:nvPr>
+        </p:nvSpPr>
+        <p:spPr/>
+        <p:txBody>
+          <a:bodyPr/>
+          <a:lstStyle/>
+          <a:p>
+            <a:r>
+              <a:rPr lang="en-AU" dirty="0"/>
+              <a:t>Web-Scraping</a:t>
+            </a:r>
+            <a:endParaRPr lang="en-US" dirty="0"/>
+          </a:p>
+        </p:txBody>
+      </p:sp>
+      <p:sp>
+        <p:nvSpPr>
+          <p:cNvPr id="3" name="Text Placeholder 2">
+            <a:extLst>
+              <a:ext uri="{FF2B5EF4-FFF2-40B4-BE49-F238E27FC236}">
+                <a16:creationId xmlns:a16="http://schemas.microsoft.com/office/drawing/2014/main" id="{9CD657E5-4675-E84E-840E-4F6D4868C5A9}"/>
+              </a:ext>
+            </a:extLst>
+          </p:cNvPr>
+          <p:cNvSpPr>
+            <a:spLocks noGrp="1"/>
+          </p:cNvSpPr>
+          <p:nvPr>
+            <p:ph type="body" idx="1"/>
+          </p:nvPr>
+        </p:nvSpPr>
+        <p:spPr/>
+        <p:txBody>
+          <a:bodyPr/>
+          <a:lstStyle/>
+          <a:p>
+            <a:r>
+              <a:rPr lang="en-US" dirty="0"/>
+              <a:t>Selenium &amp; </a:t>
+            </a:r>
+            <a:r>
+              <a:rPr lang="en-US" dirty="0" err="1"/>
+              <a:t>BeautifulSoup</a:t>
+            </a:r>
+            <a:endParaRPr lang="en-US" dirty="0"/>
+          </a:p>
+          <a:p>
+            <a:endParaRPr lang="en-US" dirty="0"/>
+          </a:p>
+        </p:txBody>
+      </p:sp>
+      <p:sp>
+        <p:nvSpPr>
+          <p:cNvPr id="4" name="Text Placeholder 3">
+            <a:extLst>
+              <a:ext uri="{FF2B5EF4-FFF2-40B4-BE49-F238E27FC236}">
+                <a16:creationId xmlns:a16="http://schemas.microsoft.com/office/drawing/2014/main" id="{6AF03CC0-7DA0-ED4F-B612-580E138D588A}"/>
+              </a:ext>
+            </a:extLst>
+          </p:cNvPr>
+          <p:cNvSpPr>
+            <a:spLocks noGrp="1"/>
+          </p:cNvSpPr>
+          <p:nvPr>
+            <p:ph type="body" idx="10"/>
+          </p:nvPr>
+        </p:nvSpPr>
+        <p:spPr/>
+        <p:txBody>
+          <a:bodyPr/>
+          <a:lstStyle/>
+          <a:p>
+            <a:r>
+              <a:rPr lang="en-US" dirty="0"/>
+              <a:t>Scrap Domain.com</a:t>
+            </a:r>
+          </a:p>
+        </p:txBody>
+      </p:sp>
+      <p:pic>
+        <p:nvPicPr>
+          <p:cNvPr id="12" name="Content Placeholder 11">
+            <a:extLst>
+              <a:ext uri="{FF2B5EF4-FFF2-40B4-BE49-F238E27FC236}">
+                <a16:creationId xmlns:a16="http://schemas.microsoft.com/office/drawing/2014/main" id="{E0F9ADF6-BE06-9726-123B-B523B1E3F0FC}"/>
+              </a:ext>
+            </a:extLst>
+          </p:cNvPr>
+          <p:cNvPicPr>
+            <a:picLocks noGrp="1" noChangeAspect="1"/>
+          </p:cNvPicPr>
+          <p:nvPr>
+            <p:ph sz="half" idx="13"/>
+          </p:nvPr>
+        </p:nvPicPr>
+        <p:blipFill>
+          <a:blip r:embed="rId2"/>
+          <a:stretch>
+            <a:fillRect/>
+          </a:stretch>
+        </p:blipFill>
+        <p:spPr>
+          <a:xfrm>
+            <a:off x="6362699" y="2799145"/>
+            <a:ext cx="5723069" cy="3618907"/>
+          </a:xfrm>
+        </p:spPr>
+      </p:pic>
+      <p:sp>
+        <p:nvSpPr>
+          <p:cNvPr id="9" name="Slide Number Placeholder 8">
+            <a:extLst>
+              <a:ext uri="{FF2B5EF4-FFF2-40B4-BE49-F238E27FC236}">
+                <a16:creationId xmlns:a16="http://schemas.microsoft.com/office/drawing/2014/main" id="{9A5802D8-6C81-6C4F-97CF-C1F2344EE894}"/>
+              </a:ext>
+            </a:extLst>
+          </p:cNvPr>
+          <p:cNvSpPr>
+            <a:spLocks noGrp="1"/>
+          </p:cNvSpPr>
+          <p:nvPr>
+            <p:ph type="sldNum" sz="quarter" idx="16"/>
+          </p:nvPr>
+        </p:nvSpPr>
+        <p:spPr>
+          <a:xfrm>
+            <a:off x="971550" y="6332220"/>
+            <a:ext cx="523240" cy="247651"/>
+          </a:xfrm>
+        </p:spPr>
+        <p:txBody>
+          <a:bodyPr/>
+          <a:lstStyle/>
+          <a:p>
+            <a:pPr algn="l"/>
+            <a:fld id="{294A09A9-5501-47C1-A89A-A340965A2BE2}" type="slidenum">
+              <a:rPr lang="en-US" smtClean="0"/>
+              <a:pPr algn="l"/>
+              <a:t>8</a:t>
+            </a:fld>
+            <a:endParaRPr lang="en-US" dirty="0"/>
+          </a:p>
+        </p:txBody>
+      </p:sp>
+      <p:sp>
+        <p:nvSpPr>
+          <p:cNvPr id="8" name="Footer Placeholder 7">
+            <a:extLst>
+              <a:ext uri="{FF2B5EF4-FFF2-40B4-BE49-F238E27FC236}">
+                <a16:creationId xmlns:a16="http://schemas.microsoft.com/office/drawing/2014/main" id="{2A659727-BBB9-9B49-BCA1-694F74F717C4}"/>
+              </a:ext>
+            </a:extLst>
+          </p:cNvPr>
+          <p:cNvSpPr>
+            <a:spLocks noGrp="1"/>
+          </p:cNvSpPr>
+          <p:nvPr>
+            <p:ph type="ftr" sz="quarter" idx="15"/>
+          </p:nvPr>
+        </p:nvSpPr>
+        <p:spPr>
+          <a:xfrm>
+            <a:off x="1494790" y="6332220"/>
+            <a:ext cx="1497330" cy="247651"/>
+          </a:xfrm>
+        </p:spPr>
+        <p:txBody>
+          <a:bodyPr/>
+          <a:lstStyle/>
+          <a:p>
+            <a:r>
+              <a:rPr lang="en-US" dirty="0"/>
+              <a:t>Project 3</a:t>
+            </a:r>
+            <a:endParaRPr lang="en-US" sz="1100" dirty="0"/>
+          </a:p>
+        </p:txBody>
+      </p:sp>
+      <p:sp>
+        <p:nvSpPr>
+          <p:cNvPr id="7" name="Date Placeholder 6">
+            <a:extLst>
+              <a:ext uri="{FF2B5EF4-FFF2-40B4-BE49-F238E27FC236}">
+                <a16:creationId xmlns:a16="http://schemas.microsoft.com/office/drawing/2014/main" id="{99E44123-0AF5-4A4C-B0C7-BB7409DE8161}"/>
+              </a:ext>
+            </a:extLst>
+          </p:cNvPr>
+          <p:cNvSpPr>
+            <a:spLocks noGrp="1"/>
+          </p:cNvSpPr>
+          <p:nvPr>
+            <p:ph type="dt" sz="half" idx="14"/>
+          </p:nvPr>
+        </p:nvSpPr>
+        <p:spPr>
+          <a:xfrm>
+            <a:off x="2992120" y="6332220"/>
+            <a:ext cx="1313180" cy="247651"/>
+          </a:xfrm>
+        </p:spPr>
+        <p:txBody>
+          <a:bodyPr/>
+          <a:lstStyle/>
+          <a:p>
+            <a:r>
+              <a:rPr lang="en-US" dirty="0"/>
+              <a:t>28/11/22</a:t>
+            </a:r>
+          </a:p>
+        </p:txBody>
+      </p:sp>
+      <p:pic>
+        <p:nvPicPr>
+          <p:cNvPr id="10" name="Picture 9">
+            <a:extLst>
+              <a:ext uri="{FF2B5EF4-FFF2-40B4-BE49-F238E27FC236}">
+                <a16:creationId xmlns:a16="http://schemas.microsoft.com/office/drawing/2014/main" id="{43B42E95-886E-B6CE-52AE-20BE82E492DE}"/>
+              </a:ext>
+            </a:extLst>
+          </p:cNvPr>
+          <p:cNvPicPr>
+            <a:picLocks noChangeAspect="1"/>
+          </p:cNvPicPr>
+          <p:nvPr/>
+        </p:nvPicPr>
+        <p:blipFill>
+          <a:blip r:embed="rId3"/>
+          <a:stretch>
+            <a:fillRect/>
+          </a:stretch>
+        </p:blipFill>
+        <p:spPr>
+          <a:xfrm>
+            <a:off x="961352" y="2799146"/>
+            <a:ext cx="4829849" cy="1000265"/>
+          </a:xfrm>
+          <a:prstGeom prst="rect">
+            <a:avLst/>
+          </a:prstGeom>
+        </p:spPr>
+      </p:pic>
+    </p:spTree>
+    <p:extLst>
+      <p:ext uri="{BB962C8B-B14F-4D97-AF65-F5344CB8AC3E}">
+        <p14:creationId xmlns:p14="http://schemas.microsoft.com/office/powerpoint/2010/main" val="2796823039"/>
+      </p:ext>
+    </p:extLst>
+  </p:cSld>
+  <p:clrMapOvr>
+    <a:masterClrMapping/>
+  </p:clrMapOvr>
+</p:sld>
+</file>
+
+<file path=ppt/slides/slide9.xml><?xml version="1.0" encoding="utf-8"?>
+<p:sld xmlns:a="http://schemas.openxmlformats.org/drawingml/2006/main" xmlns:r="http://schemas.openxmlformats.org/officeDocument/2006/relationships" xmlns:p="http://schemas.openxmlformats.org/presentationml/2006/main">
+  <p:cSld>
+    <p:spTree>
+      <p:nvGrpSpPr>
+        <p:cNvPr id="1" name=""/>
+        <p:cNvGrpSpPr/>
+        <p:nvPr/>
+      </p:nvGrpSpPr>
+      <p:grpSpPr>
+        <a:xfrm>
+          <a:off x="0" y="0"/>
+          <a:ext cx="0" cy="0"/>
+          <a:chOff x="0" y="0"/>
+          <a:chExt cx="0" cy="0"/>
+        </a:xfrm>
+      </p:grpSpPr>
+      <p:sp>
+        <p:nvSpPr>
+          <p:cNvPr id="2" name="Title 1">
+            <a:extLst>
+              <a:ext uri="{FF2B5EF4-FFF2-40B4-BE49-F238E27FC236}">
+                <a16:creationId xmlns:a16="http://schemas.microsoft.com/office/drawing/2014/main" id="{68F0FA04-6227-9040-92A6-9514A59B8E7B}"/>
+              </a:ext>
+            </a:extLst>
+          </p:cNvPr>
+          <p:cNvSpPr>
+            <a:spLocks noGrp="1"/>
+          </p:cNvSpPr>
+          <p:nvPr>
+            <p:ph type="title"/>
+          </p:nvPr>
+        </p:nvSpPr>
+        <p:spPr/>
+        <p:txBody>
+          <a:bodyPr/>
+          <a:lstStyle/>
+          <a:p>
+            <a:r>
+              <a:rPr lang="en-AU" dirty="0"/>
+              <a:t>Web-Scraping</a:t>
+            </a:r>
+            <a:endParaRPr lang="en-US" dirty="0"/>
+          </a:p>
+        </p:txBody>
+      </p:sp>
+      <p:sp>
+        <p:nvSpPr>
+          <p:cNvPr id="9" name="Slide Number Placeholder 8">
+            <a:extLst>
+              <a:ext uri="{FF2B5EF4-FFF2-40B4-BE49-F238E27FC236}">
+                <a16:creationId xmlns:a16="http://schemas.microsoft.com/office/drawing/2014/main" id="{9A5802D8-6C81-6C4F-97CF-C1F2344EE894}"/>
+              </a:ext>
+            </a:extLst>
+          </p:cNvPr>
+          <p:cNvSpPr>
+            <a:spLocks noGrp="1"/>
+          </p:cNvSpPr>
+          <p:nvPr>
+            <p:ph type="sldNum" sz="quarter" idx="16"/>
+          </p:nvPr>
+        </p:nvSpPr>
+        <p:spPr>
+          <a:xfrm>
+            <a:off x="971550" y="6332220"/>
+            <a:ext cx="523240" cy="247651"/>
+          </a:xfrm>
+        </p:spPr>
+        <p:txBody>
+          <a:bodyPr/>
+          <a:lstStyle/>
+          <a:p>
+            <a:pPr algn="l"/>
+            <a:fld id="{294A09A9-5501-47C1-A89A-A340965A2BE2}" type="slidenum">
+              <a:rPr lang="en-US" smtClean="0"/>
+              <a:pPr algn="l"/>
+              <a:t>9</a:t>
+            </a:fld>
+            <a:endParaRPr lang="en-US" dirty="0"/>
+          </a:p>
+        </p:txBody>
+      </p:sp>
+      <p:sp>
+        <p:nvSpPr>
+          <p:cNvPr id="8" name="Footer Placeholder 7">
+            <a:extLst>
+              <a:ext uri="{FF2B5EF4-FFF2-40B4-BE49-F238E27FC236}">
+                <a16:creationId xmlns:a16="http://schemas.microsoft.com/office/drawing/2014/main" id="{2A659727-BBB9-9B49-BCA1-694F74F717C4}"/>
+              </a:ext>
+            </a:extLst>
+          </p:cNvPr>
+          <p:cNvSpPr>
+            <a:spLocks noGrp="1"/>
+          </p:cNvSpPr>
+          <p:nvPr>
+            <p:ph type="ftr" sz="quarter" idx="15"/>
+          </p:nvPr>
+        </p:nvSpPr>
+        <p:spPr>
+          <a:xfrm>
+            <a:off x="1494790" y="6332220"/>
+            <a:ext cx="1497330" cy="247651"/>
+          </a:xfrm>
+        </p:spPr>
+        <p:txBody>
+          <a:bodyPr/>
+          <a:lstStyle/>
+          <a:p>
+            <a:r>
+              <a:rPr lang="en-US" dirty="0"/>
+              <a:t>Project 3</a:t>
+            </a:r>
+            <a:endParaRPr lang="en-US" sz="1100" dirty="0"/>
+          </a:p>
+        </p:txBody>
+      </p:sp>
+      <p:sp>
+        <p:nvSpPr>
+          <p:cNvPr id="7" name="Date Placeholder 6">
+            <a:extLst>
+              <a:ext uri="{FF2B5EF4-FFF2-40B4-BE49-F238E27FC236}">
+                <a16:creationId xmlns:a16="http://schemas.microsoft.com/office/drawing/2014/main" id="{99E44123-0AF5-4A4C-B0C7-BB7409DE8161}"/>
+              </a:ext>
+            </a:extLst>
+          </p:cNvPr>
+          <p:cNvSpPr>
+            <a:spLocks noGrp="1"/>
+          </p:cNvSpPr>
+          <p:nvPr>
+            <p:ph type="dt" sz="half" idx="14"/>
+          </p:nvPr>
+        </p:nvSpPr>
+        <p:spPr>
+          <a:xfrm>
+            <a:off x="2992120" y="6332220"/>
+            <a:ext cx="1313180" cy="247651"/>
+          </a:xfrm>
+        </p:spPr>
+        <p:txBody>
+          <a:bodyPr/>
+          <a:lstStyle/>
+          <a:p>
+            <a:r>
+              <a:rPr lang="en-US" dirty="0"/>
+              <a:t>28/11/22</a:t>
+            </a:r>
+          </a:p>
+        </p:txBody>
+      </p:sp>
+      <p:pic>
+        <p:nvPicPr>
+          <p:cNvPr id="6" name="Picture 5">
+            <a:extLst>
+              <a:ext uri="{FF2B5EF4-FFF2-40B4-BE49-F238E27FC236}">
+                <a16:creationId xmlns:a16="http://schemas.microsoft.com/office/drawing/2014/main" id="{CBB3310F-E798-339A-98C8-20A21038721C}"/>
+              </a:ext>
+            </a:extLst>
+          </p:cNvPr>
+          <p:cNvPicPr>
+            <a:picLocks noChangeAspect="1"/>
+          </p:cNvPicPr>
+          <p:nvPr/>
+        </p:nvPicPr>
+        <p:blipFill>
+          <a:blip r:embed="rId2"/>
+          <a:stretch>
+            <a:fillRect/>
+          </a:stretch>
+        </p:blipFill>
+        <p:spPr>
+          <a:xfrm>
+            <a:off x="6012446" y="0"/>
+            <a:ext cx="5115083" cy="6858000"/>
+          </a:xfrm>
+          <a:prstGeom prst="rect">
+            <a:avLst/>
+          </a:prstGeom>
+        </p:spPr>
+      </p:pic>
+      <p:sp>
+        <p:nvSpPr>
+          <p:cNvPr id="13" name="Text Placeholder 12">
+            <a:extLst>
+              <a:ext uri="{FF2B5EF4-FFF2-40B4-BE49-F238E27FC236}">
+                <a16:creationId xmlns:a16="http://schemas.microsoft.com/office/drawing/2014/main" id="{F7DA601F-D818-6FBF-67EB-9C824F067697}"/>
+              </a:ext>
+            </a:extLst>
+          </p:cNvPr>
+          <p:cNvSpPr>
+            <a:spLocks noGrp="1"/>
+          </p:cNvSpPr>
+          <p:nvPr>
+            <p:ph type="body" idx="1"/>
+          </p:nvPr>
+        </p:nvSpPr>
+        <p:spPr/>
+        <p:txBody>
+          <a:bodyPr/>
+          <a:lstStyle/>
+          <a:p>
+            <a:r>
+              <a:rPr lang="en-US" dirty="0"/>
+              <a:t>Results 1,000 Recent Records</a:t>
+            </a:r>
+            <a:endParaRPr lang="en-AU" dirty="0"/>
+          </a:p>
+        </p:txBody>
+      </p:sp>
+      <p:sp>
+        <p:nvSpPr>
+          <p:cNvPr id="18" name="Text Placeholder 12">
+            <a:extLst>
+              <a:ext uri="{FF2B5EF4-FFF2-40B4-BE49-F238E27FC236}">
+                <a16:creationId xmlns:a16="http://schemas.microsoft.com/office/drawing/2014/main" id="{EBDA0AE7-4EDE-AD75-62D3-2B44E5262B10}"/>
+              </a:ext>
+            </a:extLst>
+          </p:cNvPr>
+          <p:cNvSpPr txBox="1">
+            <a:spLocks/>
+          </p:cNvSpPr>
+          <p:nvPr/>
+        </p:nvSpPr>
+        <p:spPr>
+          <a:xfrm>
+            <a:off x="930236" y="4408098"/>
+            <a:ext cx="4827178" cy="1854678"/>
+          </a:xfrm>
+          <a:prstGeom prst="rect">
+            <a:avLst/>
+          </a:prstGeom>
+        </p:spPr>
+        <p:txBody>
+          <a:bodyPr vert="horz" lIns="0" tIns="0" rIns="0" bIns="0" rtlCol="0" anchor="t" anchorCtr="0">
+            <a:normAutofit/>
+          </a:bodyPr>
+          <a:lstStyle>
+            <a:lvl1pPr marL="0" indent="0" algn="l" defTabSz="914400" rtl="0" eaLnBrk="1" latinLnBrk="0" hangingPunct="1">
+              <a:lnSpc>
+                <a:spcPct val="90000"/>
+              </a:lnSpc>
+              <a:spcBef>
+                <a:spcPts val="1000"/>
+              </a:spcBef>
+              <a:buFont typeface="Arial" panose="020B0604020202020204" pitchFamily="34" charset="0"/>
+              <a:buNone/>
+              <a:defRPr sz="1800" b="0" i="0" kern="1200" spc="0" baseline="0">
+                <a:solidFill>
+                  <a:schemeClr val="tx2"/>
+                </a:solidFill>
+                <a:latin typeface="+mj-lt"/>
+                <a:ea typeface="+mn-ea"/>
+                <a:cs typeface="+mn-cs"/>
+              </a:defRPr>
+            </a:lvl1pPr>
+            <a:lvl2pPr marL="457200" indent="0" algn="l" defTabSz="914400" rtl="0" eaLnBrk="1" latinLnBrk="0" hangingPunct="1">
+              <a:lnSpc>
+                <a:spcPct val="90000"/>
+              </a:lnSpc>
+              <a:spcBef>
+                <a:spcPts val="500"/>
+              </a:spcBef>
+              <a:buFont typeface="Arial" panose="020B0604020202020204" pitchFamily="34" charset="0"/>
+              <a:buNone/>
+              <a:defRPr sz="2000" b="1" i="0" kern="1200">
+                <a:solidFill>
+                  <a:schemeClr val="bg1"/>
+                </a:solidFill>
+                <a:latin typeface="+mn-lt"/>
+                <a:ea typeface="+mn-ea"/>
+                <a:cs typeface="+mn-cs"/>
+              </a:defRPr>
+            </a:lvl2pPr>
+            <a:lvl3pPr marL="914400" indent="0" algn="l" defTabSz="914400" rtl="0" eaLnBrk="1" latinLnBrk="0" hangingPunct="1">
+              <a:lnSpc>
+                <a:spcPct val="90000"/>
+              </a:lnSpc>
+              <a:spcBef>
+                <a:spcPts val="500"/>
+              </a:spcBef>
+              <a:buFont typeface="Arial" panose="020B0604020202020204" pitchFamily="34" charset="0"/>
+              <a:buNone/>
+              <a:defRPr sz="1800" b="1" i="0" kern="1200">
+                <a:solidFill>
+                  <a:schemeClr val="bg1"/>
+                </a:solidFill>
+                <a:latin typeface="+mn-lt"/>
+                <a:ea typeface="+mn-ea"/>
+                <a:cs typeface="+mn-cs"/>
+              </a:defRPr>
+            </a:lvl3pPr>
+            <a:lvl4pPr marL="1371600" indent="0" algn="l" defTabSz="914400" rtl="0" eaLnBrk="1" latinLnBrk="0" hangingPunct="1">
+              <a:lnSpc>
+                <a:spcPct val="90000"/>
+              </a:lnSpc>
+              <a:spcBef>
+                <a:spcPts val="500"/>
+              </a:spcBef>
+              <a:buFont typeface="Arial" panose="020B0604020202020204" pitchFamily="34" charset="0"/>
+              <a:buNone/>
+              <a:defRPr sz="1600" b="1" i="0" kern="1200">
+                <a:solidFill>
+                  <a:schemeClr val="bg1"/>
+                </a:solidFill>
+                <a:latin typeface="+mn-lt"/>
+                <a:ea typeface="+mn-ea"/>
+                <a:cs typeface="+mn-cs"/>
+              </a:defRPr>
+            </a:lvl4pPr>
+            <a:lvl5pPr marL="1828800" indent="0" algn="l" defTabSz="914400" rtl="0" eaLnBrk="1" latinLnBrk="0" hangingPunct="1">
+              <a:lnSpc>
+                <a:spcPct val="90000"/>
+              </a:lnSpc>
+              <a:spcBef>
+                <a:spcPts val="500"/>
+              </a:spcBef>
+              <a:buFont typeface="Arial" panose="020B0604020202020204" pitchFamily="34" charset="0"/>
+              <a:buNone/>
+              <a:defRPr sz="1600" b="1" i="0" kern="1200">
+                <a:solidFill>
+                  <a:schemeClr val="bg1"/>
+                </a:solidFill>
+                <a:latin typeface="+mn-lt"/>
+                <a:ea typeface="+mn-ea"/>
+                <a:cs typeface="+mn-cs"/>
+              </a:defRPr>
+            </a:lvl5pPr>
+            <a:lvl6pPr marL="2286000" indent="0" algn="l" defTabSz="914400" rtl="0" eaLnBrk="1" latinLnBrk="0" hangingPunct="1">
+              <a:lnSpc>
+                <a:spcPct val="90000"/>
+              </a:lnSpc>
+              <a:spcBef>
+                <a:spcPts val="500"/>
+              </a:spcBef>
+              <a:buFont typeface="Arial" panose="020B0604020202020204" pitchFamily="34" charset="0"/>
+              <a:buNone/>
+              <a:defRPr sz="1600" b="1" kern="1200">
+                <a:solidFill>
+                  <a:schemeClr val="tx1"/>
+                </a:solidFill>
+                <a:latin typeface="+mn-lt"/>
+                <a:ea typeface="+mn-ea"/>
+                <a:cs typeface="+mn-cs"/>
+              </a:defRPr>
+            </a:lvl6pPr>
+            <a:lvl7pPr marL="2743200" indent="0" algn="l" defTabSz="914400" rtl="0" eaLnBrk="1" latinLnBrk="0" hangingPunct="1">
+              <a:lnSpc>
+                <a:spcPct val="90000"/>
+              </a:lnSpc>
+              <a:spcBef>
+                <a:spcPts val="500"/>
+              </a:spcBef>
+              <a:buFont typeface="Arial" panose="020B0604020202020204" pitchFamily="34" charset="0"/>
+              <a:buNone/>
+              <a:defRPr sz="1600" b="1" kern="1200">
+                <a:solidFill>
+                  <a:schemeClr val="tx1"/>
+                </a:solidFill>
+                <a:latin typeface="+mn-lt"/>
+                <a:ea typeface="+mn-ea"/>
+                <a:cs typeface="+mn-cs"/>
+              </a:defRPr>
+            </a:lvl7pPr>
+            <a:lvl8pPr marL="3200400" indent="0" algn="l" defTabSz="914400" rtl="0" eaLnBrk="1" latinLnBrk="0" hangingPunct="1">
+              <a:lnSpc>
+                <a:spcPct val="90000"/>
+              </a:lnSpc>
+              <a:spcBef>
+                <a:spcPts val="500"/>
+              </a:spcBef>
+              <a:buFont typeface="Arial" panose="020B0604020202020204" pitchFamily="34" charset="0"/>
+              <a:buNone/>
+              <a:defRPr sz="1600" b="1" kern="1200">
+                <a:solidFill>
+                  <a:schemeClr val="tx1"/>
+                </a:solidFill>
+                <a:latin typeface="+mn-lt"/>
+                <a:ea typeface="+mn-ea"/>
+                <a:cs typeface="+mn-cs"/>
+              </a:defRPr>
+            </a:lvl8pPr>
+            <a:lvl9pPr marL="3657600" indent="0" algn="l" defTabSz="914400" rtl="0" eaLnBrk="1" latinLnBrk="0" hangingPunct="1">
+              <a:lnSpc>
+                <a:spcPct val="90000"/>
+              </a:lnSpc>
+              <a:spcBef>
+                <a:spcPts val="500"/>
+              </a:spcBef>
+              <a:buFont typeface="Arial" panose="020B0604020202020204" pitchFamily="34" charset="0"/>
+              <a:buNone/>
+              <a:defRPr sz="1600" b="1" kern="1200">
+                <a:solidFill>
+                  <a:schemeClr val="tx1"/>
+                </a:solidFill>
+                <a:latin typeface="+mn-lt"/>
+                <a:ea typeface="+mn-ea"/>
+                <a:cs typeface="+mn-cs"/>
+              </a:defRPr>
+            </a:lvl9pPr>
+          </a:lstStyle>
+          <a:p>
+            <a:r>
+              <a:rPr lang="en-US" dirty="0">
+                <a:solidFill>
+                  <a:srgbClr val="FF0000"/>
+                </a:solidFill>
+              </a:rPr>
+              <a:t>Limitation:</a:t>
+            </a:r>
+          </a:p>
+          <a:p>
+            <a:pPr marL="285750" indent="-285750">
+              <a:buFont typeface="Arial" panose="020B0604020202020204" pitchFamily="34" charset="0"/>
+              <a:buChar char="•"/>
+            </a:pPr>
+            <a:r>
+              <a:rPr lang="en-US" dirty="0">
+                <a:solidFill>
+                  <a:srgbClr val="FF0000"/>
+                </a:solidFill>
+              </a:rPr>
+              <a:t>Only first 50 Pages can be reviewed</a:t>
+            </a:r>
+          </a:p>
+          <a:p>
+            <a:pPr marL="285750" indent="-285750">
+              <a:buFont typeface="Arial" panose="020B0604020202020204" pitchFamily="34" charset="0"/>
+              <a:buChar char="•"/>
+            </a:pPr>
+            <a:r>
+              <a:rPr lang="en-US" dirty="0">
+                <a:solidFill>
+                  <a:srgbClr val="FF0000"/>
+                </a:solidFill>
+              </a:rPr>
+              <a:t>Website blocks Selenium as Robot</a:t>
+            </a:r>
+          </a:p>
+          <a:p>
+            <a:pPr marL="285750" indent="-285750">
+              <a:buFont typeface="Arial" panose="020B0604020202020204" pitchFamily="34" charset="0"/>
+              <a:buChar char="•"/>
+            </a:pPr>
+            <a:r>
+              <a:rPr lang="en-US" dirty="0">
+                <a:solidFill>
+                  <a:srgbClr val="FF0000"/>
+                </a:solidFill>
+              </a:rPr>
+              <a:t>Time &amp; Energy Consuming for Large Data Scraping</a:t>
+            </a:r>
+          </a:p>
+          <a:p>
+            <a:pPr marL="285750" indent="-285750">
+              <a:buFont typeface="Arial" panose="020B0604020202020204" pitchFamily="34" charset="0"/>
+              <a:buChar char="•"/>
+            </a:pPr>
+            <a:endParaRPr lang="en-US" dirty="0">
+              <a:solidFill>
+                <a:srgbClr val="FF0000"/>
+              </a:solidFill>
+            </a:endParaRPr>
+          </a:p>
+          <a:p>
+            <a:endParaRPr lang="en-AU" dirty="0">
+              <a:solidFill>
+                <a:srgbClr val="FF0000"/>
+              </a:solidFill>
+            </a:endParaRPr>
+          </a:p>
+        </p:txBody>
+      </p:sp>
+    </p:spTree>
+    <p:extLst>
+      <p:ext uri="{BB962C8B-B14F-4D97-AF65-F5344CB8AC3E}">
+        <p14:creationId xmlns:p14="http://schemas.microsoft.com/office/powerpoint/2010/main" val="259787247"/>
       </p:ext>
     </p:extLst>
   </p:cSld>
@@ -16937,6 +18197,15 @@
 </file>
 
 <file path=customXml/item1.xml><?xml version="1.0" encoding="utf-8"?>
+<?mso-contentType ?>
+<FormTemplates xmlns="http://schemas.microsoft.com/sharepoint/v3/contenttype/forms">
+  <Display>DocumentLibraryForm</Display>
+  <Edit>DocumentLibraryForm</Edit>
+  <New>DocumentLibraryForm</New>
+</FormTemplates>
+</file>
+
+<file path=customXml/item2.xml><?xml version="1.0" encoding="utf-8"?>
 <ct:contentTypeSchema xmlns:ct="http://schemas.microsoft.com/office/2006/metadata/contentType" xmlns:ma="http://schemas.microsoft.com/office/2006/metadata/properties/metaAttributes" ct:_="" ma:_="" ma:contentTypeName="Document" ma:contentTypeID="0x01010079F111ED35F8CC479449609E8A0923A6" ma:contentTypeVersion="12" ma:contentTypeDescription="Create a new document." ma:contentTypeScope="" ma:versionID="426e97fa315356fffbdcd9876fe988c2">
   <xsd:schema xmlns:xsd="http://www.w3.org/2001/XMLSchema" xmlns:xs="http://www.w3.org/2001/XMLSchema" xmlns:p="http://schemas.microsoft.com/office/2006/metadata/properties" xmlns:ns2="71af3243-3dd4-4a8d-8c0d-dd76da1f02a5" xmlns:ns3="16c05727-aa75-4e4a-9b5f-8a80a1165891" targetNamespace="http://schemas.microsoft.com/office/2006/metadata/properties" ma:root="true" ma:fieldsID="14b8f0def80e6d70ce3def20c90759ae" ns2:_="" ns3:_="">
     <xsd:import namespace="71af3243-3dd4-4a8d-8c0d-dd76da1f02a5"/>
@@ -17157,15 +18426,6 @@
 </ct:contentTypeSchema>
 </file>
 
-<file path=customXml/item2.xml><?xml version="1.0" encoding="utf-8"?>
-<?mso-contentType ?>
-<FormTemplates xmlns="http://schemas.microsoft.com/sharepoint/v3/contenttype/forms">
-  <Display>DocumentLibraryForm</Display>
-  <Edit>DocumentLibraryForm</Edit>
-  <New>DocumentLibraryForm</New>
-</FormTemplates>
-</file>
-
 <file path=customXml/item3.xml><?xml version="1.0" encoding="utf-8"?>
 <p:properties xmlns:p="http://schemas.microsoft.com/office/2006/metadata/properties" xmlns:xsi="http://www.w3.org/2001/XMLSchema-instance" xmlns:pc="http://schemas.microsoft.com/office/infopath/2007/PartnerControls">
   <documentManagement>
@@ -17176,6 +18436,14 @@
 </file>
 
 <file path=customXml/itemProps1.xml><?xml version="1.0" encoding="utf-8"?>
+<ds:datastoreItem xmlns:ds="http://schemas.openxmlformats.org/officeDocument/2006/customXml" ds:itemID="{1D20B6E4-879E-4E6C-BDE7-261540CD3765}">
+  <ds:schemaRefs>
+    <ds:schemaRef ds:uri="http://schemas.microsoft.com/sharepoint/v3/contenttype/forms"/>
+  </ds:schemaRefs>
+</ds:datastoreItem>
+</file>
+
+<file path=customXml/itemProps2.xml><?xml version="1.0" encoding="utf-8"?>
 <ds:datastoreItem xmlns:ds="http://schemas.openxmlformats.org/officeDocument/2006/customXml" ds:itemID="{94F21D10-BD83-491A-AAA6-945C2DB1EB01}">
   <ds:schemaRefs>
     <ds:schemaRef ds:uri="http://schemas.microsoft.com/office/2006/metadata/contentType"/>
@@ -17194,14 +18462,6 @@
 </ds:datastoreItem>
 </file>
 
-<file path=customXml/itemProps2.xml><?xml version="1.0" encoding="utf-8"?>
-<ds:datastoreItem xmlns:ds="http://schemas.openxmlformats.org/officeDocument/2006/customXml" ds:itemID="{1D20B6E4-879E-4E6C-BDE7-261540CD3765}">
-  <ds:schemaRefs>
-    <ds:schemaRef ds:uri="http://schemas.microsoft.com/sharepoint/v3/contenttype/forms"/>
-  </ds:schemaRefs>
-</ds:datastoreItem>
-</file>
-
 <file path=customXml/itemProps3.xml><?xml version="1.0" encoding="utf-8"?>
 <ds:datastoreItem xmlns:ds="http://schemas.openxmlformats.org/officeDocument/2006/customXml" ds:itemID="{09EC1AB0-9704-404D-B6D3-819D938AC55B}">
   <ds:schemaRefs>
